--- a/EndtoEndAlwaysEncrypted.pptx
+++ b/EndtoEndAlwaysEncrypted.pptx
@@ -5,27 +5,31 @@
     <p:sldMasterId id="2147483648" r:id="rId1"/>
   </p:sldMasterIdLst>
   <p:notesMasterIdLst>
-    <p:notesMasterId r:id="rId20"/>
+    <p:notesMasterId r:id="rId24"/>
   </p:notesMasterIdLst>
   <p:sldIdLst>
     <p:sldId id="256" r:id="rId2"/>
     <p:sldId id="257" r:id="rId3"/>
     <p:sldId id="259" r:id="rId4"/>
     <p:sldId id="261" r:id="rId5"/>
-    <p:sldId id="264" r:id="rId6"/>
-    <p:sldId id="267" r:id="rId7"/>
-    <p:sldId id="263" r:id="rId8"/>
-    <p:sldId id="271" r:id="rId9"/>
-    <p:sldId id="265" r:id="rId10"/>
-    <p:sldId id="273" r:id="rId11"/>
-    <p:sldId id="274" r:id="rId12"/>
-    <p:sldId id="268" r:id="rId13"/>
-    <p:sldId id="272" r:id="rId14"/>
-    <p:sldId id="269" r:id="rId15"/>
-    <p:sldId id="258" r:id="rId16"/>
-    <p:sldId id="270" r:id="rId17"/>
-    <p:sldId id="266" r:id="rId18"/>
-    <p:sldId id="262" r:id="rId19"/>
+    <p:sldId id="277" r:id="rId6"/>
+    <p:sldId id="275" r:id="rId7"/>
+    <p:sldId id="276" r:id="rId8"/>
+    <p:sldId id="278" r:id="rId9"/>
+    <p:sldId id="264" r:id="rId10"/>
+    <p:sldId id="267" r:id="rId11"/>
+    <p:sldId id="263" r:id="rId12"/>
+    <p:sldId id="265" r:id="rId13"/>
+    <p:sldId id="271" r:id="rId14"/>
+    <p:sldId id="273" r:id="rId15"/>
+    <p:sldId id="274" r:id="rId16"/>
+    <p:sldId id="268" r:id="rId17"/>
+    <p:sldId id="272" r:id="rId18"/>
+    <p:sldId id="269" r:id="rId19"/>
+    <p:sldId id="258" r:id="rId20"/>
+    <p:sldId id="270" r:id="rId21"/>
+    <p:sldId id="266" r:id="rId22"/>
+    <p:sldId id="262" r:id="rId23"/>
   </p:sldIdLst>
   <p:sldSz cx="12192000" cy="6858000"/>
   <p:notesSz cx="6858000" cy="9144000"/>
@@ -124,6 +128,11 @@
       </a:defRPr>
     </a:lvl9pPr>
   </p:defaultTextStyle>
+  <p:extLst>
+    <p:ext uri="{EFAFB233-063F-42B5-8137-9DF3F51BA10A}">
+      <p15:sldGuideLst xmlns:p15="http://schemas.microsoft.com/office/powerpoint/2012/main"/>
+    </p:ext>
+  </p:extLst>
 </p:presentation>
 </file>
 
@@ -209,7 +218,7 @@
           <a:p>
             <a:fld id="{501103D5-940C-4BC6-8DD6-EC56A2463EE0}" type="datetimeFigureOut">
               <a:rPr lang="en-US" smtClean="0"/>
-              <a:t>4/4/2016</a:t>
+              <a:t>4/7/2016</a:t>
             </a:fld>
             <a:endParaRPr lang="en-US"/>
           </a:p>
@@ -273,38 +282,37 @@
           <a:p>
             <a:pPr lvl="0"/>
             <a:r>
-              <a:rPr lang="en-US" smtClean="0"/>
+              <a:rPr lang="en-US"/>
               <a:t>Click to edit Master text styles</a:t>
             </a:r>
           </a:p>
           <a:p>
             <a:pPr lvl="1"/>
             <a:r>
-              <a:rPr lang="en-US" smtClean="0"/>
+              <a:rPr lang="en-US"/>
               <a:t>Second level</a:t>
             </a:r>
           </a:p>
           <a:p>
             <a:pPr lvl="2"/>
             <a:r>
-              <a:rPr lang="en-US" smtClean="0"/>
+              <a:rPr lang="en-US"/>
               <a:t>Third level</a:t>
             </a:r>
           </a:p>
           <a:p>
             <a:pPr lvl="3"/>
             <a:r>
-              <a:rPr lang="en-US" smtClean="0"/>
+              <a:rPr lang="en-US"/>
               <a:t>Fourth level</a:t>
             </a:r>
           </a:p>
           <a:p>
             <a:pPr lvl="4"/>
             <a:r>
-              <a:rPr lang="en-US" smtClean="0"/>
+              <a:rPr lang="en-US"/>
               <a:t>Fifth level</a:t>
             </a:r>
-            <a:endParaRPr lang="en-US"/>
           </a:p>
         </p:txBody>
       </p:sp>
@@ -819,7 +827,7 @@
           <a:p>
             <a:pPr marL="79375" eaLnBrk="1" hangingPunct="1"/>
             <a:r>
-              <a:rPr lang="en-US" altLang="en-US" smtClean="0">
+              <a:rPr lang="en-US" altLang="en-US">
                 <a:solidFill>
                   <a:srgbClr val="000000"/>
                 </a:solidFill>
@@ -891,28 +899,25 @@
           <a:lstStyle/>
           <a:p>
             <a:r>
-              <a:rPr lang="en-US" dirty="0" smtClean="0"/>
-              <a:t>Create new table</a:t>
-            </a:r>
-          </a:p>
-          <a:p>
-            <a:r>
-              <a:rPr lang="en-US" dirty="0" smtClean="0"/>
-              <a:t>Add</a:t>
-            </a:r>
-            <a:r>
-              <a:rPr lang="en-US" baseline="0" dirty="0" smtClean="0"/>
-              <a:t> some data</a:t>
-            </a:r>
-          </a:p>
-          <a:p>
-            <a:r>
-              <a:rPr lang="en-US" baseline="0" dirty="0" smtClean="0"/>
-              <a:t>Encrypt with wizard</a:t>
-            </a:r>
-          </a:p>
-          <a:p>
-            <a:endParaRPr lang="en-US" dirty="0"/>
+              <a:rPr lang="en-US" dirty="0"/>
+              <a:t>We use</a:t>
+            </a:r>
+            <a:r>
+              <a:rPr lang="en-US" baseline="0" dirty="0"/>
+              <a:t> functions and keys, here’s an example. </a:t>
+            </a:r>
+          </a:p>
+          <a:p>
+            <a:r>
+              <a:rPr lang="en-US" baseline="0" dirty="0"/>
+              <a:t>Describe</a:t>
+            </a:r>
+          </a:p>
+          <a:p>
+            <a:r>
+              <a:rPr lang="en-US" baseline="0" dirty="0"/>
+              <a:t>The function’s complexity determines the resources required to perform encryption, and usually, the security of the encryption process.</a:t>
+            </a:r>
           </a:p>
         </p:txBody>
       </p:sp>
@@ -933,7 +938,7 @@
           <a:p>
             <a:fld id="{FA11749C-2C7E-467C-B17D-61D5024F7C8E}" type="slidenum">
               <a:rPr lang="en-US" smtClean="0"/>
-              <a:t>9</a:t>
+              <a:t>5</a:t>
             </a:fld>
             <a:endParaRPr lang="en-US"/>
           </a:p>
@@ -942,7 +947,7 @@
     </p:spTree>
     <p:extLst>
       <p:ext uri="{BB962C8B-B14F-4D97-AF65-F5344CB8AC3E}">
-        <p14:creationId xmlns:p14="http://schemas.microsoft.com/office/powerpoint/2010/main" val="3243745098"/>
+        <p14:creationId xmlns:p14="http://schemas.microsoft.com/office/powerpoint/2010/main" val="1555796874"/>
       </p:ext>
     </p:extLst>
   </p:cSld>
@@ -997,37 +1002,14 @@
           <a:lstStyle/>
           <a:p>
             <a:r>
-              <a:rPr lang="en-US" dirty="0" smtClean="0"/>
-              <a:t>Try to query</a:t>
-            </a:r>
-            <a:r>
-              <a:rPr lang="en-US" baseline="0" dirty="0" smtClean="0"/>
-              <a:t> data? Encrypted.</a:t>
-            </a:r>
-          </a:p>
-          <a:p>
-            <a:r>
-              <a:rPr lang="en-US" baseline="0" dirty="0" smtClean="0"/>
-              <a:t>Try to add data, fails.</a:t>
-            </a:r>
-          </a:p>
-          <a:p>
-            <a:r>
-              <a:rPr lang="en-US" baseline="0" dirty="0" smtClean="0"/>
-              <a:t>Add data in non encrypted columns – OK</a:t>
-            </a:r>
-          </a:p>
-          <a:p>
-            <a:r>
-              <a:rPr lang="en-US" baseline="0" dirty="0" smtClean="0"/>
-              <a:t>Use client app to add data</a:t>
-            </a:r>
-          </a:p>
-          <a:p>
-            <a:r>
-              <a:rPr lang="en-US" baseline="0" smtClean="0"/>
-              <a:t>Use flag in SSMS to view data.</a:t>
-            </a:r>
+              <a:rPr lang="en-US" dirty="0"/>
+              <a:t>Banks use a two stage</a:t>
+            </a:r>
+            <a:r>
+              <a:rPr lang="en-US" baseline="0" dirty="0"/>
+              <a:t> protection. They use a very strong outer lock., the bank vault door.</a:t>
+            </a:r>
+            <a:endParaRPr lang="en-US" dirty="0"/>
           </a:p>
         </p:txBody>
       </p:sp>
@@ -1048,7 +1030,320 @@
           <a:p>
             <a:fld id="{FA11749C-2C7E-467C-B17D-61D5024F7C8E}" type="slidenum">
               <a:rPr lang="en-US" smtClean="0"/>
-              <a:t>11</a:t>
+              <a:t>6</a:t>
+            </a:fld>
+            <a:endParaRPr lang="en-US"/>
+          </a:p>
+        </p:txBody>
+      </p:sp>
+    </p:spTree>
+    <p:extLst>
+      <p:ext uri="{BB962C8B-B14F-4D97-AF65-F5344CB8AC3E}">
+        <p14:creationId xmlns:p14="http://schemas.microsoft.com/office/powerpoint/2010/main" val="3963991342"/>
+      </p:ext>
+    </p:extLst>
+  </p:cSld>
+  <p:clrMapOvr>
+    <a:masterClrMapping/>
+  </p:clrMapOvr>
+</p:notes>
+</file>
+
+<file path=ppt/notesSlides/notesSlide5.xml><?xml version="1.0" encoding="utf-8"?>
+<p:notes xmlns:a="http://schemas.openxmlformats.org/drawingml/2006/main" xmlns:r="http://schemas.openxmlformats.org/officeDocument/2006/relationships" xmlns:p="http://schemas.openxmlformats.org/presentationml/2006/main">
+  <p:cSld>
+    <p:spTree>
+      <p:nvGrpSpPr>
+        <p:cNvPr id="1" name=""/>
+        <p:cNvGrpSpPr/>
+        <p:nvPr/>
+      </p:nvGrpSpPr>
+      <p:grpSpPr>
+        <a:xfrm>
+          <a:off x="0" y="0"/>
+          <a:ext cx="0" cy="0"/>
+          <a:chOff x="0" y="0"/>
+          <a:chExt cx="0" cy="0"/>
+        </a:xfrm>
+      </p:grpSpPr>
+      <p:sp>
+        <p:nvSpPr>
+          <p:cNvPr id="2" name="Slide Image Placeholder 1"/>
+          <p:cNvSpPr>
+            <a:spLocks noGrp="1" noRot="1" noChangeAspect="1"/>
+          </p:cNvSpPr>
+          <p:nvPr>
+            <p:ph type="sldImg"/>
+          </p:nvPr>
+        </p:nvSpPr>
+        <p:spPr/>
+      </p:sp>
+      <p:sp>
+        <p:nvSpPr>
+          <p:cNvPr id="3" name="Notes Placeholder 2"/>
+          <p:cNvSpPr>
+            <a:spLocks noGrp="1"/>
+          </p:cNvSpPr>
+          <p:nvPr>
+            <p:ph type="body" idx="1"/>
+          </p:nvPr>
+        </p:nvSpPr>
+        <p:spPr/>
+        <p:txBody>
+          <a:bodyPr/>
+          <a:lstStyle/>
+          <a:p>
+            <a:r>
+              <a:rPr lang="en-US" dirty="0"/>
+              <a:t>They use relatively weaker</a:t>
+            </a:r>
+            <a:r>
+              <a:rPr lang="en-US" baseline="0" dirty="0"/>
+              <a:t> locks inside. These are easier to break into.</a:t>
+            </a:r>
+            <a:endParaRPr lang="en-US" dirty="0"/>
+          </a:p>
+        </p:txBody>
+      </p:sp>
+      <p:sp>
+        <p:nvSpPr>
+          <p:cNvPr id="4" name="Slide Number Placeholder 3"/>
+          <p:cNvSpPr>
+            <a:spLocks noGrp="1"/>
+          </p:cNvSpPr>
+          <p:nvPr>
+            <p:ph type="sldNum" sz="quarter" idx="10"/>
+          </p:nvPr>
+        </p:nvSpPr>
+        <p:spPr/>
+        <p:txBody>
+          <a:bodyPr/>
+          <a:lstStyle/>
+          <a:p>
+            <a:fld id="{FA11749C-2C7E-467C-B17D-61D5024F7C8E}" type="slidenum">
+              <a:rPr lang="en-US" smtClean="0"/>
+              <a:t>7</a:t>
+            </a:fld>
+            <a:endParaRPr lang="en-US"/>
+          </a:p>
+        </p:txBody>
+      </p:sp>
+    </p:spTree>
+    <p:extLst>
+      <p:ext uri="{BB962C8B-B14F-4D97-AF65-F5344CB8AC3E}">
+        <p14:creationId xmlns:p14="http://schemas.microsoft.com/office/powerpoint/2010/main" val="414749270"/>
+      </p:ext>
+    </p:extLst>
+  </p:cSld>
+  <p:clrMapOvr>
+    <a:masterClrMapping/>
+  </p:clrMapOvr>
+</p:notes>
+</file>
+
+<file path=ppt/notesSlides/notesSlide6.xml><?xml version="1.0" encoding="utf-8"?>
+<p:notes xmlns:a="http://schemas.openxmlformats.org/drawingml/2006/main" xmlns:r="http://schemas.openxmlformats.org/officeDocument/2006/relationships" xmlns:p="http://schemas.openxmlformats.org/presentationml/2006/main">
+  <p:cSld>
+    <p:spTree>
+      <p:nvGrpSpPr>
+        <p:cNvPr id="1" name=""/>
+        <p:cNvGrpSpPr/>
+        <p:nvPr/>
+      </p:nvGrpSpPr>
+      <p:grpSpPr>
+        <a:xfrm>
+          <a:off x="0" y="0"/>
+          <a:ext cx="0" cy="0"/>
+          <a:chOff x="0" y="0"/>
+          <a:chExt cx="0" cy="0"/>
+        </a:xfrm>
+      </p:grpSpPr>
+      <p:sp>
+        <p:nvSpPr>
+          <p:cNvPr id="2" name="Slide Image Placeholder 1"/>
+          <p:cNvSpPr>
+            <a:spLocks noGrp="1" noRot="1" noChangeAspect="1"/>
+          </p:cNvSpPr>
+          <p:nvPr>
+            <p:ph type="sldImg"/>
+          </p:nvPr>
+        </p:nvSpPr>
+        <p:spPr/>
+      </p:sp>
+      <p:sp>
+        <p:nvSpPr>
+          <p:cNvPr id="3" name="Notes Placeholder 2"/>
+          <p:cNvSpPr>
+            <a:spLocks noGrp="1"/>
+          </p:cNvSpPr>
+          <p:nvPr>
+            <p:ph type="body" idx="1"/>
+          </p:nvPr>
+        </p:nvSpPr>
+        <p:spPr/>
+        <p:txBody>
+          <a:bodyPr/>
+          <a:lstStyle/>
+          <a:p>
+            <a:r>
+              <a:rPr lang="en-US" dirty="0"/>
+              <a:t>Create new table</a:t>
+            </a:r>
+          </a:p>
+          <a:p>
+            <a:r>
+              <a:rPr lang="en-US" dirty="0"/>
+              <a:t>Add</a:t>
+            </a:r>
+            <a:r>
+              <a:rPr lang="en-US" baseline="0" dirty="0"/>
+              <a:t> some data</a:t>
+            </a:r>
+          </a:p>
+          <a:p>
+            <a:r>
+              <a:rPr lang="en-US" baseline="0" dirty="0"/>
+              <a:t>Encrypt with wizard</a:t>
+            </a:r>
+          </a:p>
+          <a:p>
+            <a:endParaRPr lang="en-US" dirty="0"/>
+          </a:p>
+        </p:txBody>
+      </p:sp>
+      <p:sp>
+        <p:nvSpPr>
+          <p:cNvPr id="4" name="Slide Number Placeholder 3"/>
+          <p:cNvSpPr>
+            <a:spLocks noGrp="1"/>
+          </p:cNvSpPr>
+          <p:nvPr>
+            <p:ph type="sldNum" sz="quarter" idx="10"/>
+          </p:nvPr>
+        </p:nvSpPr>
+        <p:spPr/>
+        <p:txBody>
+          <a:bodyPr/>
+          <a:lstStyle/>
+          <a:p>
+            <a:fld id="{FA11749C-2C7E-467C-B17D-61D5024F7C8E}" type="slidenum">
+              <a:rPr lang="en-US" smtClean="0"/>
+              <a:t>12</a:t>
+            </a:fld>
+            <a:endParaRPr lang="en-US"/>
+          </a:p>
+        </p:txBody>
+      </p:sp>
+    </p:spTree>
+    <p:extLst>
+      <p:ext uri="{BB962C8B-B14F-4D97-AF65-F5344CB8AC3E}">
+        <p14:creationId xmlns:p14="http://schemas.microsoft.com/office/powerpoint/2010/main" val="3243745098"/>
+      </p:ext>
+    </p:extLst>
+  </p:cSld>
+  <p:clrMapOvr>
+    <a:masterClrMapping/>
+  </p:clrMapOvr>
+</p:notes>
+</file>
+
+<file path=ppt/notesSlides/notesSlide7.xml><?xml version="1.0" encoding="utf-8"?>
+<p:notes xmlns:a="http://schemas.openxmlformats.org/drawingml/2006/main" xmlns:r="http://schemas.openxmlformats.org/officeDocument/2006/relationships" xmlns:p="http://schemas.openxmlformats.org/presentationml/2006/main">
+  <p:cSld>
+    <p:spTree>
+      <p:nvGrpSpPr>
+        <p:cNvPr id="1" name=""/>
+        <p:cNvGrpSpPr/>
+        <p:nvPr/>
+      </p:nvGrpSpPr>
+      <p:grpSpPr>
+        <a:xfrm>
+          <a:off x="0" y="0"/>
+          <a:ext cx="0" cy="0"/>
+          <a:chOff x="0" y="0"/>
+          <a:chExt cx="0" cy="0"/>
+        </a:xfrm>
+      </p:grpSpPr>
+      <p:sp>
+        <p:nvSpPr>
+          <p:cNvPr id="2" name="Slide Image Placeholder 1"/>
+          <p:cNvSpPr>
+            <a:spLocks noGrp="1" noRot="1" noChangeAspect="1"/>
+          </p:cNvSpPr>
+          <p:nvPr>
+            <p:ph type="sldImg"/>
+          </p:nvPr>
+        </p:nvSpPr>
+        <p:spPr/>
+      </p:sp>
+      <p:sp>
+        <p:nvSpPr>
+          <p:cNvPr id="3" name="Notes Placeholder 2"/>
+          <p:cNvSpPr>
+            <a:spLocks noGrp="1"/>
+          </p:cNvSpPr>
+          <p:nvPr>
+            <p:ph type="body" idx="1"/>
+          </p:nvPr>
+        </p:nvSpPr>
+        <p:spPr/>
+        <p:txBody>
+          <a:bodyPr/>
+          <a:lstStyle/>
+          <a:p>
+            <a:r>
+              <a:rPr lang="en-US" dirty="0"/>
+              <a:t>Try to query</a:t>
+            </a:r>
+            <a:r>
+              <a:rPr lang="en-US" baseline="0" dirty="0"/>
+              <a:t> data? Encrypted.</a:t>
+            </a:r>
+          </a:p>
+          <a:p>
+            <a:r>
+              <a:rPr lang="en-US" baseline="0" dirty="0"/>
+              <a:t>Try to add data, fails.</a:t>
+            </a:r>
+          </a:p>
+          <a:p>
+            <a:r>
+              <a:rPr lang="en-US" baseline="0" dirty="0"/>
+              <a:t>Add data in non encrypted columns – OK</a:t>
+            </a:r>
+          </a:p>
+          <a:p>
+            <a:r>
+              <a:rPr lang="en-US" baseline="0" dirty="0"/>
+              <a:t>Use client app to add data</a:t>
+            </a:r>
+          </a:p>
+          <a:p>
+            <a:r>
+              <a:rPr lang="en-US" baseline="0"/>
+              <a:t>Use flag in SSMS to view data.</a:t>
+            </a:r>
+          </a:p>
+        </p:txBody>
+      </p:sp>
+      <p:sp>
+        <p:nvSpPr>
+          <p:cNvPr id="4" name="Slide Number Placeholder 3"/>
+          <p:cNvSpPr>
+            <a:spLocks noGrp="1"/>
+          </p:cNvSpPr>
+          <p:nvPr>
+            <p:ph type="sldNum" sz="quarter" idx="10"/>
+          </p:nvPr>
+        </p:nvSpPr>
+        <p:spPr/>
+        <p:txBody>
+          <a:bodyPr/>
+          <a:lstStyle/>
+          <a:p>
+            <a:fld id="{FA11749C-2C7E-467C-B17D-61D5024F7C8E}" type="slidenum">
+              <a:rPr lang="en-US" smtClean="0"/>
+              <a:t>15</a:t>
             </a:fld>
             <a:endParaRPr lang="en-US"/>
           </a:p>
@@ -1109,10 +1404,9 @@
           </a:lstStyle>
           <a:p>
             <a:r>
-              <a:rPr lang="en-US" smtClean="0"/>
+              <a:rPr lang="en-US"/>
               <a:t>Click to edit Master title style</a:t>
             </a:r>
-            <a:endParaRPr lang="en-US"/>
           </a:p>
         </p:txBody>
       </p:sp>
@@ -1174,10 +1468,9 @@
           </a:lstStyle>
           <a:p>
             <a:r>
-              <a:rPr lang="en-US" smtClean="0"/>
+              <a:rPr lang="en-US"/>
               <a:t>Click to edit Master subtitle style</a:t>
             </a:r>
-            <a:endParaRPr lang="en-US"/>
           </a:p>
         </p:txBody>
       </p:sp>
@@ -1198,7 +1491,7 @@
           <a:p>
             <a:fld id="{AFE28CCF-C73F-479B-94EC-A5E54FF894ED}" type="datetimeFigureOut">
               <a:rPr lang="en-US" smtClean="0"/>
-              <a:t>4/4/2016</a:t>
+              <a:t>4/7/2016</a:t>
             </a:fld>
             <a:endParaRPr lang="en-US"/>
           </a:p>
@@ -1292,10 +1585,9 @@
           <a:lstStyle/>
           <a:p>
             <a:r>
-              <a:rPr lang="en-US" smtClean="0"/>
+              <a:rPr lang="en-US"/>
               <a:t>Click to edit Master title style</a:t>
             </a:r>
-            <a:endParaRPr lang="en-US"/>
           </a:p>
         </p:txBody>
       </p:sp>
@@ -1316,38 +1608,37 @@
           <a:p>
             <a:pPr lvl="0"/>
             <a:r>
-              <a:rPr lang="en-US" smtClean="0"/>
+              <a:rPr lang="en-US"/>
               <a:t>Click to edit Master text styles</a:t>
             </a:r>
           </a:p>
           <a:p>
             <a:pPr lvl="1"/>
             <a:r>
-              <a:rPr lang="en-US" smtClean="0"/>
+              <a:rPr lang="en-US"/>
               <a:t>Second level</a:t>
             </a:r>
           </a:p>
           <a:p>
             <a:pPr lvl="2"/>
             <a:r>
-              <a:rPr lang="en-US" smtClean="0"/>
+              <a:rPr lang="en-US"/>
               <a:t>Third level</a:t>
             </a:r>
           </a:p>
           <a:p>
             <a:pPr lvl="3"/>
             <a:r>
-              <a:rPr lang="en-US" smtClean="0"/>
+              <a:rPr lang="en-US"/>
               <a:t>Fourth level</a:t>
             </a:r>
           </a:p>
           <a:p>
             <a:pPr lvl="4"/>
             <a:r>
-              <a:rPr lang="en-US" smtClean="0"/>
+              <a:rPr lang="en-US"/>
               <a:t>Fifth level</a:t>
             </a:r>
-            <a:endParaRPr lang="en-US"/>
           </a:p>
         </p:txBody>
       </p:sp>
@@ -1368,7 +1659,7 @@
           <a:p>
             <a:fld id="{AFE28CCF-C73F-479B-94EC-A5E54FF894ED}" type="datetimeFigureOut">
               <a:rPr lang="en-US" smtClean="0"/>
-              <a:t>4/4/2016</a:t>
+              <a:t>4/7/2016</a:t>
             </a:fld>
             <a:endParaRPr lang="en-US"/>
           </a:p>
@@ -1467,10 +1758,9 @@
           <a:lstStyle/>
           <a:p>
             <a:r>
-              <a:rPr lang="en-US" smtClean="0"/>
+              <a:rPr lang="en-US"/>
               <a:t>Click to edit Master title style</a:t>
             </a:r>
-            <a:endParaRPr lang="en-US"/>
           </a:p>
         </p:txBody>
       </p:sp>
@@ -1496,38 +1786,37 @@
           <a:p>
             <a:pPr lvl="0"/>
             <a:r>
-              <a:rPr lang="en-US" smtClean="0"/>
+              <a:rPr lang="en-US"/>
               <a:t>Click to edit Master text styles</a:t>
             </a:r>
           </a:p>
           <a:p>
             <a:pPr lvl="1"/>
             <a:r>
-              <a:rPr lang="en-US" smtClean="0"/>
+              <a:rPr lang="en-US"/>
               <a:t>Second level</a:t>
             </a:r>
           </a:p>
           <a:p>
             <a:pPr lvl="2"/>
             <a:r>
-              <a:rPr lang="en-US" smtClean="0"/>
+              <a:rPr lang="en-US"/>
               <a:t>Third level</a:t>
             </a:r>
           </a:p>
           <a:p>
             <a:pPr lvl="3"/>
             <a:r>
-              <a:rPr lang="en-US" smtClean="0"/>
+              <a:rPr lang="en-US"/>
               <a:t>Fourth level</a:t>
             </a:r>
           </a:p>
           <a:p>
             <a:pPr lvl="4"/>
             <a:r>
-              <a:rPr lang="en-US" smtClean="0"/>
+              <a:rPr lang="en-US"/>
               <a:t>Fifth level</a:t>
             </a:r>
-            <a:endParaRPr lang="en-US"/>
           </a:p>
         </p:txBody>
       </p:sp>
@@ -1548,7 +1837,7 @@
           <a:p>
             <a:fld id="{AFE28CCF-C73F-479B-94EC-A5E54FF894ED}" type="datetimeFigureOut">
               <a:rPr lang="en-US" smtClean="0"/>
-              <a:t>4/4/2016</a:t>
+              <a:t>4/7/2016</a:t>
             </a:fld>
             <a:endParaRPr lang="en-US"/>
           </a:p>
@@ -1642,10 +1931,9 @@
           <a:lstStyle/>
           <a:p>
             <a:r>
-              <a:rPr lang="en-US" smtClean="0"/>
+              <a:rPr lang="en-US"/>
               <a:t>Click to edit Master title style</a:t>
             </a:r>
-            <a:endParaRPr lang="en-US"/>
           </a:p>
         </p:txBody>
       </p:sp>
@@ -1666,38 +1954,37 @@
           <a:p>
             <a:pPr lvl="0"/>
             <a:r>
-              <a:rPr lang="en-US" smtClean="0"/>
+              <a:rPr lang="en-US"/>
               <a:t>Click to edit Master text styles</a:t>
             </a:r>
           </a:p>
           <a:p>
             <a:pPr lvl="1"/>
             <a:r>
-              <a:rPr lang="en-US" smtClean="0"/>
+              <a:rPr lang="en-US"/>
               <a:t>Second level</a:t>
             </a:r>
           </a:p>
           <a:p>
             <a:pPr lvl="2"/>
             <a:r>
-              <a:rPr lang="en-US" smtClean="0"/>
+              <a:rPr lang="en-US"/>
               <a:t>Third level</a:t>
             </a:r>
           </a:p>
           <a:p>
             <a:pPr lvl="3"/>
             <a:r>
-              <a:rPr lang="en-US" smtClean="0"/>
+              <a:rPr lang="en-US"/>
               <a:t>Fourth level</a:t>
             </a:r>
           </a:p>
           <a:p>
             <a:pPr lvl="4"/>
             <a:r>
-              <a:rPr lang="en-US" smtClean="0"/>
+              <a:rPr lang="en-US"/>
               <a:t>Fifth level</a:t>
             </a:r>
-            <a:endParaRPr lang="en-US"/>
           </a:p>
         </p:txBody>
       </p:sp>
@@ -1718,7 +2005,7 @@
           <a:p>
             <a:fld id="{AFE28CCF-C73F-479B-94EC-A5E54FF894ED}" type="datetimeFigureOut">
               <a:rPr lang="en-US" smtClean="0"/>
-              <a:t>4/4/2016</a:t>
+              <a:t>4/7/2016</a:t>
             </a:fld>
             <a:endParaRPr lang="en-US"/>
           </a:p>
@@ -1821,10 +2108,9 @@
           </a:lstStyle>
           <a:p>
             <a:r>
-              <a:rPr lang="en-US" smtClean="0"/>
+              <a:rPr lang="en-US"/>
               <a:t>Click to edit Master title style</a:t>
             </a:r>
-            <a:endParaRPr lang="en-US"/>
           </a:p>
         </p:txBody>
       </p:sp>
@@ -1941,7 +2227,7 @@
           <a:p>
             <a:pPr lvl="0"/>
             <a:r>
-              <a:rPr lang="en-US" smtClean="0"/>
+              <a:rPr lang="en-US"/>
               <a:t>Click to edit Master text styles</a:t>
             </a:r>
           </a:p>
@@ -1964,7 +2250,7 @@
           <a:p>
             <a:fld id="{AFE28CCF-C73F-479B-94EC-A5E54FF894ED}" type="datetimeFigureOut">
               <a:rPr lang="en-US" smtClean="0"/>
-              <a:t>4/4/2016</a:t>
+              <a:t>4/7/2016</a:t>
             </a:fld>
             <a:endParaRPr lang="en-US"/>
           </a:p>
@@ -2058,10 +2344,9 @@
           <a:lstStyle/>
           <a:p>
             <a:r>
-              <a:rPr lang="en-US" smtClean="0"/>
+              <a:rPr lang="en-US"/>
               <a:t>Click to edit Master title style</a:t>
             </a:r>
-            <a:endParaRPr lang="en-US"/>
           </a:p>
         </p:txBody>
       </p:sp>
@@ -2087,38 +2372,37 @@
           <a:p>
             <a:pPr lvl="0"/>
             <a:r>
-              <a:rPr lang="en-US" smtClean="0"/>
+              <a:rPr lang="en-US"/>
               <a:t>Click to edit Master text styles</a:t>
             </a:r>
           </a:p>
           <a:p>
             <a:pPr lvl="1"/>
             <a:r>
-              <a:rPr lang="en-US" smtClean="0"/>
+              <a:rPr lang="en-US"/>
               <a:t>Second level</a:t>
             </a:r>
           </a:p>
           <a:p>
             <a:pPr lvl="2"/>
             <a:r>
-              <a:rPr lang="en-US" smtClean="0"/>
+              <a:rPr lang="en-US"/>
               <a:t>Third level</a:t>
             </a:r>
           </a:p>
           <a:p>
             <a:pPr lvl="3"/>
             <a:r>
-              <a:rPr lang="en-US" smtClean="0"/>
+              <a:rPr lang="en-US"/>
               <a:t>Fourth level</a:t>
             </a:r>
           </a:p>
           <a:p>
             <a:pPr lvl="4"/>
             <a:r>
-              <a:rPr lang="en-US" smtClean="0"/>
+              <a:rPr lang="en-US"/>
               <a:t>Fifth level</a:t>
             </a:r>
-            <a:endParaRPr lang="en-US"/>
           </a:p>
         </p:txBody>
       </p:sp>
@@ -2144,38 +2428,37 @@
           <a:p>
             <a:pPr lvl="0"/>
             <a:r>
-              <a:rPr lang="en-US" smtClean="0"/>
+              <a:rPr lang="en-US"/>
               <a:t>Click to edit Master text styles</a:t>
             </a:r>
           </a:p>
           <a:p>
             <a:pPr lvl="1"/>
             <a:r>
-              <a:rPr lang="en-US" smtClean="0"/>
+              <a:rPr lang="en-US"/>
               <a:t>Second level</a:t>
             </a:r>
           </a:p>
           <a:p>
             <a:pPr lvl="2"/>
             <a:r>
-              <a:rPr lang="en-US" smtClean="0"/>
+              <a:rPr lang="en-US"/>
               <a:t>Third level</a:t>
             </a:r>
           </a:p>
           <a:p>
             <a:pPr lvl="3"/>
             <a:r>
-              <a:rPr lang="en-US" smtClean="0"/>
+              <a:rPr lang="en-US"/>
               <a:t>Fourth level</a:t>
             </a:r>
           </a:p>
           <a:p>
             <a:pPr lvl="4"/>
             <a:r>
-              <a:rPr lang="en-US" smtClean="0"/>
+              <a:rPr lang="en-US"/>
               <a:t>Fifth level</a:t>
             </a:r>
-            <a:endParaRPr lang="en-US"/>
           </a:p>
         </p:txBody>
       </p:sp>
@@ -2196,7 +2479,7 @@
           <a:p>
             <a:fld id="{AFE28CCF-C73F-479B-94EC-A5E54FF894ED}" type="datetimeFigureOut">
               <a:rPr lang="en-US" smtClean="0"/>
-              <a:t>4/4/2016</a:t>
+              <a:t>4/7/2016</a:t>
             </a:fld>
             <a:endParaRPr lang="en-US"/>
           </a:p>
@@ -2295,10 +2578,9 @@
           <a:lstStyle/>
           <a:p>
             <a:r>
-              <a:rPr lang="en-US" smtClean="0"/>
+              <a:rPr lang="en-US"/>
               <a:t>Click to edit Master title style</a:t>
             </a:r>
-            <a:endParaRPr lang="en-US"/>
           </a:p>
         </p:txBody>
       </p:sp>
@@ -2361,7 +2643,7 @@
           <a:p>
             <a:pPr lvl="0"/>
             <a:r>
-              <a:rPr lang="en-US" smtClean="0"/>
+              <a:rPr lang="en-US"/>
               <a:t>Click to edit Master text styles</a:t>
             </a:r>
           </a:p>
@@ -2389,38 +2671,37 @@
           <a:p>
             <a:pPr lvl="0"/>
             <a:r>
-              <a:rPr lang="en-US" smtClean="0"/>
+              <a:rPr lang="en-US"/>
               <a:t>Click to edit Master text styles</a:t>
             </a:r>
           </a:p>
           <a:p>
             <a:pPr lvl="1"/>
             <a:r>
-              <a:rPr lang="en-US" smtClean="0"/>
+              <a:rPr lang="en-US"/>
               <a:t>Second level</a:t>
             </a:r>
           </a:p>
           <a:p>
             <a:pPr lvl="2"/>
             <a:r>
-              <a:rPr lang="en-US" smtClean="0"/>
+              <a:rPr lang="en-US"/>
               <a:t>Third level</a:t>
             </a:r>
           </a:p>
           <a:p>
             <a:pPr lvl="3"/>
             <a:r>
-              <a:rPr lang="en-US" smtClean="0"/>
+              <a:rPr lang="en-US"/>
               <a:t>Fourth level</a:t>
             </a:r>
           </a:p>
           <a:p>
             <a:pPr lvl="4"/>
             <a:r>
-              <a:rPr lang="en-US" smtClean="0"/>
+              <a:rPr lang="en-US"/>
               <a:t>Fifth level</a:t>
             </a:r>
-            <a:endParaRPr lang="en-US"/>
           </a:p>
         </p:txBody>
       </p:sp>
@@ -2483,7 +2764,7 @@
           <a:p>
             <a:pPr lvl="0"/>
             <a:r>
-              <a:rPr lang="en-US" smtClean="0"/>
+              <a:rPr lang="en-US"/>
               <a:t>Click to edit Master text styles</a:t>
             </a:r>
           </a:p>
@@ -2511,38 +2792,37 @@
           <a:p>
             <a:pPr lvl="0"/>
             <a:r>
-              <a:rPr lang="en-US" smtClean="0"/>
+              <a:rPr lang="en-US"/>
               <a:t>Click to edit Master text styles</a:t>
             </a:r>
           </a:p>
           <a:p>
             <a:pPr lvl="1"/>
             <a:r>
-              <a:rPr lang="en-US" smtClean="0"/>
+              <a:rPr lang="en-US"/>
               <a:t>Second level</a:t>
             </a:r>
           </a:p>
           <a:p>
             <a:pPr lvl="2"/>
             <a:r>
-              <a:rPr lang="en-US" smtClean="0"/>
+              <a:rPr lang="en-US"/>
               <a:t>Third level</a:t>
             </a:r>
           </a:p>
           <a:p>
             <a:pPr lvl="3"/>
             <a:r>
-              <a:rPr lang="en-US" smtClean="0"/>
+              <a:rPr lang="en-US"/>
               <a:t>Fourth level</a:t>
             </a:r>
           </a:p>
           <a:p>
             <a:pPr lvl="4"/>
             <a:r>
-              <a:rPr lang="en-US" smtClean="0"/>
+              <a:rPr lang="en-US"/>
               <a:t>Fifth level</a:t>
             </a:r>
-            <a:endParaRPr lang="en-US"/>
           </a:p>
         </p:txBody>
       </p:sp>
@@ -2563,7 +2843,7 @@
           <a:p>
             <a:fld id="{AFE28CCF-C73F-479B-94EC-A5E54FF894ED}" type="datetimeFigureOut">
               <a:rPr lang="en-US" smtClean="0"/>
-              <a:t>4/4/2016</a:t>
+              <a:t>4/7/2016</a:t>
             </a:fld>
             <a:endParaRPr lang="en-US"/>
           </a:p>
@@ -2657,10 +2937,9 @@
           <a:lstStyle/>
           <a:p>
             <a:r>
-              <a:rPr lang="en-US" smtClean="0"/>
+              <a:rPr lang="en-US"/>
               <a:t>Click to edit Master title style</a:t>
             </a:r>
-            <a:endParaRPr lang="en-US"/>
           </a:p>
         </p:txBody>
       </p:sp>
@@ -2681,7 +2960,7 @@
           <a:p>
             <a:fld id="{AFE28CCF-C73F-479B-94EC-A5E54FF894ED}" type="datetimeFigureOut">
               <a:rPr lang="en-US" smtClean="0"/>
-              <a:t>4/4/2016</a:t>
+              <a:t>4/7/2016</a:t>
             </a:fld>
             <a:endParaRPr lang="en-US"/>
           </a:p>
@@ -2776,7 +3055,7 @@
           <a:p>
             <a:fld id="{AFE28CCF-C73F-479B-94EC-A5E54FF894ED}" type="datetimeFigureOut">
               <a:rPr lang="en-US" smtClean="0"/>
-              <a:t>4/4/2016</a:t>
+              <a:t>4/7/2016</a:t>
             </a:fld>
             <a:endParaRPr lang="en-US"/>
           </a:p>
@@ -2879,10 +3158,9 @@
           </a:lstStyle>
           <a:p>
             <a:r>
-              <a:rPr lang="en-US" smtClean="0"/>
+              <a:rPr lang="en-US"/>
               <a:t>Click to edit Master title style</a:t>
             </a:r>
-            <a:endParaRPr lang="en-US"/>
           </a:p>
         </p:txBody>
       </p:sp>
@@ -2936,38 +3214,37 @@
           <a:p>
             <a:pPr lvl="0"/>
             <a:r>
-              <a:rPr lang="en-US" smtClean="0"/>
+              <a:rPr lang="en-US"/>
               <a:t>Click to edit Master text styles</a:t>
             </a:r>
           </a:p>
           <a:p>
             <a:pPr lvl="1"/>
             <a:r>
-              <a:rPr lang="en-US" smtClean="0"/>
+              <a:rPr lang="en-US"/>
               <a:t>Second level</a:t>
             </a:r>
           </a:p>
           <a:p>
             <a:pPr lvl="2"/>
             <a:r>
-              <a:rPr lang="en-US" smtClean="0"/>
+              <a:rPr lang="en-US"/>
               <a:t>Third level</a:t>
             </a:r>
           </a:p>
           <a:p>
             <a:pPr lvl="3"/>
             <a:r>
-              <a:rPr lang="en-US" smtClean="0"/>
+              <a:rPr lang="en-US"/>
               <a:t>Fourth level</a:t>
             </a:r>
           </a:p>
           <a:p>
             <a:pPr lvl="4"/>
             <a:r>
-              <a:rPr lang="en-US" smtClean="0"/>
+              <a:rPr lang="en-US"/>
               <a:t>Fifth level</a:t>
             </a:r>
-            <a:endParaRPr lang="en-US"/>
           </a:p>
         </p:txBody>
       </p:sp>
@@ -3030,7 +3307,7 @@
           <a:p>
             <a:pPr lvl="0"/>
             <a:r>
-              <a:rPr lang="en-US" smtClean="0"/>
+              <a:rPr lang="en-US"/>
               <a:t>Click to edit Master text styles</a:t>
             </a:r>
           </a:p>
@@ -3053,7 +3330,7 @@
           <a:p>
             <a:fld id="{AFE28CCF-C73F-479B-94EC-A5E54FF894ED}" type="datetimeFigureOut">
               <a:rPr lang="en-US" smtClean="0"/>
-              <a:t>4/4/2016</a:t>
+              <a:t>4/7/2016</a:t>
             </a:fld>
             <a:endParaRPr lang="en-US"/>
           </a:p>
@@ -3156,10 +3433,9 @@
           </a:lstStyle>
           <a:p>
             <a:r>
-              <a:rPr lang="en-US" smtClean="0"/>
+              <a:rPr lang="en-US"/>
               <a:t>Click to edit Master title style</a:t>
             </a:r>
-            <a:endParaRPr lang="en-US"/>
           </a:p>
         </p:txBody>
       </p:sp>
@@ -3283,7 +3559,7 @@
           <a:p>
             <a:pPr lvl="0"/>
             <a:r>
-              <a:rPr lang="en-US" smtClean="0"/>
+              <a:rPr lang="en-US"/>
               <a:t>Click to edit Master text styles</a:t>
             </a:r>
           </a:p>
@@ -3306,7 +3582,7 @@
           <a:p>
             <a:fld id="{AFE28CCF-C73F-479B-94EC-A5E54FF894ED}" type="datetimeFigureOut">
               <a:rPr lang="en-US" smtClean="0"/>
-              <a:t>4/4/2016</a:t>
+              <a:t>4/7/2016</a:t>
             </a:fld>
             <a:endParaRPr lang="en-US"/>
           </a:p>
@@ -3415,10 +3691,9 @@
           <a:lstStyle/>
           <a:p>
             <a:r>
-              <a:rPr lang="en-US" smtClean="0"/>
+              <a:rPr lang="en-US"/>
               <a:t>Click to edit Master title style</a:t>
             </a:r>
-            <a:endParaRPr lang="en-US"/>
           </a:p>
         </p:txBody>
       </p:sp>
@@ -3449,38 +3724,37 @@
           <a:p>
             <a:pPr lvl="0"/>
             <a:r>
-              <a:rPr lang="en-US" smtClean="0"/>
+              <a:rPr lang="en-US"/>
               <a:t>Click to edit Master text styles</a:t>
             </a:r>
           </a:p>
           <a:p>
             <a:pPr lvl="1"/>
             <a:r>
-              <a:rPr lang="en-US" smtClean="0"/>
+              <a:rPr lang="en-US"/>
               <a:t>Second level</a:t>
             </a:r>
           </a:p>
           <a:p>
             <a:pPr lvl="2"/>
             <a:r>
-              <a:rPr lang="en-US" smtClean="0"/>
+              <a:rPr lang="en-US"/>
               <a:t>Third level</a:t>
             </a:r>
           </a:p>
           <a:p>
             <a:pPr lvl="3"/>
             <a:r>
-              <a:rPr lang="en-US" smtClean="0"/>
+              <a:rPr lang="en-US"/>
               <a:t>Fourth level</a:t>
             </a:r>
           </a:p>
           <a:p>
             <a:pPr lvl="4"/>
             <a:r>
-              <a:rPr lang="en-US" smtClean="0"/>
+              <a:rPr lang="en-US"/>
               <a:t>Fifth level</a:t>
             </a:r>
-            <a:endParaRPr lang="en-US"/>
           </a:p>
         </p:txBody>
       </p:sp>
@@ -3519,7 +3793,7 @@
           <a:p>
             <a:fld id="{AFE28CCF-C73F-479B-94EC-A5E54FF894ED}" type="datetimeFigureOut">
               <a:rPr lang="en-US" smtClean="0"/>
-              <a:t>4/4/2016</a:t>
+              <a:t>4/7/2016</a:t>
             </a:fld>
             <a:endParaRPr lang="en-US"/>
           </a:p>
@@ -3940,57 +4214,55 @@
           <a:lstStyle/>
           <a:p>
             <a:r>
-              <a:rPr lang="en-US" dirty="0" smtClean="0"/>
+              <a:rPr lang="en-US" dirty="0"/>
               <a:t>End to End Always Encrypted</a:t>
             </a:r>
             <a:br>
-              <a:rPr lang="en-US" dirty="0" smtClean="0"/>
+              <a:rPr lang="en-US" dirty="0"/>
             </a:br>
             <a:r>
-              <a:rPr lang="en-US" dirty="0" smtClean="0"/>
+              <a:rPr lang="en-US" dirty="0"/>
               <a:t>in SQL Server 2016</a:t>
             </a:r>
+          </a:p>
+        </p:txBody>
+      </p:sp>
+      <p:sp>
+        <p:nvSpPr>
+          <p:cNvPr id="3" name="Subtitle 2"/>
+          <p:cNvSpPr>
+            <a:spLocks noGrp="1"/>
+          </p:cNvSpPr>
+          <p:nvPr>
+            <p:ph type="subTitle" idx="1"/>
+          </p:nvPr>
+        </p:nvSpPr>
+        <p:spPr/>
+        <p:txBody>
+          <a:bodyPr/>
+          <a:lstStyle/>
+          <a:p>
+            <a:r>
+              <a:rPr lang="en-US" dirty="0"/>
+              <a:t>Steve Jones</a:t>
+            </a:r>
+          </a:p>
+          <a:p>
+            <a:r>
+              <a:rPr lang="en-US" dirty="0" err="1"/>
+              <a:t>SQLServerCentral</a:t>
+            </a:r>
             <a:endParaRPr lang="en-US" dirty="0"/>
           </a:p>
-        </p:txBody>
-      </p:sp>
-      <p:sp>
-        <p:nvSpPr>
-          <p:cNvPr id="3" name="Subtitle 2"/>
-          <p:cNvSpPr>
-            <a:spLocks noGrp="1"/>
-          </p:cNvSpPr>
-          <p:nvPr>
-            <p:ph type="subTitle" idx="1"/>
-          </p:nvPr>
-        </p:nvSpPr>
-        <p:spPr/>
-        <p:txBody>
-          <a:bodyPr/>
-          <a:lstStyle/>
-          <a:p>
-            <a:r>
-              <a:rPr lang="en-US" dirty="0" smtClean="0"/>
-              <a:t>Steve Jones</a:t>
-            </a:r>
-          </a:p>
-          <a:p>
-            <a:r>
-              <a:rPr lang="en-US" dirty="0" err="1" smtClean="0"/>
-              <a:t>SQLServerCentral</a:t>
-            </a:r>
-            <a:endParaRPr lang="en-US" dirty="0" smtClean="0"/>
-          </a:p>
-          <a:p>
-            <a:r>
-              <a:rPr lang="en-US" dirty="0" err="1" smtClean="0"/>
+          <a:p>
+            <a:r>
+              <a:rPr lang="en-US" dirty="0" err="1"/>
               <a:t>Redgate</a:t>
             </a:r>
             <a:r>
-              <a:rPr lang="en-US" dirty="0" smtClean="0"/>
+              <a:rPr lang="en-US" dirty="0"/>
               <a:t> Software</a:t>
             </a:r>
-            <a:endParaRPr lang="en-US" dirty="0"/>
           </a:p>
         </p:txBody>
       </p:sp>
@@ -4026,7 +4298,7 @@
       </p:grpSpPr>
       <p:sp>
         <p:nvSpPr>
-          <p:cNvPr id="4" name="Title 3"/>
+          <p:cNvPr id="2" name="Title 1"/>
           <p:cNvSpPr>
             <a:spLocks noGrp="1"/>
           </p:cNvSpPr>
@@ -4040,16 +4312,15 @@
           <a:lstStyle/>
           <a:p>
             <a:r>
-              <a:rPr lang="en-US" dirty="0" smtClean="0"/>
-              <a:t>Accessing and Entering Data</a:t>
-            </a:r>
-            <a:endParaRPr lang="en-US" dirty="0"/>
-          </a:p>
-        </p:txBody>
-      </p:sp>
-      <p:sp>
-        <p:nvSpPr>
-          <p:cNvPr id="5" name="Content Placeholder 4"/>
+              <a:rPr lang="en-US" dirty="0"/>
+              <a:t>Always Encrypted is different.</a:t>
+            </a:r>
+          </a:p>
+        </p:txBody>
+      </p:sp>
+      <p:sp>
+        <p:nvSpPr>
+          <p:cNvPr id="3" name="Content Placeholder 2"/>
           <p:cNvSpPr>
             <a:spLocks noGrp="1"/>
           </p:cNvSpPr>
@@ -4063,21 +4334,29 @@
           <a:lstStyle/>
           <a:p>
             <a:r>
-              <a:rPr lang="en-US" dirty="0" smtClean="0"/>
-              <a:t>Must use a client application</a:t>
-            </a:r>
-          </a:p>
-          <a:p>
-            <a:r>
-              <a:rPr lang="en-US" dirty="0" smtClean="0"/>
-              <a:t>Queries must be parameterized</a:t>
-            </a:r>
-          </a:p>
-          <a:p>
-            <a:r>
-              <a:rPr lang="en-US" dirty="0" smtClean="0"/>
-              <a:t>Only equals operations on encrypted data</a:t>
-            </a:r>
+              <a:rPr lang="en-US" dirty="0"/>
+              <a:t>Added in SQL Server 2016 and Azure SQL Database</a:t>
+            </a:r>
+          </a:p>
+          <a:p>
+            <a:r>
+              <a:rPr lang="en-US" dirty="0"/>
+              <a:t>SQL Server does not (necessarily) know how to decrypt data</a:t>
+            </a:r>
+          </a:p>
+          <a:p>
+            <a:r>
+              <a:rPr lang="en-US" dirty="0"/>
+              <a:t>Client manages the encryption protection</a:t>
+            </a:r>
+          </a:p>
+          <a:p>
+            <a:r>
+              <a:rPr lang="en-US" dirty="0"/>
+              <a:t>Data is encrypted in transit and on the server</a:t>
+            </a:r>
+          </a:p>
+          <a:p>
             <a:endParaRPr lang="en-US" dirty="0"/>
           </a:p>
         </p:txBody>
@@ -4085,7 +4364,7 @@
     </p:spTree>
     <p:extLst>
       <p:ext uri="{BB962C8B-B14F-4D97-AF65-F5344CB8AC3E}">
-        <p14:creationId xmlns:p14="http://schemas.microsoft.com/office/powerpoint/2010/main" val="1061775597"/>
+        <p14:creationId xmlns:p14="http://schemas.microsoft.com/office/powerpoint/2010/main" val="36775740"/>
       </p:ext>
     </p:extLst>
   </p:cSld>
@@ -4114,7 +4393,7 @@
       </p:grpSpPr>
       <p:sp>
         <p:nvSpPr>
-          <p:cNvPr id="4" name="Title 3"/>
+          <p:cNvPr id="2" name="Title 1"/>
           <p:cNvSpPr>
             <a:spLocks noGrp="1"/>
           </p:cNvSpPr>
@@ -4129,50 +4408,44 @@
           <a:p>
             <a:r>
               <a:rPr lang="en-US" dirty="0"/>
-              <a:t>Demo</a:t>
-            </a:r>
-          </a:p>
-        </p:txBody>
-      </p:sp>
-      <p:sp>
-        <p:nvSpPr>
-          <p:cNvPr id="5" name="Text Placeholder 4"/>
-          <p:cNvSpPr>
-            <a:spLocks noGrp="1"/>
-          </p:cNvSpPr>
-          <p:nvPr>
-            <p:ph type="body" idx="1"/>
-          </p:nvPr>
-        </p:nvSpPr>
-        <p:spPr/>
-        <p:txBody>
-          <a:bodyPr/>
-          <a:lstStyle/>
-          <a:p>
-            <a:r>
-              <a:rPr lang="en-US" dirty="0"/>
-              <a:t>Always </a:t>
-            </a:r>
-            <a:r>
-              <a:rPr lang="en-US" dirty="0" smtClean="0"/>
-              <a:t>Encrypted </a:t>
-            </a:r>
-            <a:r>
-              <a:rPr lang="en-US" dirty="0" smtClean="0"/>
-              <a:t>Data</a:t>
-            </a:r>
-            <a:r>
-              <a:rPr lang="en-US" dirty="0" smtClean="0"/>
-              <a:t> </a:t>
-            </a:r>
-            <a:endParaRPr lang="en-US" dirty="0"/>
-          </a:p>
-        </p:txBody>
-      </p:sp>
+              <a:t>Always Encrypted </a:t>
+            </a:r>
+          </a:p>
+        </p:txBody>
+      </p:sp>
+      <p:pic>
+        <p:nvPicPr>
+          <p:cNvPr id="4" name="Content Placeholder 3"/>
+          <p:cNvPicPr>
+            <a:picLocks noGrp="1" noChangeAspect="1"/>
+          </p:cNvPicPr>
+          <p:nvPr>
+            <p:ph idx="1"/>
+          </p:nvPr>
+        </p:nvPicPr>
+        <p:blipFill>
+          <a:blip r:embed="rId2">
+            <a:extLst>
+              <a:ext uri="{28A0092B-C50C-407E-A947-70E740481C1C}">
+                <a14:useLocalDpi xmlns:a14="http://schemas.microsoft.com/office/drawing/2010/main" val="0"/>
+              </a:ext>
+            </a:extLst>
+          </a:blip>
+          <a:stretch>
+            <a:fillRect/>
+          </a:stretch>
+        </p:blipFill>
+        <p:spPr>
+          <a:xfrm>
+            <a:off x="2862864" y="1723604"/>
+            <a:ext cx="6006034" cy="4125356"/>
+          </a:xfrm>
+        </p:spPr>
+      </p:pic>
     </p:spTree>
     <p:extLst>
       <p:ext uri="{BB962C8B-B14F-4D97-AF65-F5344CB8AC3E}">
-        <p14:creationId xmlns:p14="http://schemas.microsoft.com/office/powerpoint/2010/main" val="2742023378"/>
+        <p14:creationId xmlns:p14="http://schemas.microsoft.com/office/powerpoint/2010/main" val="2671296468"/>
       </p:ext>
     </p:extLst>
   </p:cSld>
@@ -4215,21 +4488,20 @@
           <a:lstStyle/>
           <a:p>
             <a:r>
-              <a:rPr lang="en-US" dirty="0" smtClean="0"/>
-              <a:t>Indexing and Performance</a:t>
-            </a:r>
-            <a:endParaRPr lang="en-US" dirty="0"/>
-          </a:p>
-        </p:txBody>
-      </p:sp>
-      <p:sp>
-        <p:nvSpPr>
-          <p:cNvPr id="5" name="Content Placeholder 4"/>
-          <p:cNvSpPr>
-            <a:spLocks noGrp="1"/>
-          </p:cNvSpPr>
-          <p:nvPr>
-            <p:ph idx="1"/>
+              <a:rPr lang="en-US" dirty="0"/>
+              <a:t>Demo</a:t>
+            </a:r>
+          </a:p>
+        </p:txBody>
+      </p:sp>
+      <p:sp>
+        <p:nvSpPr>
+          <p:cNvPr id="5" name="Text Placeholder 4"/>
+          <p:cNvSpPr>
+            <a:spLocks noGrp="1"/>
+          </p:cNvSpPr>
+          <p:nvPr>
+            <p:ph type="body" idx="1"/>
           </p:nvPr>
         </p:nvSpPr>
         <p:spPr/>
@@ -4238,37 +4510,16 @@
           <a:lstStyle/>
           <a:p>
             <a:r>
-              <a:rPr lang="en-US" dirty="0" smtClean="0"/>
-              <a:t>Indexes require consistency, or determinism</a:t>
-            </a:r>
-          </a:p>
-          <a:p>
-            <a:r>
-              <a:rPr lang="en-US" dirty="0" smtClean="0"/>
-              <a:t>Always Encrypted allows encryption that is</a:t>
-            </a:r>
-          </a:p>
-          <a:p>
-            <a:pPr lvl="1"/>
-            <a:r>
-              <a:rPr lang="en-US" dirty="0" smtClean="0"/>
-              <a:t>Deterministic</a:t>
-            </a:r>
-          </a:p>
-          <a:p>
-            <a:pPr lvl="1"/>
-            <a:r>
-              <a:rPr lang="en-US" dirty="0" smtClean="0"/>
-              <a:t>Random</a:t>
-            </a:r>
-            <a:endParaRPr lang="en-US" dirty="0"/>
+              <a:rPr lang="en-US" dirty="0"/>
+              <a:t>Always Encrypted Setup </a:t>
+            </a:r>
           </a:p>
         </p:txBody>
       </p:sp>
     </p:spTree>
     <p:extLst>
       <p:ext uri="{BB962C8B-B14F-4D97-AF65-F5344CB8AC3E}">
-        <p14:creationId xmlns:p14="http://schemas.microsoft.com/office/powerpoint/2010/main" val="1852263417"/>
+        <p14:creationId xmlns:p14="http://schemas.microsoft.com/office/powerpoint/2010/main" val="1733506344"/>
       </p:ext>
     </p:extLst>
   </p:cSld>
@@ -4311,10 +4562,9 @@
           <a:lstStyle/>
           <a:p>
             <a:r>
-              <a:rPr lang="en-US" dirty="0" smtClean="0"/>
-              <a:t>Encryption Types</a:t>
-            </a:r>
-            <a:endParaRPr lang="en-US" dirty="0"/>
+              <a:rPr lang="en-US" dirty="0"/>
+              <a:t>Requirements</a:t>
+            </a:r>
           </a:p>
         </p:txBody>
       </p:sp>
@@ -4334,35 +4584,48 @@
           <a:lstStyle/>
           <a:p>
             <a:r>
-              <a:rPr lang="en-US" dirty="0" smtClean="0"/>
-              <a:t>Deterministic Encryption – Same plaintext value with same key = same encrypted value*</a:t>
-            </a:r>
-          </a:p>
-          <a:p>
-            <a:r>
-              <a:rPr lang="en-US" dirty="0" smtClean="0"/>
-              <a:t>Random Encryption – Same plaintext value with same key &lt;&gt; same encrypted value (maybe)</a:t>
-            </a:r>
-          </a:p>
-          <a:p>
-            <a:endParaRPr lang="en-US" dirty="0"/>
-          </a:p>
-          <a:p>
-            <a:pPr marL="0" indent="0">
-              <a:buNone/>
-            </a:pPr>
-            <a:r>
-              <a:rPr lang="en-US" dirty="0" smtClean="0"/>
-              <a:t>* Note: This does not necessarily mean that someone can derive the plaintext value from the encrypted values.</a:t>
-            </a:r>
-            <a:endParaRPr lang="en-US" dirty="0"/>
+              <a:rPr lang="en-US" dirty="0"/>
+              <a:t>ADO.NET 4.6 driver</a:t>
+            </a:r>
+          </a:p>
+          <a:p>
+            <a:r>
+              <a:rPr lang="en-US" dirty="0"/>
+              <a:t>Client side encryption store access</a:t>
+            </a:r>
+          </a:p>
+          <a:p>
+            <a:pPr lvl="1"/>
+            <a:r>
+              <a:rPr lang="en-US" dirty="0"/>
+              <a:t>Local Certificate Store</a:t>
+            </a:r>
+          </a:p>
+          <a:p>
+            <a:pPr lvl="1"/>
+            <a:r>
+              <a:rPr lang="en-US" dirty="0"/>
+              <a:t>Azure Key Vault</a:t>
+            </a:r>
+          </a:p>
+          <a:p>
+            <a:r>
+              <a:rPr lang="en-US" dirty="0"/>
+              <a:t>Column Master Key (CMK)</a:t>
+            </a:r>
+          </a:p>
+          <a:p>
+            <a:r>
+              <a:rPr lang="en-US" dirty="0"/>
+              <a:t>Column Encryption Key (CEK)</a:t>
+            </a:r>
           </a:p>
         </p:txBody>
       </p:sp>
     </p:spTree>
     <p:extLst>
       <p:ext uri="{BB962C8B-B14F-4D97-AF65-F5344CB8AC3E}">
-        <p14:creationId xmlns:p14="http://schemas.microsoft.com/office/powerpoint/2010/main" val="2536329291"/>
+        <p14:creationId xmlns:p14="http://schemas.microsoft.com/office/powerpoint/2010/main" val="651137154"/>
       </p:ext>
     </p:extLst>
   </p:cSld>
@@ -4406,19 +4669,19 @@
           <a:p>
             <a:r>
               <a:rPr lang="en-US" dirty="0"/>
-              <a:t>Demo</a:t>
-            </a:r>
-          </a:p>
-        </p:txBody>
-      </p:sp>
-      <p:sp>
-        <p:nvSpPr>
-          <p:cNvPr id="5" name="Text Placeholder 4"/>
-          <p:cNvSpPr>
-            <a:spLocks noGrp="1"/>
-          </p:cNvSpPr>
-          <p:nvPr>
-            <p:ph type="body" idx="1"/>
+              <a:t>Accessing and Entering Data</a:t>
+            </a:r>
+          </a:p>
+        </p:txBody>
+      </p:sp>
+      <p:sp>
+        <p:nvSpPr>
+          <p:cNvPr id="5" name="Content Placeholder 4"/>
+          <p:cNvSpPr>
+            <a:spLocks noGrp="1"/>
+          </p:cNvSpPr>
+          <p:nvPr>
+            <p:ph idx="1"/>
           </p:nvPr>
         </p:nvSpPr>
         <p:spPr/>
@@ -4428,20 +4691,27 @@
           <a:p>
             <a:r>
               <a:rPr lang="en-US" dirty="0"/>
-              <a:t>Always </a:t>
-            </a:r>
-            <a:r>
-              <a:rPr lang="en-US" dirty="0" smtClean="0"/>
-              <a:t>Encrypted Types and Indexing</a:t>
-            </a:r>
-            <a:endParaRPr lang="en-US" dirty="0"/>
+              <a:t>Must use a client application</a:t>
+            </a:r>
+          </a:p>
+          <a:p>
+            <a:r>
+              <a:rPr lang="en-US" dirty="0"/>
+              <a:t>Queries must be parameterized</a:t>
+            </a:r>
+          </a:p>
+          <a:p>
+            <a:r>
+              <a:rPr lang="en-US" dirty="0"/>
+              <a:t>Only equals operations on encrypted data</a:t>
+            </a:r>
           </a:p>
         </p:txBody>
       </p:sp>
     </p:spTree>
     <p:extLst>
       <p:ext uri="{BB962C8B-B14F-4D97-AF65-F5344CB8AC3E}">
-        <p14:creationId xmlns:p14="http://schemas.microsoft.com/office/powerpoint/2010/main" val="1038270173"/>
+        <p14:creationId xmlns:p14="http://schemas.microsoft.com/office/powerpoint/2010/main" val="1061775597"/>
       </p:ext>
     </p:extLst>
   </p:cSld>
@@ -4470,7 +4740,7 @@
       </p:grpSpPr>
       <p:sp>
         <p:nvSpPr>
-          <p:cNvPr id="2" name="Title 1"/>
+          <p:cNvPr id="4" name="Title 3"/>
           <p:cNvSpPr>
             <a:spLocks noGrp="1"/>
           </p:cNvSpPr>
@@ -4484,106 +4754,38 @@
           <a:lstStyle/>
           <a:p>
             <a:r>
-              <a:rPr lang="en-US" dirty="0" smtClean="0"/>
-              <a:t>Limitations</a:t>
-            </a:r>
-            <a:endParaRPr lang="en-US" dirty="0"/>
-          </a:p>
-        </p:txBody>
-      </p:sp>
-      <p:sp>
-        <p:nvSpPr>
-          <p:cNvPr id="3" name="Content Placeholder 2"/>
-          <p:cNvSpPr>
-            <a:spLocks noGrp="1"/>
-          </p:cNvSpPr>
-          <p:nvPr>
-            <p:ph idx="1"/>
-          </p:nvPr>
-        </p:nvSpPr>
-        <p:spPr>
-          <a:xfrm>
-            <a:off x="607325" y="1825625"/>
-            <a:ext cx="10746475" cy="4351338"/>
-          </a:xfrm>
-        </p:spPr>
-        <p:txBody>
-          <a:bodyPr>
-            <a:normAutofit/>
-          </a:bodyPr>
-          <a:lstStyle/>
-          <a:p>
-            <a:r>
-              <a:rPr lang="en-US" sz="2400" dirty="0" smtClean="0"/>
-              <a:t>Deterministic Encryption requires _BIN2 collation.</a:t>
-            </a:r>
-          </a:p>
-          <a:p>
-            <a:r>
-              <a:rPr lang="en-US" sz="2400" dirty="0" smtClean="0"/>
-              <a:t>A CEK can have two encrypted values (for key rotation)</a:t>
-            </a:r>
-          </a:p>
-          <a:p>
-            <a:r>
-              <a:rPr lang="en-US" sz="2400" dirty="0" smtClean="0"/>
-              <a:t>Queries can only perform operations on deterministic encryption</a:t>
-            </a:r>
-          </a:p>
-          <a:p>
-            <a:r>
-              <a:rPr lang="en-US" sz="2400" dirty="0" smtClean="0"/>
-              <a:t>Only the equals (=) operation is allowed in queries. (No &gt;, &lt;, &lt;&gt;, like, etc.)</a:t>
-            </a:r>
-          </a:p>
-          <a:p>
-            <a:r>
-              <a:rPr lang="en-US" sz="2400" dirty="0" smtClean="0"/>
-              <a:t>Queries must pass values as parameters, not literals.</a:t>
-            </a:r>
-          </a:p>
-          <a:p>
-            <a:r>
-              <a:rPr lang="en-US" sz="2400" dirty="0" smtClean="0"/>
-              <a:t>Limited data types</a:t>
-            </a:r>
-          </a:p>
-          <a:p>
-            <a:r>
-              <a:rPr lang="en-US" sz="2400" dirty="0" smtClean="0"/>
-              <a:t>Key columns in indexes only allow deterministic encryption</a:t>
-            </a:r>
-          </a:p>
-          <a:p>
-            <a:r>
-              <a:rPr lang="en-US" sz="2400" dirty="0" smtClean="0"/>
-              <a:t>No CDC</a:t>
-            </a:r>
-          </a:p>
-          <a:p>
-            <a:r>
-              <a:rPr lang="en-US" sz="2400" dirty="0" smtClean="0">
-                <a:hlinkClick r:id="rId2"/>
-              </a:rPr>
-              <a:t>More</a:t>
-            </a:r>
-            <a:r>
-              <a:rPr lang="en-US" sz="2400" dirty="0" smtClean="0"/>
-              <a:t> (See the Feature Details section)</a:t>
-            </a:r>
-          </a:p>
-          <a:p>
-            <a:endParaRPr lang="en-US" sz="2400" dirty="0" smtClean="0"/>
-          </a:p>
-          <a:p>
-            <a:endParaRPr lang="en-US" sz="2400" dirty="0"/>
+              <a:rPr lang="en-US" dirty="0"/>
+              <a:t>Demo</a:t>
+            </a:r>
+          </a:p>
+        </p:txBody>
+      </p:sp>
+      <p:sp>
+        <p:nvSpPr>
+          <p:cNvPr id="5" name="Text Placeholder 4"/>
+          <p:cNvSpPr>
+            <a:spLocks noGrp="1"/>
+          </p:cNvSpPr>
+          <p:nvPr>
+            <p:ph type="body" idx="1"/>
+          </p:nvPr>
+        </p:nvSpPr>
+        <p:spPr/>
+        <p:txBody>
+          <a:bodyPr/>
+          <a:lstStyle/>
+          <a:p>
+            <a:r>
+              <a:rPr lang="en-US" dirty="0"/>
+              <a:t>Always Encrypted Data – Working with data </a:t>
+            </a:r>
           </a:p>
         </p:txBody>
       </p:sp>
     </p:spTree>
     <p:extLst>
       <p:ext uri="{BB962C8B-B14F-4D97-AF65-F5344CB8AC3E}">
-        <p14:creationId xmlns:p14="http://schemas.microsoft.com/office/powerpoint/2010/main" val="2489264377"/>
+        <p14:creationId xmlns:p14="http://schemas.microsoft.com/office/powerpoint/2010/main" val="2742023378"/>
       </p:ext>
     </p:extLst>
   </p:cSld>
@@ -4627,6 +4829,192 @@
           <a:p>
             <a:r>
               <a:rPr lang="en-US" dirty="0"/>
+              <a:t>Indexing and Performance</a:t>
+            </a:r>
+          </a:p>
+        </p:txBody>
+      </p:sp>
+      <p:sp>
+        <p:nvSpPr>
+          <p:cNvPr id="5" name="Content Placeholder 4"/>
+          <p:cNvSpPr>
+            <a:spLocks noGrp="1"/>
+          </p:cNvSpPr>
+          <p:nvPr>
+            <p:ph idx="1"/>
+          </p:nvPr>
+        </p:nvSpPr>
+        <p:spPr/>
+        <p:txBody>
+          <a:bodyPr/>
+          <a:lstStyle/>
+          <a:p>
+            <a:r>
+              <a:rPr lang="en-US" dirty="0"/>
+              <a:t>Indexes require consistency, or determinism</a:t>
+            </a:r>
+          </a:p>
+          <a:p>
+            <a:r>
+              <a:rPr lang="en-US" dirty="0"/>
+              <a:t>Always Encrypted allows encryption that is</a:t>
+            </a:r>
+          </a:p>
+          <a:p>
+            <a:pPr lvl="1"/>
+            <a:r>
+              <a:rPr lang="en-US" dirty="0"/>
+              <a:t>Deterministic</a:t>
+            </a:r>
+          </a:p>
+          <a:p>
+            <a:pPr lvl="1"/>
+            <a:r>
+              <a:rPr lang="en-US" dirty="0"/>
+              <a:t>Random</a:t>
+            </a:r>
+          </a:p>
+        </p:txBody>
+      </p:sp>
+    </p:spTree>
+    <p:extLst>
+      <p:ext uri="{BB962C8B-B14F-4D97-AF65-F5344CB8AC3E}">
+        <p14:creationId xmlns:p14="http://schemas.microsoft.com/office/powerpoint/2010/main" val="1852263417"/>
+      </p:ext>
+    </p:extLst>
+  </p:cSld>
+  <p:clrMapOvr>
+    <a:masterClrMapping/>
+  </p:clrMapOvr>
+</p:sld>
+</file>
+
+<file path=ppt/slides/slide17.xml><?xml version="1.0" encoding="utf-8"?>
+<p:sld xmlns:a="http://schemas.openxmlformats.org/drawingml/2006/main" xmlns:r="http://schemas.openxmlformats.org/officeDocument/2006/relationships" xmlns:p="http://schemas.openxmlformats.org/presentationml/2006/main">
+  <p:cSld>
+    <p:spTree>
+      <p:nvGrpSpPr>
+        <p:cNvPr id="1" name=""/>
+        <p:cNvGrpSpPr/>
+        <p:nvPr/>
+      </p:nvGrpSpPr>
+      <p:grpSpPr>
+        <a:xfrm>
+          <a:off x="0" y="0"/>
+          <a:ext cx="0" cy="0"/>
+          <a:chOff x="0" y="0"/>
+          <a:chExt cx="0" cy="0"/>
+        </a:xfrm>
+      </p:grpSpPr>
+      <p:sp>
+        <p:nvSpPr>
+          <p:cNvPr id="2" name="Title 1"/>
+          <p:cNvSpPr>
+            <a:spLocks noGrp="1"/>
+          </p:cNvSpPr>
+          <p:nvPr>
+            <p:ph type="title"/>
+          </p:nvPr>
+        </p:nvSpPr>
+        <p:spPr/>
+        <p:txBody>
+          <a:bodyPr/>
+          <a:lstStyle/>
+          <a:p>
+            <a:r>
+              <a:rPr lang="en-US" dirty="0"/>
+              <a:t>Encryption Types</a:t>
+            </a:r>
+          </a:p>
+        </p:txBody>
+      </p:sp>
+      <p:sp>
+        <p:nvSpPr>
+          <p:cNvPr id="3" name="Content Placeholder 2"/>
+          <p:cNvSpPr>
+            <a:spLocks noGrp="1"/>
+          </p:cNvSpPr>
+          <p:nvPr>
+            <p:ph idx="1"/>
+          </p:nvPr>
+        </p:nvSpPr>
+        <p:spPr/>
+        <p:txBody>
+          <a:bodyPr/>
+          <a:lstStyle/>
+          <a:p>
+            <a:r>
+              <a:rPr lang="en-US" dirty="0"/>
+              <a:t>Deterministic Encryption – Same plaintext value with same key = same encrypted value*</a:t>
+            </a:r>
+          </a:p>
+          <a:p>
+            <a:r>
+              <a:rPr lang="en-US" dirty="0"/>
+              <a:t>Random Encryption – Same plaintext value with same key &lt;&gt; same encrypted value (maybe)</a:t>
+            </a:r>
+          </a:p>
+          <a:p>
+            <a:endParaRPr lang="en-US" dirty="0"/>
+          </a:p>
+          <a:p>
+            <a:pPr marL="0" indent="0">
+              <a:buNone/>
+            </a:pPr>
+            <a:r>
+              <a:rPr lang="en-US" dirty="0"/>
+              <a:t>* Note: This does not necessarily mean that someone can derive the plaintext value from the encrypted values.</a:t>
+            </a:r>
+          </a:p>
+        </p:txBody>
+      </p:sp>
+    </p:spTree>
+    <p:extLst>
+      <p:ext uri="{BB962C8B-B14F-4D97-AF65-F5344CB8AC3E}">
+        <p14:creationId xmlns:p14="http://schemas.microsoft.com/office/powerpoint/2010/main" val="2536329291"/>
+      </p:ext>
+    </p:extLst>
+  </p:cSld>
+  <p:clrMapOvr>
+    <a:masterClrMapping/>
+  </p:clrMapOvr>
+</p:sld>
+</file>
+
+<file path=ppt/slides/slide18.xml><?xml version="1.0" encoding="utf-8"?>
+<p:sld xmlns:a="http://schemas.openxmlformats.org/drawingml/2006/main" xmlns:r="http://schemas.openxmlformats.org/officeDocument/2006/relationships" xmlns:p="http://schemas.openxmlformats.org/presentationml/2006/main">
+  <p:cSld>
+    <p:spTree>
+      <p:nvGrpSpPr>
+        <p:cNvPr id="1" name=""/>
+        <p:cNvGrpSpPr/>
+        <p:nvPr/>
+      </p:nvGrpSpPr>
+      <p:grpSpPr>
+        <a:xfrm>
+          <a:off x="0" y="0"/>
+          <a:ext cx="0" cy="0"/>
+          <a:chOff x="0" y="0"/>
+          <a:chExt cx="0" cy="0"/>
+        </a:xfrm>
+      </p:grpSpPr>
+      <p:sp>
+        <p:nvSpPr>
+          <p:cNvPr id="4" name="Title 3"/>
+          <p:cNvSpPr>
+            <a:spLocks noGrp="1"/>
+          </p:cNvSpPr>
+          <p:nvPr>
+            <p:ph type="title"/>
+          </p:nvPr>
+        </p:nvSpPr>
+        <p:spPr/>
+        <p:txBody>
+          <a:bodyPr/>
+          <a:lstStyle/>
+          <a:p>
+            <a:r>
+              <a:rPr lang="en-US" dirty="0"/>
               <a:t>Demo</a:t>
             </a:r>
           </a:p>
@@ -4649,13 +5037,327 @@
           <a:p>
             <a:r>
               <a:rPr lang="en-US" dirty="0"/>
-              <a:t>Always </a:t>
-            </a:r>
-            <a:r>
-              <a:rPr lang="en-US" dirty="0" smtClean="0"/>
-              <a:t>Encrypted Limitations</a:t>
-            </a:r>
-            <a:endParaRPr lang="en-US" dirty="0"/>
+              <a:t>Always Encrypted Types and Indexing</a:t>
+            </a:r>
+          </a:p>
+        </p:txBody>
+      </p:sp>
+    </p:spTree>
+    <p:extLst>
+      <p:ext uri="{BB962C8B-B14F-4D97-AF65-F5344CB8AC3E}">
+        <p14:creationId xmlns:p14="http://schemas.microsoft.com/office/powerpoint/2010/main" val="1038270173"/>
+      </p:ext>
+    </p:extLst>
+  </p:cSld>
+  <p:clrMapOvr>
+    <a:masterClrMapping/>
+  </p:clrMapOvr>
+</p:sld>
+</file>
+
+<file path=ppt/slides/slide19.xml><?xml version="1.0" encoding="utf-8"?>
+<p:sld xmlns:a="http://schemas.openxmlformats.org/drawingml/2006/main" xmlns:r="http://schemas.openxmlformats.org/officeDocument/2006/relationships" xmlns:p="http://schemas.openxmlformats.org/presentationml/2006/main">
+  <p:cSld>
+    <p:spTree>
+      <p:nvGrpSpPr>
+        <p:cNvPr id="1" name=""/>
+        <p:cNvGrpSpPr/>
+        <p:nvPr/>
+      </p:nvGrpSpPr>
+      <p:grpSpPr>
+        <a:xfrm>
+          <a:off x="0" y="0"/>
+          <a:ext cx="0" cy="0"/>
+          <a:chOff x="0" y="0"/>
+          <a:chExt cx="0" cy="0"/>
+        </a:xfrm>
+      </p:grpSpPr>
+      <p:sp>
+        <p:nvSpPr>
+          <p:cNvPr id="2" name="Title 1"/>
+          <p:cNvSpPr>
+            <a:spLocks noGrp="1"/>
+          </p:cNvSpPr>
+          <p:nvPr>
+            <p:ph type="title"/>
+          </p:nvPr>
+        </p:nvSpPr>
+        <p:spPr/>
+        <p:txBody>
+          <a:bodyPr/>
+          <a:lstStyle/>
+          <a:p>
+            <a:r>
+              <a:rPr lang="en-US" dirty="0"/>
+              <a:t>Limitations</a:t>
+            </a:r>
+          </a:p>
+        </p:txBody>
+      </p:sp>
+      <p:sp>
+        <p:nvSpPr>
+          <p:cNvPr id="3" name="Content Placeholder 2"/>
+          <p:cNvSpPr>
+            <a:spLocks noGrp="1"/>
+          </p:cNvSpPr>
+          <p:nvPr>
+            <p:ph idx="1"/>
+          </p:nvPr>
+        </p:nvSpPr>
+        <p:spPr>
+          <a:xfrm>
+            <a:off x="607325" y="1825625"/>
+            <a:ext cx="10746475" cy="4351338"/>
+          </a:xfrm>
+        </p:spPr>
+        <p:txBody>
+          <a:bodyPr>
+            <a:normAutofit/>
+          </a:bodyPr>
+          <a:lstStyle/>
+          <a:p>
+            <a:r>
+              <a:rPr lang="en-US" sz="2400" dirty="0"/>
+              <a:t>Deterministic Encryption requires _BIN2 collation.</a:t>
+            </a:r>
+          </a:p>
+          <a:p>
+            <a:r>
+              <a:rPr lang="en-US" sz="2400" dirty="0"/>
+              <a:t>A CEK can have two encrypted values (for key rotation)</a:t>
+            </a:r>
+          </a:p>
+          <a:p>
+            <a:r>
+              <a:rPr lang="en-US" sz="2400" dirty="0"/>
+              <a:t>Queries can only perform operations on deterministic encryption</a:t>
+            </a:r>
+          </a:p>
+          <a:p>
+            <a:r>
+              <a:rPr lang="en-US" sz="2400" dirty="0"/>
+              <a:t>Only the equals (=) operation is allowed in queries. (No &gt;, &lt;, &lt;&gt;, like, etc.)</a:t>
+            </a:r>
+          </a:p>
+          <a:p>
+            <a:r>
+              <a:rPr lang="en-US" sz="2400" dirty="0"/>
+              <a:t>Queries must pass values as parameters, not literals.</a:t>
+            </a:r>
+          </a:p>
+          <a:p>
+            <a:r>
+              <a:rPr lang="en-US" sz="2400" dirty="0"/>
+              <a:t>Limited data types</a:t>
+            </a:r>
+          </a:p>
+          <a:p>
+            <a:r>
+              <a:rPr lang="en-US" sz="2400" dirty="0"/>
+              <a:t>Key columns in indexes only allow deterministic encryption</a:t>
+            </a:r>
+          </a:p>
+          <a:p>
+            <a:r>
+              <a:rPr lang="en-US" sz="2400" dirty="0"/>
+              <a:t>No CDC</a:t>
+            </a:r>
+          </a:p>
+          <a:p>
+            <a:r>
+              <a:rPr lang="en-US" sz="2400" dirty="0">
+                <a:hlinkClick r:id="rId2"/>
+              </a:rPr>
+              <a:t>More</a:t>
+            </a:r>
+            <a:r>
+              <a:rPr lang="en-US" sz="2400" dirty="0"/>
+              <a:t> (See the Feature Details section)</a:t>
+            </a:r>
+          </a:p>
+          <a:p>
+            <a:endParaRPr lang="en-US" sz="2400" dirty="0"/>
+          </a:p>
+          <a:p>
+            <a:endParaRPr lang="en-US" sz="2400" dirty="0"/>
+          </a:p>
+        </p:txBody>
+      </p:sp>
+    </p:spTree>
+    <p:extLst>
+      <p:ext uri="{BB962C8B-B14F-4D97-AF65-F5344CB8AC3E}">
+        <p14:creationId xmlns:p14="http://schemas.microsoft.com/office/powerpoint/2010/main" val="2489264377"/>
+      </p:ext>
+    </p:extLst>
+  </p:cSld>
+  <p:clrMapOvr>
+    <a:masterClrMapping/>
+  </p:clrMapOvr>
+</p:sld>
+</file>
+
+<file path=ppt/slides/slide2.xml><?xml version="1.0" encoding="utf-8"?>
+<p:sld xmlns:a="http://schemas.openxmlformats.org/drawingml/2006/main" xmlns:r="http://schemas.openxmlformats.org/officeDocument/2006/relationships" xmlns:p="http://schemas.openxmlformats.org/presentationml/2006/main">
+  <p:cSld>
+    <p:spTree>
+      <p:nvGrpSpPr>
+        <p:cNvPr id="1" name=""/>
+        <p:cNvGrpSpPr/>
+        <p:nvPr/>
+      </p:nvGrpSpPr>
+      <p:grpSpPr>
+        <a:xfrm>
+          <a:off x="0" y="0"/>
+          <a:ext cx="0" cy="0"/>
+          <a:chOff x="0" y="0"/>
+          <a:chExt cx="0" cy="0"/>
+        </a:xfrm>
+      </p:grpSpPr>
+      <p:sp>
+        <p:nvSpPr>
+          <p:cNvPr id="2" name="Title 1"/>
+          <p:cNvSpPr>
+            <a:spLocks noGrp="1"/>
+          </p:cNvSpPr>
+          <p:nvPr>
+            <p:ph type="title"/>
+          </p:nvPr>
+        </p:nvSpPr>
+        <p:spPr/>
+        <p:txBody>
+          <a:bodyPr/>
+          <a:lstStyle/>
+          <a:p>
+            <a:r>
+              <a:rPr lang="en-US" dirty="0"/>
+              <a:t>Agenda</a:t>
+            </a:r>
+          </a:p>
+        </p:txBody>
+      </p:sp>
+      <p:sp>
+        <p:nvSpPr>
+          <p:cNvPr id="3" name="Content Placeholder 2"/>
+          <p:cNvSpPr>
+            <a:spLocks noGrp="1"/>
+          </p:cNvSpPr>
+          <p:nvPr>
+            <p:ph idx="1"/>
+          </p:nvPr>
+        </p:nvSpPr>
+        <p:spPr/>
+        <p:txBody>
+          <a:bodyPr/>
+          <a:lstStyle/>
+          <a:p>
+            <a:r>
+              <a:rPr lang="en-US" dirty="0"/>
+              <a:t>Who am I?</a:t>
+            </a:r>
+          </a:p>
+          <a:p>
+            <a:r>
+              <a:rPr lang="en-US" dirty="0"/>
+              <a:t>Encryption Concepts</a:t>
+            </a:r>
+          </a:p>
+          <a:p>
+            <a:r>
+              <a:rPr lang="en-US" dirty="0"/>
+              <a:t>Always Encrypted Overview</a:t>
+            </a:r>
+          </a:p>
+          <a:p>
+            <a:r>
+              <a:rPr lang="en-US" dirty="0"/>
+              <a:t>Requirements and Setup</a:t>
+            </a:r>
+          </a:p>
+          <a:p>
+            <a:r>
+              <a:rPr lang="en-US" dirty="0"/>
+              <a:t>Indexing</a:t>
+            </a:r>
+          </a:p>
+          <a:p>
+            <a:r>
+              <a:rPr lang="en-US" dirty="0"/>
+              <a:t>Limitations</a:t>
+            </a:r>
+          </a:p>
+        </p:txBody>
+      </p:sp>
+    </p:spTree>
+    <p:extLst>
+      <p:ext uri="{BB962C8B-B14F-4D97-AF65-F5344CB8AC3E}">
+        <p14:creationId xmlns:p14="http://schemas.microsoft.com/office/powerpoint/2010/main" val="1919596823"/>
+      </p:ext>
+    </p:extLst>
+  </p:cSld>
+  <p:clrMapOvr>
+    <a:masterClrMapping/>
+  </p:clrMapOvr>
+</p:sld>
+</file>
+
+<file path=ppt/slides/slide20.xml><?xml version="1.0" encoding="utf-8"?>
+<p:sld xmlns:a="http://schemas.openxmlformats.org/drawingml/2006/main" xmlns:r="http://schemas.openxmlformats.org/officeDocument/2006/relationships" xmlns:p="http://schemas.openxmlformats.org/presentationml/2006/main">
+  <p:cSld>
+    <p:spTree>
+      <p:nvGrpSpPr>
+        <p:cNvPr id="1" name=""/>
+        <p:cNvGrpSpPr/>
+        <p:nvPr/>
+      </p:nvGrpSpPr>
+      <p:grpSpPr>
+        <a:xfrm>
+          <a:off x="0" y="0"/>
+          <a:ext cx="0" cy="0"/>
+          <a:chOff x="0" y="0"/>
+          <a:chExt cx="0" cy="0"/>
+        </a:xfrm>
+      </p:grpSpPr>
+      <p:sp>
+        <p:nvSpPr>
+          <p:cNvPr id="4" name="Title 3"/>
+          <p:cNvSpPr>
+            <a:spLocks noGrp="1"/>
+          </p:cNvSpPr>
+          <p:nvPr>
+            <p:ph type="title"/>
+          </p:nvPr>
+        </p:nvSpPr>
+        <p:spPr/>
+        <p:txBody>
+          <a:bodyPr/>
+          <a:lstStyle/>
+          <a:p>
+            <a:r>
+              <a:rPr lang="en-US" dirty="0"/>
+              <a:t>Demo</a:t>
+            </a:r>
+          </a:p>
+        </p:txBody>
+      </p:sp>
+      <p:sp>
+        <p:nvSpPr>
+          <p:cNvPr id="5" name="Text Placeholder 4"/>
+          <p:cNvSpPr>
+            <a:spLocks noGrp="1"/>
+          </p:cNvSpPr>
+          <p:nvPr>
+            <p:ph type="body" idx="1"/>
+          </p:nvPr>
+        </p:nvSpPr>
+        <p:spPr/>
+        <p:txBody>
+          <a:bodyPr/>
+          <a:lstStyle/>
+          <a:p>
+            <a:r>
+              <a:rPr lang="en-US" dirty="0"/>
+              <a:t>Always Encrypted Limitations</a:t>
+            </a:r>
           </a:p>
         </p:txBody>
       </p:sp>
@@ -4672,7 +5374,7 @@
 </p:sld>
 </file>
 
-<file path=ppt/slides/slide17.xml><?xml version="1.0" encoding="utf-8"?>
+<file path=ppt/slides/slide21.xml><?xml version="1.0" encoding="utf-8"?>
 <p:sld xmlns:a="http://schemas.openxmlformats.org/drawingml/2006/main" xmlns:r="http://schemas.openxmlformats.org/officeDocument/2006/relationships" xmlns:p="http://schemas.openxmlformats.org/presentationml/2006/main">
   <p:cSld>
     <p:spTree>
@@ -5236,7 +5938,7 @@
 </p:sld>
 </file>
 
-<file path=ppt/slides/slide18.xml><?xml version="1.0" encoding="utf-8"?>
+<file path=ppt/slides/slide22.xml><?xml version="1.0" encoding="utf-8"?>
 <p:sld xmlns:a="http://schemas.openxmlformats.org/drawingml/2006/main" xmlns:r="http://schemas.openxmlformats.org/officeDocument/2006/relationships" xmlns:p="http://schemas.openxmlformats.org/presentationml/2006/main">
   <p:cSld>
     <p:spTree>
@@ -5269,10 +5971,9 @@
           <a:lstStyle/>
           <a:p>
             <a:r>
-              <a:rPr lang="en-US" dirty="0" smtClean="0"/>
+              <a:rPr lang="en-US" dirty="0"/>
               <a:t>References</a:t>
             </a:r>
-            <a:endParaRPr lang="en-US" dirty="0"/>
           </a:p>
         </p:txBody>
       </p:sp>
@@ -5292,16 +5993,16 @@
           <a:lstStyle/>
           <a:p>
             <a:r>
-              <a:rPr lang="en-US" dirty="0" smtClean="0"/>
+              <a:rPr lang="en-US" dirty="0"/>
               <a:t>Always Encrypted (BOL) - </a:t>
             </a:r>
             <a:r>
-              <a:rPr lang="en-US" dirty="0" smtClean="0">
+              <a:rPr lang="en-US" dirty="0">
                 <a:hlinkClick r:id="rId2"/>
               </a:rPr>
               <a:t>https://msdn.microsoft.com/en-us/library/mt163865.aspx</a:t>
             </a:r>
-            <a:endParaRPr lang="en-US" dirty="0" smtClean="0"/>
+            <a:endParaRPr lang="en-US" dirty="0"/>
           </a:p>
           <a:p>
             <a:endParaRPr lang="en-US" dirty="0"/>
@@ -5312,111 +6013,6 @@
     <p:extLst>
       <p:ext uri="{BB962C8B-B14F-4D97-AF65-F5344CB8AC3E}">
         <p14:creationId xmlns:p14="http://schemas.microsoft.com/office/powerpoint/2010/main" val="2672446475"/>
-      </p:ext>
-    </p:extLst>
-  </p:cSld>
-  <p:clrMapOvr>
-    <a:masterClrMapping/>
-  </p:clrMapOvr>
-</p:sld>
-</file>
-
-<file path=ppt/slides/slide2.xml><?xml version="1.0" encoding="utf-8"?>
-<p:sld xmlns:a="http://schemas.openxmlformats.org/drawingml/2006/main" xmlns:r="http://schemas.openxmlformats.org/officeDocument/2006/relationships" xmlns:p="http://schemas.openxmlformats.org/presentationml/2006/main">
-  <p:cSld>
-    <p:spTree>
-      <p:nvGrpSpPr>
-        <p:cNvPr id="1" name=""/>
-        <p:cNvGrpSpPr/>
-        <p:nvPr/>
-      </p:nvGrpSpPr>
-      <p:grpSpPr>
-        <a:xfrm>
-          <a:off x="0" y="0"/>
-          <a:ext cx="0" cy="0"/>
-          <a:chOff x="0" y="0"/>
-          <a:chExt cx="0" cy="0"/>
-        </a:xfrm>
-      </p:grpSpPr>
-      <p:sp>
-        <p:nvSpPr>
-          <p:cNvPr id="2" name="Title 1"/>
-          <p:cNvSpPr>
-            <a:spLocks noGrp="1"/>
-          </p:cNvSpPr>
-          <p:nvPr>
-            <p:ph type="title"/>
-          </p:nvPr>
-        </p:nvSpPr>
-        <p:spPr/>
-        <p:txBody>
-          <a:bodyPr/>
-          <a:lstStyle/>
-          <a:p>
-            <a:r>
-              <a:rPr lang="en-US" dirty="0" smtClean="0"/>
-              <a:t>Agenda</a:t>
-            </a:r>
-            <a:endParaRPr lang="en-US" dirty="0"/>
-          </a:p>
-        </p:txBody>
-      </p:sp>
-      <p:sp>
-        <p:nvSpPr>
-          <p:cNvPr id="3" name="Content Placeholder 2"/>
-          <p:cNvSpPr>
-            <a:spLocks noGrp="1"/>
-          </p:cNvSpPr>
-          <p:nvPr>
-            <p:ph idx="1"/>
-          </p:nvPr>
-        </p:nvSpPr>
-        <p:spPr/>
-        <p:txBody>
-          <a:bodyPr/>
-          <a:lstStyle/>
-          <a:p>
-            <a:r>
-              <a:rPr lang="en-US" dirty="0" smtClean="0"/>
-              <a:t>Who am I?</a:t>
-            </a:r>
-          </a:p>
-          <a:p>
-            <a:r>
-              <a:rPr lang="en-US" dirty="0" smtClean="0"/>
-              <a:t>Encryption Concepts</a:t>
-            </a:r>
-          </a:p>
-          <a:p>
-            <a:r>
-              <a:rPr lang="en-US" dirty="0" smtClean="0"/>
-              <a:t>Always Encrypted Overview</a:t>
-            </a:r>
-          </a:p>
-          <a:p>
-            <a:r>
-              <a:rPr lang="en-US" dirty="0" smtClean="0"/>
-              <a:t>Requirements and Setup</a:t>
-            </a:r>
-          </a:p>
-          <a:p>
-            <a:r>
-              <a:rPr lang="en-US" dirty="0" smtClean="0"/>
-              <a:t>Indexing</a:t>
-            </a:r>
-          </a:p>
-          <a:p>
-            <a:r>
-              <a:rPr lang="en-US" dirty="0" smtClean="0"/>
-              <a:t>Limitations</a:t>
-            </a:r>
-          </a:p>
-        </p:txBody>
-      </p:sp>
-    </p:spTree>
-    <p:extLst>
-      <p:ext uri="{BB962C8B-B14F-4D97-AF65-F5344CB8AC3E}">
-        <p14:creationId xmlns:p14="http://schemas.microsoft.com/office/powerpoint/2010/main" val="1919596823"/>
       </p:ext>
     </p:extLst>
   </p:cSld>
@@ -6326,7 +6922,7 @@
               <a:buNone/>
             </a:pPr>
             <a:r>
-              <a:rPr lang="en-US" altLang="en-US" smtClean="0">
+              <a:rPr lang="en-US" altLang="en-US">
                 <a:latin typeface="Times New Roman Bold" panose="02020803070505020304" pitchFamily="18" charset="0"/>
                 <a:cs typeface="Times New Roman Bold" panose="02020803070505020304" pitchFamily="18" charset="0"/>
                 <a:sym typeface="Times New Roman Bold" panose="02020803070505020304" pitchFamily="18" charset="0"/>
@@ -6334,11 +6930,11 @@
               <a:t>encryption</a:t>
             </a:r>
             <a:r>
-              <a:rPr lang="en-US" altLang="en-US" smtClean="0"/>
+              <a:rPr lang="en-US" altLang="en-US"/>
               <a:t> is the process of transforming </a:t>
             </a:r>
             <a:r>
-              <a:rPr lang="en-US" altLang="en-US" u="sng" smtClean="0">
+              <a:rPr lang="en-US" altLang="en-US" u="sng">
                 <a:solidFill>
                   <a:srgbClr val="009999"/>
                 </a:solidFill>
@@ -6347,11 +6943,11 @@
               <a:t>information</a:t>
             </a:r>
             <a:r>
-              <a:rPr lang="en-US" altLang="en-US" smtClean="0"/>
+              <a:rPr lang="en-US" altLang="en-US"/>
               <a:t> (referred to as </a:t>
             </a:r>
             <a:r>
-              <a:rPr lang="en-US" altLang="en-US" u="sng" smtClean="0">
+              <a:rPr lang="en-US" altLang="en-US" u="sng">
                 <a:solidFill>
                   <a:srgbClr val="009999"/>
                 </a:solidFill>
@@ -6360,11 +6956,11 @@
               <a:t>plaintext</a:t>
             </a:r>
             <a:r>
-              <a:rPr lang="en-US" altLang="en-US" smtClean="0"/>
+              <a:rPr lang="en-US" altLang="en-US"/>
               <a:t>) using an </a:t>
             </a:r>
             <a:r>
-              <a:rPr lang="en-US" altLang="en-US" u="sng" smtClean="0">
+              <a:rPr lang="en-US" altLang="en-US" u="sng">
                 <a:solidFill>
                   <a:srgbClr val="009999"/>
                 </a:solidFill>
@@ -6373,11 +6969,11 @@
               <a:t>algorithm</a:t>
             </a:r>
             <a:r>
-              <a:rPr lang="en-US" altLang="en-US" smtClean="0"/>
+              <a:rPr lang="en-US" altLang="en-US"/>
               <a:t> (called a </a:t>
             </a:r>
             <a:r>
-              <a:rPr lang="en-US" altLang="en-US" u="sng" smtClean="0">
+              <a:rPr lang="en-US" altLang="en-US" u="sng">
                 <a:solidFill>
                   <a:srgbClr val="009999"/>
                 </a:solidFill>
@@ -6386,11 +6982,11 @@
               <a:t>cipher</a:t>
             </a:r>
             <a:r>
-              <a:rPr lang="en-US" altLang="en-US" smtClean="0"/>
+              <a:rPr lang="en-US" altLang="en-US"/>
               <a:t>) to make it unreadable to anyone except those possessing special knowledge, usually referred to as a </a:t>
             </a:r>
             <a:r>
-              <a:rPr lang="en-US" altLang="en-US" u="sng" smtClean="0">
+              <a:rPr lang="en-US" altLang="en-US" u="sng">
                 <a:solidFill>
                   <a:srgbClr val="009999"/>
                 </a:solidFill>
@@ -6399,11 +6995,11 @@
               <a:t>key</a:t>
             </a:r>
             <a:r>
-              <a:rPr lang="en-US" altLang="en-US" smtClean="0"/>
+              <a:rPr lang="en-US" altLang="en-US"/>
               <a:t>. The result of the process is </a:t>
             </a:r>
             <a:r>
-              <a:rPr lang="en-US" altLang="en-US" smtClean="0">
+              <a:rPr lang="en-US" altLang="en-US">
                 <a:latin typeface="Times New Roman Bold" panose="02020803070505020304" pitchFamily="18" charset="0"/>
                 <a:cs typeface="Times New Roman Bold" panose="02020803070505020304" pitchFamily="18" charset="0"/>
                 <a:sym typeface="Times New Roman Bold" panose="02020803070505020304" pitchFamily="18" charset="0"/>
@@ -6411,11 +7007,11 @@
               <a:t>encrypted</a:t>
             </a:r>
             <a:r>
-              <a:rPr lang="en-US" altLang="en-US" smtClean="0"/>
+              <a:rPr lang="en-US" altLang="en-US"/>
               <a:t> information (in cryptography, referred to as </a:t>
             </a:r>
             <a:r>
-              <a:rPr lang="en-US" altLang="en-US" u="sng" smtClean="0">
+              <a:rPr lang="en-US" altLang="en-US" u="sng">
                 <a:solidFill>
                   <a:srgbClr val="009999"/>
                 </a:solidFill>
@@ -6424,7 +7020,7 @@
               <a:t>ciphertext</a:t>
             </a:r>
             <a:r>
-              <a:rPr lang="en-US" altLang="en-US" smtClean="0"/>
+              <a:rPr lang="en-US" altLang="en-US"/>
               <a:t>).</a:t>
             </a:r>
           </a:p>
@@ -6437,7 +7033,7 @@
               <a:buNone/>
             </a:pPr>
             <a:r>
-              <a:rPr lang="en-US" altLang="en-US" smtClean="0"/>
+              <a:rPr lang="en-US" altLang="en-US"/>
               <a:t>- Wikipedia</a:t>
             </a:r>
           </a:p>
@@ -6454,13 +7050,6 @@
     <a:masterClrMapping/>
   </p:clrMapOvr>
   <p:transition/>
-  <p:timing>
-    <p:tnLst>
-      <p:par>
-        <p:cTn id="1" dur="indefinite" restart="never" nodeType="tmRoot"/>
-      </p:par>
-    </p:tnLst>
-  </p:timing>
 </p:sld>
 </file>
 
@@ -6483,6 +7072,739 @@
       </p:grpSpPr>
       <p:sp>
         <p:nvSpPr>
+          <p:cNvPr id="2" name="Title 1"/>
+          <p:cNvSpPr>
+            <a:spLocks noGrp="1"/>
+          </p:cNvSpPr>
+          <p:nvPr>
+            <p:ph type="title"/>
+          </p:nvPr>
+        </p:nvSpPr>
+        <p:spPr/>
+        <p:txBody>
+          <a:bodyPr/>
+          <a:lstStyle/>
+          <a:p>
+            <a:r>
+              <a:rPr lang="en-US" dirty="0"/>
+              <a:t>Encryption works with Functions and Keys</a:t>
+            </a:r>
+          </a:p>
+        </p:txBody>
+      </p:sp>
+      <p:sp>
+        <p:nvSpPr>
+          <p:cNvPr id="5" name="TextBox 4"/>
+          <p:cNvSpPr txBox="1"/>
+          <p:nvPr/>
+        </p:nvSpPr>
+        <p:spPr>
+          <a:xfrm>
+            <a:off x="582673" y="2292131"/>
+            <a:ext cx="2749428" cy="646331"/>
+          </a:xfrm>
+          <a:prstGeom prst="rect">
+            <a:avLst/>
+          </a:prstGeom>
+          <a:noFill/>
+          <a:ln w="15875">
+            <a:solidFill>
+              <a:schemeClr val="tx1"/>
+            </a:solidFill>
+          </a:ln>
+        </p:spPr>
+        <p:txBody>
+          <a:bodyPr wrap="square" rtlCol="0">
+            <a:spAutoFit/>
+          </a:bodyPr>
+          <a:lstStyle/>
+          <a:p>
+            <a:r>
+              <a:rPr lang="en-US" dirty="0"/>
+              <a:t>The quick brown fox jumped over the lazy dog.</a:t>
+            </a:r>
+          </a:p>
+        </p:txBody>
+      </p:sp>
+      <p:pic>
+        <p:nvPicPr>
+          <p:cNvPr id="6" name="Picture 5"/>
+          <p:cNvPicPr>
+            <a:picLocks noChangeAspect="1"/>
+          </p:cNvPicPr>
+          <p:nvPr/>
+        </p:nvPicPr>
+        <p:blipFill>
+          <a:blip r:embed="rId3">
+            <a:extLst>
+              <a:ext uri="{28A0092B-C50C-407E-A947-70E740481C1C}">
+                <a14:useLocalDpi xmlns:a14="http://schemas.microsoft.com/office/drawing/2010/main" val="0"/>
+              </a:ext>
+            </a:extLst>
+          </a:blip>
+          <a:stretch>
+            <a:fillRect/>
+          </a:stretch>
+        </p:blipFill>
+        <p:spPr>
+          <a:xfrm>
+            <a:off x="838199" y="5305425"/>
+            <a:ext cx="2238375" cy="704850"/>
+          </a:xfrm>
+          <a:prstGeom prst="rect">
+            <a:avLst/>
+          </a:prstGeom>
+        </p:spPr>
+      </p:pic>
+      <p:sp>
+        <p:nvSpPr>
+          <p:cNvPr id="7" name="TextBox 6"/>
+          <p:cNvSpPr txBox="1"/>
+          <p:nvPr/>
+        </p:nvSpPr>
+        <p:spPr>
+          <a:xfrm>
+            <a:off x="4152900" y="3539906"/>
+            <a:ext cx="2933700" cy="1339960"/>
+          </a:xfrm>
+          <a:prstGeom prst="rect">
+            <a:avLst/>
+          </a:prstGeom>
+          <a:solidFill>
+            <a:schemeClr val="tx2">
+              <a:lumMod val="20000"/>
+              <a:lumOff val="80000"/>
+            </a:schemeClr>
+          </a:solidFill>
+          <a:ln w="19050" cmpd="sng">
+            <a:solidFill>
+              <a:schemeClr val="tx1">
+                <a:alpha val="28000"/>
+              </a:schemeClr>
+            </a:solidFill>
+          </a:ln>
+          <a:effectLst>
+            <a:softEdge rad="31750"/>
+          </a:effectLst>
+        </p:spPr>
+        <p:txBody>
+          <a:bodyPr wrap="square" rtlCol="0" anchor="ctr" anchorCtr="0">
+            <a:noAutofit/>
+          </a:bodyPr>
+          <a:lstStyle/>
+          <a:p>
+            <a:pPr algn="ctr"/>
+            <a:r>
+              <a:rPr lang="en-US" sz="2400" b="1" dirty="0"/>
+              <a:t>Encryption Function</a:t>
+            </a:r>
+          </a:p>
+        </p:txBody>
+      </p:sp>
+      <p:sp>
+        <p:nvSpPr>
+          <p:cNvPr id="8" name="Right Arrow 7"/>
+          <p:cNvSpPr/>
+          <p:nvPr/>
+        </p:nvSpPr>
+        <p:spPr>
+          <a:xfrm rot="2450832">
+            <a:off x="3279714" y="3226515"/>
+            <a:ext cx="838200" cy="419100"/>
+          </a:xfrm>
+          <a:prstGeom prst="rightArrow">
+            <a:avLst/>
+          </a:prstGeom>
+        </p:spPr>
+        <p:style>
+          <a:lnRef idx="2">
+            <a:schemeClr val="accent1">
+              <a:shade val="50000"/>
+            </a:schemeClr>
+          </a:lnRef>
+          <a:fillRef idx="1">
+            <a:schemeClr val="accent1"/>
+          </a:fillRef>
+          <a:effectRef idx="0">
+            <a:schemeClr val="accent1"/>
+          </a:effectRef>
+          <a:fontRef idx="minor">
+            <a:schemeClr val="lt1"/>
+          </a:fontRef>
+        </p:style>
+        <p:txBody>
+          <a:bodyPr rtlCol="0" anchor="ctr"/>
+          <a:lstStyle/>
+          <a:p>
+            <a:pPr algn="ctr"/>
+            <a:endParaRPr lang="en-US"/>
+          </a:p>
+        </p:txBody>
+      </p:sp>
+      <p:sp>
+        <p:nvSpPr>
+          <p:cNvPr id="9" name="Right Arrow 8"/>
+          <p:cNvSpPr/>
+          <p:nvPr/>
+        </p:nvSpPr>
+        <p:spPr>
+          <a:xfrm rot="19742236">
+            <a:off x="3056307" y="4883703"/>
+            <a:ext cx="1069914" cy="400050"/>
+          </a:xfrm>
+          <a:prstGeom prst="rightArrow">
+            <a:avLst/>
+          </a:prstGeom>
+        </p:spPr>
+        <p:style>
+          <a:lnRef idx="2">
+            <a:schemeClr val="accent1">
+              <a:shade val="50000"/>
+            </a:schemeClr>
+          </a:lnRef>
+          <a:fillRef idx="1">
+            <a:schemeClr val="accent1"/>
+          </a:fillRef>
+          <a:effectRef idx="0">
+            <a:schemeClr val="accent1"/>
+          </a:effectRef>
+          <a:fontRef idx="minor">
+            <a:schemeClr val="lt1"/>
+          </a:fontRef>
+        </p:style>
+        <p:txBody>
+          <a:bodyPr rtlCol="0" anchor="ctr"/>
+          <a:lstStyle/>
+          <a:p>
+            <a:pPr algn="ctr"/>
+            <a:endParaRPr lang="en-US"/>
+          </a:p>
+        </p:txBody>
+      </p:sp>
+      <p:sp>
+        <p:nvSpPr>
+          <p:cNvPr id="10" name="Right Arrow 9"/>
+          <p:cNvSpPr/>
+          <p:nvPr/>
+        </p:nvSpPr>
+        <p:spPr>
+          <a:xfrm>
+            <a:off x="7204197" y="3972531"/>
+            <a:ext cx="1200150" cy="474709"/>
+          </a:xfrm>
+          <a:prstGeom prst="rightArrow">
+            <a:avLst/>
+          </a:prstGeom>
+        </p:spPr>
+        <p:style>
+          <a:lnRef idx="2">
+            <a:schemeClr val="accent1">
+              <a:shade val="50000"/>
+            </a:schemeClr>
+          </a:lnRef>
+          <a:fillRef idx="1">
+            <a:schemeClr val="accent1"/>
+          </a:fillRef>
+          <a:effectRef idx="0">
+            <a:schemeClr val="accent1"/>
+          </a:effectRef>
+          <a:fontRef idx="minor">
+            <a:schemeClr val="lt1"/>
+          </a:fontRef>
+        </p:style>
+        <p:txBody>
+          <a:bodyPr rtlCol="0" anchor="ctr"/>
+          <a:lstStyle/>
+          <a:p>
+            <a:pPr algn="ctr"/>
+            <a:endParaRPr lang="en-US"/>
+          </a:p>
+        </p:txBody>
+      </p:sp>
+      <p:sp>
+        <p:nvSpPr>
+          <p:cNvPr id="11" name="TextBox 10"/>
+          <p:cNvSpPr txBox="1"/>
+          <p:nvPr/>
+        </p:nvSpPr>
+        <p:spPr>
+          <a:xfrm>
+            <a:off x="8655294" y="3072527"/>
+            <a:ext cx="3067050" cy="2585323"/>
+          </a:xfrm>
+          <a:prstGeom prst="rect">
+            <a:avLst/>
+          </a:prstGeom>
+          <a:noFill/>
+          <a:ln>
+            <a:solidFill>
+              <a:schemeClr val="tx1"/>
+            </a:solidFill>
+          </a:ln>
+        </p:spPr>
+        <p:txBody>
+          <a:bodyPr wrap="square" rtlCol="0">
+            <a:spAutoFit/>
+          </a:bodyPr>
+          <a:lstStyle/>
+          <a:p>
+            <a:r>
+              <a:rPr lang="en-US" dirty="0"/>
+              <a:t>0x00059E2EC7419F590E79D7F1B774BFE601000000DB80B8AC1B295E367FEAC63C4BD7B8F8FACD0151B57DF97FF2BBA1ED9626B0316043C62387BB8E5D4A17B33C48A554F2A9B28626BB250A153FEEF2BFEBCF92ECF6C421D47C84BF93074E54EF85C85B1C</a:t>
+            </a:r>
+          </a:p>
+        </p:txBody>
+      </p:sp>
+    </p:spTree>
+    <p:extLst>
+      <p:ext uri="{BB962C8B-B14F-4D97-AF65-F5344CB8AC3E}">
+        <p14:creationId xmlns:p14="http://schemas.microsoft.com/office/powerpoint/2010/main" val="1421650070"/>
+      </p:ext>
+    </p:extLst>
+  </p:cSld>
+  <p:clrMapOvr>
+    <a:masterClrMapping/>
+  </p:clrMapOvr>
+</p:sld>
+</file>
+
+<file path=ppt/slides/slide6.xml><?xml version="1.0" encoding="utf-8"?>
+<p:sld xmlns:a="http://schemas.openxmlformats.org/drawingml/2006/main" xmlns:r="http://schemas.openxmlformats.org/officeDocument/2006/relationships" xmlns:p="http://schemas.openxmlformats.org/presentationml/2006/main">
+  <p:cSld>
+    <p:spTree>
+      <p:nvGrpSpPr>
+        <p:cNvPr id="1" name=""/>
+        <p:cNvGrpSpPr/>
+        <p:nvPr/>
+      </p:nvGrpSpPr>
+      <p:grpSpPr>
+        <a:xfrm>
+          <a:off x="0" y="0"/>
+          <a:ext cx="0" cy="0"/>
+          <a:chOff x="0" y="0"/>
+          <a:chExt cx="0" cy="0"/>
+        </a:xfrm>
+      </p:grpSpPr>
+      <p:pic>
+        <p:nvPicPr>
+          <p:cNvPr id="4" name="Content Placeholder 3"/>
+          <p:cNvPicPr>
+            <a:picLocks noGrp="1" noChangeAspect="1"/>
+          </p:cNvPicPr>
+          <p:nvPr>
+            <p:ph idx="1"/>
+          </p:nvPr>
+        </p:nvPicPr>
+        <p:blipFill>
+          <a:blip r:embed="rId3" cstate="print">
+            <a:extLst>
+              <a:ext uri="{28A0092B-C50C-407E-A947-70E740481C1C}">
+                <a14:useLocalDpi xmlns:a14="http://schemas.microsoft.com/office/drawing/2010/main" val="0"/>
+              </a:ext>
+            </a:extLst>
+          </a:blip>
+          <a:stretch>
+            <a:fillRect/>
+          </a:stretch>
+        </p:blipFill>
+        <p:spPr>
+          <a:xfrm>
+            <a:off x="2228144" y="1253331"/>
+            <a:ext cx="7735712" cy="4351338"/>
+          </a:xfrm>
+        </p:spPr>
+      </p:pic>
+    </p:spTree>
+    <p:extLst>
+      <p:ext uri="{BB962C8B-B14F-4D97-AF65-F5344CB8AC3E}">
+        <p14:creationId xmlns:p14="http://schemas.microsoft.com/office/powerpoint/2010/main" val="1113199256"/>
+      </p:ext>
+    </p:extLst>
+  </p:cSld>
+  <p:clrMapOvr>
+    <a:masterClrMapping/>
+  </p:clrMapOvr>
+</p:sld>
+</file>
+
+<file path=ppt/slides/slide7.xml><?xml version="1.0" encoding="utf-8"?>
+<p:sld xmlns:a="http://schemas.openxmlformats.org/drawingml/2006/main" xmlns:r="http://schemas.openxmlformats.org/officeDocument/2006/relationships" xmlns:p="http://schemas.openxmlformats.org/presentationml/2006/main">
+  <p:cSld>
+    <p:spTree>
+      <p:nvGrpSpPr>
+        <p:cNvPr id="1" name=""/>
+        <p:cNvGrpSpPr/>
+        <p:nvPr/>
+      </p:nvGrpSpPr>
+      <p:grpSpPr>
+        <a:xfrm>
+          <a:off x="0" y="0"/>
+          <a:ext cx="0" cy="0"/>
+          <a:chOff x="0" y="0"/>
+          <a:chExt cx="0" cy="0"/>
+        </a:xfrm>
+      </p:grpSpPr>
+      <p:pic>
+        <p:nvPicPr>
+          <p:cNvPr id="4" name="Content Placeholder 3"/>
+          <p:cNvPicPr>
+            <a:picLocks noGrp="1" noChangeAspect="1"/>
+          </p:cNvPicPr>
+          <p:nvPr>
+            <p:ph idx="1"/>
+          </p:nvPr>
+        </p:nvPicPr>
+        <p:blipFill>
+          <a:blip r:embed="rId3">
+            <a:extLst>
+              <a:ext uri="{28A0092B-C50C-407E-A947-70E740481C1C}">
+                <a14:useLocalDpi xmlns:a14="http://schemas.microsoft.com/office/drawing/2010/main" val="0"/>
+              </a:ext>
+            </a:extLst>
+          </a:blip>
+          <a:stretch>
+            <a:fillRect/>
+          </a:stretch>
+        </p:blipFill>
+        <p:spPr>
+          <a:xfrm>
+            <a:off x="2769394" y="969096"/>
+            <a:ext cx="6653213" cy="4919809"/>
+          </a:xfrm>
+        </p:spPr>
+      </p:pic>
+    </p:spTree>
+    <p:extLst>
+      <p:ext uri="{BB962C8B-B14F-4D97-AF65-F5344CB8AC3E}">
+        <p14:creationId xmlns:p14="http://schemas.microsoft.com/office/powerpoint/2010/main" val="3358181386"/>
+      </p:ext>
+    </p:extLst>
+  </p:cSld>
+  <p:clrMapOvr>
+    <a:masterClrMapping/>
+  </p:clrMapOvr>
+</p:sld>
+</file>
+
+<file path=ppt/slides/slide8.xml><?xml version="1.0" encoding="utf-8"?>
+<p:sld xmlns:a="http://schemas.openxmlformats.org/drawingml/2006/main" xmlns:r="http://schemas.openxmlformats.org/officeDocument/2006/relationships" xmlns:p="http://schemas.openxmlformats.org/presentationml/2006/main">
+  <p:cSld>
+    <p:spTree>
+      <p:nvGrpSpPr>
+        <p:cNvPr id="1" name=""/>
+        <p:cNvGrpSpPr/>
+        <p:nvPr/>
+      </p:nvGrpSpPr>
+      <p:grpSpPr>
+        <a:xfrm>
+          <a:off x="0" y="0"/>
+          <a:ext cx="0" cy="0"/>
+          <a:chOff x="0" y="0"/>
+          <a:chExt cx="0" cy="0"/>
+        </a:xfrm>
+      </p:grpSpPr>
+      <p:pic>
+        <p:nvPicPr>
+          <p:cNvPr id="4" name="Picture 3"/>
+          <p:cNvPicPr>
+            <a:picLocks noChangeAspect="1"/>
+          </p:cNvPicPr>
+          <p:nvPr/>
+        </p:nvPicPr>
+        <p:blipFill>
+          <a:blip r:embed="rId2">
+            <a:extLst>
+              <a:ext uri="{28A0092B-C50C-407E-A947-70E740481C1C}">
+                <a14:useLocalDpi xmlns:a14="http://schemas.microsoft.com/office/drawing/2010/main" val="0"/>
+              </a:ext>
+            </a:extLst>
+          </a:blip>
+          <a:stretch>
+            <a:fillRect/>
+          </a:stretch>
+        </p:blipFill>
+        <p:spPr>
+          <a:xfrm>
+            <a:off x="1695751" y="4161615"/>
+            <a:ext cx="2729017" cy="2016344"/>
+          </a:xfrm>
+          <a:prstGeom prst="rect">
+            <a:avLst/>
+          </a:prstGeom>
+        </p:spPr>
+      </p:pic>
+      <p:pic>
+        <p:nvPicPr>
+          <p:cNvPr id="5" name="Picture 4"/>
+          <p:cNvPicPr>
+            <a:picLocks noChangeAspect="1"/>
+          </p:cNvPicPr>
+          <p:nvPr/>
+        </p:nvPicPr>
+        <p:blipFill>
+          <a:blip r:embed="rId3">
+            <a:extLst>
+              <a:ext uri="{28A0092B-C50C-407E-A947-70E740481C1C}">
+                <a14:useLocalDpi xmlns:a14="http://schemas.microsoft.com/office/drawing/2010/main" val="0"/>
+              </a:ext>
+            </a:extLst>
+          </a:blip>
+          <a:stretch>
+            <a:fillRect/>
+          </a:stretch>
+        </p:blipFill>
+        <p:spPr>
+          <a:xfrm>
+            <a:off x="1178336" y="1083235"/>
+            <a:ext cx="3763851" cy="2117166"/>
+          </a:xfrm>
+          <a:prstGeom prst="rect">
+            <a:avLst/>
+          </a:prstGeom>
+        </p:spPr>
+      </p:pic>
+      <p:pic>
+        <p:nvPicPr>
+          <p:cNvPr id="6" name="Picture 5"/>
+          <p:cNvPicPr>
+            <a:picLocks noChangeAspect="1"/>
+          </p:cNvPicPr>
+          <p:nvPr/>
+        </p:nvPicPr>
+        <p:blipFill>
+          <a:blip r:embed="rId4">
+            <a:extLst>
+              <a:ext uri="{28A0092B-C50C-407E-A947-70E740481C1C}">
+                <a14:useLocalDpi xmlns:a14="http://schemas.microsoft.com/office/drawing/2010/main" val="0"/>
+              </a:ext>
+            </a:extLst>
+          </a:blip>
+          <a:stretch>
+            <a:fillRect/>
+          </a:stretch>
+        </p:blipFill>
+        <p:spPr>
+          <a:xfrm>
+            <a:off x="8058150" y="922618"/>
+            <a:ext cx="1219200" cy="1219200"/>
+          </a:xfrm>
+          <a:prstGeom prst="rect">
+            <a:avLst/>
+          </a:prstGeom>
+        </p:spPr>
+      </p:pic>
+      <p:sp>
+        <p:nvSpPr>
+          <p:cNvPr id="7" name="TextBox 6"/>
+          <p:cNvSpPr txBox="1"/>
+          <p:nvPr/>
+        </p:nvSpPr>
+        <p:spPr>
+          <a:xfrm>
+            <a:off x="7315200" y="2489771"/>
+            <a:ext cx="2705100" cy="523220"/>
+          </a:xfrm>
+          <a:prstGeom prst="rect">
+            <a:avLst/>
+          </a:prstGeom>
+          <a:noFill/>
+        </p:spPr>
+        <p:txBody>
+          <a:bodyPr wrap="square" rtlCol="0">
+            <a:spAutoFit/>
+          </a:bodyPr>
+          <a:lstStyle/>
+          <a:p>
+            <a:r>
+              <a:rPr lang="en-US" sz="2800" b="1" dirty="0"/>
+              <a:t>X.509 Certificate</a:t>
+            </a:r>
+          </a:p>
+        </p:txBody>
+      </p:sp>
+      <p:pic>
+        <p:nvPicPr>
+          <p:cNvPr id="9" name="Picture 8"/>
+          <p:cNvPicPr>
+            <a:picLocks noChangeAspect="1"/>
+          </p:cNvPicPr>
+          <p:nvPr/>
+        </p:nvPicPr>
+        <p:blipFill>
+          <a:blip r:embed="rId5">
+            <a:extLst>
+              <a:ext uri="{28A0092B-C50C-407E-A947-70E740481C1C}">
+                <a14:useLocalDpi xmlns:a14="http://schemas.microsoft.com/office/drawing/2010/main" val="0"/>
+              </a:ext>
+            </a:extLst>
+          </a:blip>
+          <a:stretch>
+            <a:fillRect/>
+          </a:stretch>
+        </p:blipFill>
+        <p:spPr>
+          <a:xfrm>
+            <a:off x="7472362" y="4204476"/>
+            <a:ext cx="2238375" cy="657225"/>
+          </a:xfrm>
+          <a:prstGeom prst="rect">
+            <a:avLst/>
+          </a:prstGeom>
+        </p:spPr>
+      </p:pic>
+      <p:sp>
+        <p:nvSpPr>
+          <p:cNvPr id="10" name="Down Arrow 9"/>
+          <p:cNvSpPr/>
+          <p:nvPr/>
+        </p:nvSpPr>
+        <p:spPr>
+          <a:xfrm>
+            <a:off x="8382000" y="3308956"/>
+            <a:ext cx="419100" cy="667404"/>
+          </a:xfrm>
+          <a:prstGeom prst="downArrow">
+            <a:avLst/>
+          </a:prstGeom>
+          <a:solidFill>
+            <a:schemeClr val="tx1"/>
+          </a:solidFill>
+        </p:spPr>
+        <p:style>
+          <a:lnRef idx="2">
+            <a:schemeClr val="accent1">
+              <a:shade val="50000"/>
+            </a:schemeClr>
+          </a:lnRef>
+          <a:fillRef idx="1">
+            <a:schemeClr val="accent1"/>
+          </a:fillRef>
+          <a:effectRef idx="0">
+            <a:schemeClr val="accent1"/>
+          </a:effectRef>
+          <a:fontRef idx="minor">
+            <a:schemeClr val="lt1"/>
+          </a:fontRef>
+        </p:style>
+        <p:txBody>
+          <a:bodyPr rtlCol="0" anchor="ctr"/>
+          <a:lstStyle/>
+          <a:p>
+            <a:pPr algn="ctr"/>
+            <a:endParaRPr lang="en-US"/>
+          </a:p>
+        </p:txBody>
+      </p:sp>
+      <p:sp>
+        <p:nvSpPr>
+          <p:cNvPr id="11" name="Down Arrow 10"/>
+          <p:cNvSpPr/>
+          <p:nvPr/>
+        </p:nvSpPr>
+        <p:spPr>
+          <a:xfrm>
+            <a:off x="2850710" y="3371119"/>
+            <a:ext cx="419100" cy="667404"/>
+          </a:xfrm>
+          <a:prstGeom prst="downArrow">
+            <a:avLst/>
+          </a:prstGeom>
+          <a:solidFill>
+            <a:schemeClr val="tx1"/>
+          </a:solidFill>
+        </p:spPr>
+        <p:style>
+          <a:lnRef idx="2">
+            <a:schemeClr val="accent1">
+              <a:shade val="50000"/>
+            </a:schemeClr>
+          </a:lnRef>
+          <a:fillRef idx="1">
+            <a:schemeClr val="accent1"/>
+          </a:fillRef>
+          <a:effectRef idx="0">
+            <a:schemeClr val="accent1"/>
+          </a:effectRef>
+          <a:fontRef idx="minor">
+            <a:schemeClr val="lt1"/>
+          </a:fontRef>
+        </p:style>
+        <p:txBody>
+          <a:bodyPr rtlCol="0" anchor="ctr"/>
+          <a:lstStyle/>
+          <a:p>
+            <a:pPr algn="ctr"/>
+            <a:endParaRPr lang="en-US"/>
+          </a:p>
+        </p:txBody>
+      </p:sp>
+      <p:sp>
+        <p:nvSpPr>
+          <p:cNvPr id="12" name="TextBox 11"/>
+          <p:cNvSpPr txBox="1"/>
+          <p:nvPr/>
+        </p:nvSpPr>
+        <p:spPr>
+          <a:xfrm>
+            <a:off x="7619999" y="5070690"/>
+            <a:ext cx="1943100" cy="954107"/>
+          </a:xfrm>
+          <a:prstGeom prst="rect">
+            <a:avLst/>
+          </a:prstGeom>
+          <a:noFill/>
+        </p:spPr>
+        <p:txBody>
+          <a:bodyPr wrap="square" rtlCol="0">
+            <a:spAutoFit/>
+          </a:bodyPr>
+          <a:lstStyle/>
+          <a:p>
+            <a:r>
+              <a:rPr lang="en-US" sz="2800" b="1" dirty="0"/>
+              <a:t>Symmetric</a:t>
+            </a:r>
+          </a:p>
+          <a:p>
+            <a:r>
+              <a:rPr lang="en-US" sz="2800" b="1" dirty="0"/>
+              <a:t>Key</a:t>
+            </a:r>
+          </a:p>
+        </p:txBody>
+      </p:sp>
+    </p:spTree>
+    <p:extLst>
+      <p:ext uri="{BB962C8B-B14F-4D97-AF65-F5344CB8AC3E}">
+        <p14:creationId xmlns:p14="http://schemas.microsoft.com/office/powerpoint/2010/main" val="765187413"/>
+      </p:ext>
+    </p:extLst>
+  </p:cSld>
+  <p:clrMapOvr>
+    <a:masterClrMapping/>
+  </p:clrMapOvr>
+</p:sld>
+</file>
+
+<file path=ppt/slides/slide9.xml><?xml version="1.0" encoding="utf-8"?>
+<p:sld xmlns:a="http://schemas.openxmlformats.org/drawingml/2006/main" xmlns:r="http://schemas.openxmlformats.org/officeDocument/2006/relationships" xmlns:p="http://schemas.openxmlformats.org/presentationml/2006/main">
+  <p:cSld>
+    <p:spTree>
+      <p:nvGrpSpPr>
+        <p:cNvPr id="1" name=""/>
+        <p:cNvGrpSpPr/>
+        <p:nvPr/>
+      </p:nvGrpSpPr>
+      <p:grpSpPr>
+        <a:xfrm>
+          <a:off x="0" y="0"/>
+          <a:ext cx="0" cy="0"/>
+          <a:chOff x="0" y="0"/>
+          <a:chExt cx="0" cy="0"/>
+        </a:xfrm>
+      </p:grpSpPr>
+      <p:sp>
+        <p:nvSpPr>
           <p:cNvPr id="4" name="TextBox 3"/>
           <p:cNvSpPr txBox="1"/>
           <p:nvPr/>
@@ -6509,10 +7831,9 @@
           <a:lstStyle/>
           <a:p>
             <a:r>
-              <a:rPr lang="en-US" dirty="0" smtClean="0"/>
+              <a:rPr lang="en-US" dirty="0"/>
               <a:t>The quick brown fox jumped.</a:t>
             </a:r>
-            <a:endParaRPr lang="en-US" dirty="0"/>
           </a:p>
         </p:txBody>
       </p:sp>
@@ -6641,10 +7962,9 @@
           <a:lstStyle/>
           <a:p>
             <a:r>
-              <a:rPr lang="en-US" dirty="0" smtClean="0"/>
+              <a:rPr lang="en-US" dirty="0"/>
               <a:t>The quick brown fox jumped.</a:t>
             </a:r>
-            <a:endParaRPr lang="en-US" dirty="0"/>
           </a:p>
         </p:txBody>
       </p:sp>
@@ -6671,10 +7991,9 @@
           <a:lstStyle/>
           <a:p>
             <a:r>
-              <a:rPr lang="en-US" dirty="0" smtClean="0"/>
+              <a:rPr lang="en-US" dirty="0"/>
               <a:t>Client memory</a:t>
             </a:r>
-            <a:endParaRPr lang="en-US" dirty="0"/>
           </a:p>
         </p:txBody>
       </p:sp>
@@ -6701,10 +8020,9 @@
           <a:lstStyle/>
           <a:p>
             <a:r>
-              <a:rPr lang="en-US" dirty="0" smtClean="0"/>
+              <a:rPr lang="en-US" dirty="0"/>
               <a:t>Network</a:t>
             </a:r>
-            <a:endParaRPr lang="en-US" dirty="0"/>
           </a:p>
         </p:txBody>
       </p:sp>
@@ -6804,10 +8122,9 @@
             <a:lstStyle/>
             <a:p>
               <a:r>
-                <a:rPr lang="en-US" dirty="0" smtClean="0"/>
+                <a:rPr lang="en-US" dirty="0"/>
                 <a:t>Server memory</a:t>
               </a:r>
-              <a:endParaRPr lang="en-US" dirty="0"/>
             </a:p>
           </p:txBody>
         </p:sp>
@@ -6886,10 +8203,9 @@
           <a:lstStyle/>
           <a:p>
             <a:r>
-              <a:rPr lang="en-US" dirty="0" smtClean="0"/>
+              <a:rPr lang="en-US" dirty="0"/>
               <a:t>The quick brown fox jumped.</a:t>
             </a:r>
-            <a:endParaRPr lang="en-US" dirty="0"/>
           </a:p>
         </p:txBody>
       </p:sp>
@@ -6921,10 +8237,9 @@
           <a:lstStyle/>
           <a:p>
             <a:r>
-              <a:rPr lang="en-US" dirty="0" smtClean="0"/>
+              <a:rPr lang="en-US" dirty="0"/>
               <a:t>0x043db59a9eb32d42a43b45fed9</a:t>
             </a:r>
-            <a:endParaRPr lang="en-US" dirty="0"/>
           </a:p>
         </p:txBody>
       </p:sp>
@@ -7096,10 +8411,9 @@
           <a:lstStyle/>
           <a:p>
             <a:r>
-              <a:rPr lang="en-US" dirty="0" smtClean="0"/>
+              <a:rPr lang="en-US" dirty="0"/>
               <a:t>0x043db59a9eb32d42a43b45fed9</a:t>
             </a:r>
-            <a:endParaRPr lang="en-US" dirty="0"/>
           </a:p>
         </p:txBody>
       </p:sp>
@@ -7199,10 +8513,9 @@
           <a:lstStyle/>
           <a:p>
             <a:r>
-              <a:rPr lang="en-US" dirty="0" smtClean="0"/>
+              <a:rPr lang="en-US" dirty="0"/>
               <a:t>Server storage</a:t>
             </a:r>
-            <a:endParaRPr lang="en-US" dirty="0"/>
           </a:p>
         </p:txBody>
       </p:sp>
@@ -7210,370 +8523,6 @@
     <p:extLst>
       <p:ext uri="{BB962C8B-B14F-4D97-AF65-F5344CB8AC3E}">
         <p14:creationId xmlns:p14="http://schemas.microsoft.com/office/powerpoint/2010/main" val="1443368573"/>
-      </p:ext>
-    </p:extLst>
-  </p:cSld>
-  <p:clrMapOvr>
-    <a:masterClrMapping/>
-  </p:clrMapOvr>
-</p:sld>
-</file>
-
-<file path=ppt/slides/slide6.xml><?xml version="1.0" encoding="utf-8"?>
-<p:sld xmlns:a="http://schemas.openxmlformats.org/drawingml/2006/main" xmlns:r="http://schemas.openxmlformats.org/officeDocument/2006/relationships" xmlns:p="http://schemas.openxmlformats.org/presentationml/2006/main">
-  <p:cSld>
-    <p:spTree>
-      <p:nvGrpSpPr>
-        <p:cNvPr id="1" name=""/>
-        <p:cNvGrpSpPr/>
-        <p:nvPr/>
-      </p:nvGrpSpPr>
-      <p:grpSpPr>
-        <a:xfrm>
-          <a:off x="0" y="0"/>
-          <a:ext cx="0" cy="0"/>
-          <a:chOff x="0" y="0"/>
-          <a:chExt cx="0" cy="0"/>
-        </a:xfrm>
-      </p:grpSpPr>
-      <p:sp>
-        <p:nvSpPr>
-          <p:cNvPr id="2" name="Title 1"/>
-          <p:cNvSpPr>
-            <a:spLocks noGrp="1"/>
-          </p:cNvSpPr>
-          <p:nvPr>
-            <p:ph type="title"/>
-          </p:nvPr>
-        </p:nvSpPr>
-        <p:spPr/>
-        <p:txBody>
-          <a:bodyPr/>
-          <a:lstStyle/>
-          <a:p>
-            <a:r>
-              <a:rPr lang="en-US" dirty="0" smtClean="0"/>
-              <a:t>Always Encrypted is different.</a:t>
-            </a:r>
-            <a:endParaRPr lang="en-US" dirty="0"/>
-          </a:p>
-        </p:txBody>
-      </p:sp>
-      <p:sp>
-        <p:nvSpPr>
-          <p:cNvPr id="3" name="Content Placeholder 2"/>
-          <p:cNvSpPr>
-            <a:spLocks noGrp="1"/>
-          </p:cNvSpPr>
-          <p:nvPr>
-            <p:ph idx="1"/>
-          </p:nvPr>
-        </p:nvSpPr>
-        <p:spPr/>
-        <p:txBody>
-          <a:bodyPr/>
-          <a:lstStyle/>
-          <a:p>
-            <a:r>
-              <a:rPr lang="en-US" dirty="0" smtClean="0"/>
-              <a:t>Added in SQL Server 2016 and Azure SQL Database</a:t>
-            </a:r>
-          </a:p>
-          <a:p>
-            <a:r>
-              <a:rPr lang="en-US" dirty="0" smtClean="0"/>
-              <a:t>SQL Server does not (necessarily) know how to decrypt data</a:t>
-            </a:r>
-          </a:p>
-          <a:p>
-            <a:r>
-              <a:rPr lang="en-US" dirty="0" smtClean="0"/>
-              <a:t>Client manages the encryption protection</a:t>
-            </a:r>
-          </a:p>
-          <a:p>
-            <a:r>
-              <a:rPr lang="en-US" dirty="0" smtClean="0"/>
-              <a:t>Data is encrypted in transit and on the server</a:t>
-            </a:r>
-          </a:p>
-          <a:p>
-            <a:endParaRPr lang="en-US" dirty="0"/>
-          </a:p>
-        </p:txBody>
-      </p:sp>
-    </p:spTree>
-    <p:extLst>
-      <p:ext uri="{BB962C8B-B14F-4D97-AF65-F5344CB8AC3E}">
-        <p14:creationId xmlns:p14="http://schemas.microsoft.com/office/powerpoint/2010/main" val="36775740"/>
-      </p:ext>
-    </p:extLst>
-  </p:cSld>
-  <p:clrMapOvr>
-    <a:masterClrMapping/>
-  </p:clrMapOvr>
-</p:sld>
-</file>
-
-<file path=ppt/slides/slide7.xml><?xml version="1.0" encoding="utf-8"?>
-<p:sld xmlns:a="http://schemas.openxmlformats.org/drawingml/2006/main" xmlns:r="http://schemas.openxmlformats.org/officeDocument/2006/relationships" xmlns:p="http://schemas.openxmlformats.org/presentationml/2006/main">
-  <p:cSld>
-    <p:spTree>
-      <p:nvGrpSpPr>
-        <p:cNvPr id="1" name=""/>
-        <p:cNvGrpSpPr/>
-        <p:nvPr/>
-      </p:nvGrpSpPr>
-      <p:grpSpPr>
-        <a:xfrm>
-          <a:off x="0" y="0"/>
-          <a:ext cx="0" cy="0"/>
-          <a:chOff x="0" y="0"/>
-          <a:chExt cx="0" cy="0"/>
-        </a:xfrm>
-      </p:grpSpPr>
-      <p:sp>
-        <p:nvSpPr>
-          <p:cNvPr id="2" name="Title 1"/>
-          <p:cNvSpPr>
-            <a:spLocks noGrp="1"/>
-          </p:cNvSpPr>
-          <p:nvPr>
-            <p:ph type="title"/>
-          </p:nvPr>
-        </p:nvSpPr>
-        <p:spPr/>
-        <p:txBody>
-          <a:bodyPr/>
-          <a:lstStyle/>
-          <a:p>
-            <a:r>
-              <a:rPr lang="en-US" dirty="0"/>
-              <a:t>Always Encrypted </a:t>
-            </a:r>
-          </a:p>
-        </p:txBody>
-      </p:sp>
-      <p:pic>
-        <p:nvPicPr>
-          <p:cNvPr id="4" name="Content Placeholder 3"/>
-          <p:cNvPicPr>
-            <a:picLocks noGrp="1" noChangeAspect="1"/>
-          </p:cNvPicPr>
-          <p:nvPr>
-            <p:ph idx="1"/>
-          </p:nvPr>
-        </p:nvPicPr>
-        <p:blipFill>
-          <a:blip r:embed="rId2">
-            <a:extLst>
-              <a:ext uri="{28A0092B-C50C-407E-A947-70E740481C1C}">
-                <a14:useLocalDpi xmlns:a14="http://schemas.microsoft.com/office/drawing/2010/main" val="0"/>
-              </a:ext>
-            </a:extLst>
-          </a:blip>
-          <a:stretch>
-            <a:fillRect/>
-          </a:stretch>
-        </p:blipFill>
-        <p:spPr>
-          <a:xfrm>
-            <a:off x="2862864" y="1723604"/>
-            <a:ext cx="6006034" cy="4125356"/>
-          </a:xfrm>
-        </p:spPr>
-      </p:pic>
-    </p:spTree>
-    <p:extLst>
-      <p:ext uri="{BB962C8B-B14F-4D97-AF65-F5344CB8AC3E}">
-        <p14:creationId xmlns:p14="http://schemas.microsoft.com/office/powerpoint/2010/main" val="2671296468"/>
-      </p:ext>
-    </p:extLst>
-  </p:cSld>
-  <p:clrMapOvr>
-    <a:masterClrMapping/>
-  </p:clrMapOvr>
-</p:sld>
-</file>
-
-<file path=ppt/slides/slide8.xml><?xml version="1.0" encoding="utf-8"?>
-<p:sld xmlns:a="http://schemas.openxmlformats.org/drawingml/2006/main" xmlns:r="http://schemas.openxmlformats.org/officeDocument/2006/relationships" xmlns:p="http://schemas.openxmlformats.org/presentationml/2006/main">
-  <p:cSld>
-    <p:spTree>
-      <p:nvGrpSpPr>
-        <p:cNvPr id="1" name=""/>
-        <p:cNvGrpSpPr/>
-        <p:nvPr/>
-      </p:nvGrpSpPr>
-      <p:grpSpPr>
-        <a:xfrm>
-          <a:off x="0" y="0"/>
-          <a:ext cx="0" cy="0"/>
-          <a:chOff x="0" y="0"/>
-          <a:chExt cx="0" cy="0"/>
-        </a:xfrm>
-      </p:grpSpPr>
-      <p:sp>
-        <p:nvSpPr>
-          <p:cNvPr id="2" name="Title 1"/>
-          <p:cNvSpPr>
-            <a:spLocks noGrp="1"/>
-          </p:cNvSpPr>
-          <p:nvPr>
-            <p:ph type="title"/>
-          </p:nvPr>
-        </p:nvSpPr>
-        <p:spPr/>
-        <p:txBody>
-          <a:bodyPr/>
-          <a:lstStyle/>
-          <a:p>
-            <a:r>
-              <a:rPr lang="en-US" dirty="0" smtClean="0"/>
-              <a:t>Requirements</a:t>
-            </a:r>
-            <a:endParaRPr lang="en-US" dirty="0"/>
-          </a:p>
-        </p:txBody>
-      </p:sp>
-      <p:sp>
-        <p:nvSpPr>
-          <p:cNvPr id="3" name="Content Placeholder 2"/>
-          <p:cNvSpPr>
-            <a:spLocks noGrp="1"/>
-          </p:cNvSpPr>
-          <p:nvPr>
-            <p:ph idx="1"/>
-          </p:nvPr>
-        </p:nvSpPr>
-        <p:spPr/>
-        <p:txBody>
-          <a:bodyPr/>
-          <a:lstStyle/>
-          <a:p>
-            <a:r>
-              <a:rPr lang="en-US" dirty="0" smtClean="0"/>
-              <a:t>ADO.NET 4.6 driver</a:t>
-            </a:r>
-          </a:p>
-          <a:p>
-            <a:r>
-              <a:rPr lang="en-US" dirty="0" smtClean="0"/>
-              <a:t>Client side encryption store access</a:t>
-            </a:r>
-          </a:p>
-          <a:p>
-            <a:pPr lvl="1"/>
-            <a:r>
-              <a:rPr lang="en-US" dirty="0" smtClean="0"/>
-              <a:t>Local Certificate Store</a:t>
-            </a:r>
-          </a:p>
-          <a:p>
-            <a:pPr lvl="1"/>
-            <a:r>
-              <a:rPr lang="en-US" dirty="0" smtClean="0"/>
-              <a:t>Azure Key Vault</a:t>
-            </a:r>
-          </a:p>
-          <a:p>
-            <a:r>
-              <a:rPr lang="en-US" dirty="0" smtClean="0"/>
-              <a:t>Column Master Key (CMK)</a:t>
-            </a:r>
-          </a:p>
-          <a:p>
-            <a:r>
-              <a:rPr lang="en-US" dirty="0" smtClean="0"/>
-              <a:t>Column Encryption Key (CEK)</a:t>
-            </a:r>
-            <a:endParaRPr lang="en-US" dirty="0"/>
-          </a:p>
-        </p:txBody>
-      </p:sp>
-    </p:spTree>
-    <p:extLst>
-      <p:ext uri="{BB962C8B-B14F-4D97-AF65-F5344CB8AC3E}">
-        <p14:creationId xmlns:p14="http://schemas.microsoft.com/office/powerpoint/2010/main" val="651137154"/>
-      </p:ext>
-    </p:extLst>
-  </p:cSld>
-  <p:clrMapOvr>
-    <a:masterClrMapping/>
-  </p:clrMapOvr>
-</p:sld>
-</file>
-
-<file path=ppt/slides/slide9.xml><?xml version="1.0" encoding="utf-8"?>
-<p:sld xmlns:a="http://schemas.openxmlformats.org/drawingml/2006/main" xmlns:r="http://schemas.openxmlformats.org/officeDocument/2006/relationships" xmlns:p="http://schemas.openxmlformats.org/presentationml/2006/main">
-  <p:cSld>
-    <p:spTree>
-      <p:nvGrpSpPr>
-        <p:cNvPr id="1" name=""/>
-        <p:cNvGrpSpPr/>
-        <p:nvPr/>
-      </p:nvGrpSpPr>
-      <p:grpSpPr>
-        <a:xfrm>
-          <a:off x="0" y="0"/>
-          <a:ext cx="0" cy="0"/>
-          <a:chOff x="0" y="0"/>
-          <a:chExt cx="0" cy="0"/>
-        </a:xfrm>
-      </p:grpSpPr>
-      <p:sp>
-        <p:nvSpPr>
-          <p:cNvPr id="4" name="Title 3"/>
-          <p:cNvSpPr>
-            <a:spLocks noGrp="1"/>
-          </p:cNvSpPr>
-          <p:nvPr>
-            <p:ph type="title"/>
-          </p:nvPr>
-        </p:nvSpPr>
-        <p:spPr/>
-        <p:txBody>
-          <a:bodyPr/>
-          <a:lstStyle/>
-          <a:p>
-            <a:r>
-              <a:rPr lang="en-US" dirty="0"/>
-              <a:t>Demo</a:t>
-            </a:r>
-          </a:p>
-        </p:txBody>
-      </p:sp>
-      <p:sp>
-        <p:nvSpPr>
-          <p:cNvPr id="5" name="Text Placeholder 4"/>
-          <p:cNvSpPr>
-            <a:spLocks noGrp="1"/>
-          </p:cNvSpPr>
-          <p:nvPr>
-            <p:ph type="body" idx="1"/>
-          </p:nvPr>
-        </p:nvSpPr>
-        <p:spPr/>
-        <p:txBody>
-          <a:bodyPr/>
-          <a:lstStyle/>
-          <a:p>
-            <a:r>
-              <a:rPr lang="en-US" dirty="0"/>
-              <a:t>Always </a:t>
-            </a:r>
-            <a:r>
-              <a:rPr lang="en-US" dirty="0" smtClean="0"/>
-              <a:t>Encrypted Setup </a:t>
-            </a:r>
-            <a:endParaRPr lang="en-US" dirty="0"/>
-          </a:p>
-        </p:txBody>
-      </p:sp>
-    </p:spTree>
-    <p:extLst>
-      <p:ext uri="{BB962C8B-B14F-4D97-AF65-F5344CB8AC3E}">
-        <p14:creationId xmlns:p14="http://schemas.microsoft.com/office/powerpoint/2010/main" val="1733506344"/>
       </p:ext>
     </p:extLst>
   </p:cSld>

--- a/EndtoEndAlwaysEncrypted.pptx
+++ b/EndtoEndAlwaysEncrypted.pptx
@@ -5,7 +5,7 @@
     <p:sldMasterId id="2147483648" r:id="rId1"/>
   </p:sldMasterIdLst>
   <p:notesMasterIdLst>
-    <p:notesMasterId r:id="rId24"/>
+    <p:notesMasterId r:id="rId26"/>
   </p:notesMasterIdLst>
   <p:sldIdLst>
     <p:sldId id="256" r:id="rId2"/>
@@ -28,8 +28,10 @@
     <p:sldId id="269" r:id="rId19"/>
     <p:sldId id="258" r:id="rId20"/>
     <p:sldId id="270" r:id="rId21"/>
-    <p:sldId id="266" r:id="rId22"/>
-    <p:sldId id="262" r:id="rId23"/>
+    <p:sldId id="280" r:id="rId22"/>
+    <p:sldId id="266" r:id="rId23"/>
+    <p:sldId id="262" r:id="rId24"/>
+    <p:sldId id="279" r:id="rId25"/>
   </p:sldIdLst>
   <p:sldSz cx="12192000" cy="6858000"/>
   <p:notesSz cx="6858000" cy="9144000"/>
@@ -218,7 +220,7 @@
           <a:p>
             <a:fld id="{501103D5-940C-4BC6-8DD6-EC56A2463EE0}" type="datetimeFigureOut">
               <a:rPr lang="en-US" smtClean="0"/>
-              <a:t>4/7/2016</a:t>
+              <a:t>4/10/2016</a:t>
             </a:fld>
             <a:endParaRPr lang="en-US"/>
           </a:p>
@@ -1491,7 +1493,7 @@
           <a:p>
             <a:fld id="{AFE28CCF-C73F-479B-94EC-A5E54FF894ED}" type="datetimeFigureOut">
               <a:rPr lang="en-US" smtClean="0"/>
-              <a:t>4/7/2016</a:t>
+              <a:t>4/10/2016</a:t>
             </a:fld>
             <a:endParaRPr lang="en-US"/>
           </a:p>
@@ -1659,7 +1661,7 @@
           <a:p>
             <a:fld id="{AFE28CCF-C73F-479B-94EC-A5E54FF894ED}" type="datetimeFigureOut">
               <a:rPr lang="en-US" smtClean="0"/>
-              <a:t>4/7/2016</a:t>
+              <a:t>4/10/2016</a:t>
             </a:fld>
             <a:endParaRPr lang="en-US"/>
           </a:p>
@@ -1837,7 +1839,7 @@
           <a:p>
             <a:fld id="{AFE28CCF-C73F-479B-94EC-A5E54FF894ED}" type="datetimeFigureOut">
               <a:rPr lang="en-US" smtClean="0"/>
-              <a:t>4/7/2016</a:t>
+              <a:t>4/10/2016</a:t>
             </a:fld>
             <a:endParaRPr lang="en-US"/>
           </a:p>
@@ -2005,7 +2007,7 @@
           <a:p>
             <a:fld id="{AFE28CCF-C73F-479B-94EC-A5E54FF894ED}" type="datetimeFigureOut">
               <a:rPr lang="en-US" smtClean="0"/>
-              <a:t>4/7/2016</a:t>
+              <a:t>4/10/2016</a:t>
             </a:fld>
             <a:endParaRPr lang="en-US"/>
           </a:p>
@@ -2250,7 +2252,7 @@
           <a:p>
             <a:fld id="{AFE28CCF-C73F-479B-94EC-A5E54FF894ED}" type="datetimeFigureOut">
               <a:rPr lang="en-US" smtClean="0"/>
-              <a:t>4/7/2016</a:t>
+              <a:t>4/10/2016</a:t>
             </a:fld>
             <a:endParaRPr lang="en-US"/>
           </a:p>
@@ -2479,7 +2481,7 @@
           <a:p>
             <a:fld id="{AFE28CCF-C73F-479B-94EC-A5E54FF894ED}" type="datetimeFigureOut">
               <a:rPr lang="en-US" smtClean="0"/>
-              <a:t>4/7/2016</a:t>
+              <a:t>4/10/2016</a:t>
             </a:fld>
             <a:endParaRPr lang="en-US"/>
           </a:p>
@@ -2843,7 +2845,7 @@
           <a:p>
             <a:fld id="{AFE28CCF-C73F-479B-94EC-A5E54FF894ED}" type="datetimeFigureOut">
               <a:rPr lang="en-US" smtClean="0"/>
-              <a:t>4/7/2016</a:t>
+              <a:t>4/10/2016</a:t>
             </a:fld>
             <a:endParaRPr lang="en-US"/>
           </a:p>
@@ -2960,7 +2962,7 @@
           <a:p>
             <a:fld id="{AFE28CCF-C73F-479B-94EC-A5E54FF894ED}" type="datetimeFigureOut">
               <a:rPr lang="en-US" smtClean="0"/>
-              <a:t>4/7/2016</a:t>
+              <a:t>4/10/2016</a:t>
             </a:fld>
             <a:endParaRPr lang="en-US"/>
           </a:p>
@@ -3055,7 +3057,7 @@
           <a:p>
             <a:fld id="{AFE28CCF-C73F-479B-94EC-A5E54FF894ED}" type="datetimeFigureOut">
               <a:rPr lang="en-US" smtClean="0"/>
-              <a:t>4/7/2016</a:t>
+              <a:t>4/10/2016</a:t>
             </a:fld>
             <a:endParaRPr lang="en-US"/>
           </a:p>
@@ -3330,7 +3332,7 @@
           <a:p>
             <a:fld id="{AFE28CCF-C73F-479B-94EC-A5E54FF894ED}" type="datetimeFigureOut">
               <a:rPr lang="en-US" smtClean="0"/>
-              <a:t>4/7/2016</a:t>
+              <a:t>4/10/2016</a:t>
             </a:fld>
             <a:endParaRPr lang="en-US"/>
           </a:p>
@@ -3582,7 +3584,7 @@
           <a:p>
             <a:fld id="{AFE28CCF-C73F-479B-94EC-A5E54FF894ED}" type="datetimeFigureOut">
               <a:rPr lang="en-US" smtClean="0"/>
-              <a:t>4/7/2016</a:t>
+              <a:t>4/10/2016</a:t>
             </a:fld>
             <a:endParaRPr lang="en-US"/>
           </a:p>
@@ -3793,7 +3795,7 @@
           <a:p>
             <a:fld id="{AFE28CCF-C73F-479B-94EC-A5E54FF894ED}" type="datetimeFigureOut">
               <a:rPr lang="en-US" smtClean="0"/>
-              <a:t>4/7/2016</a:t>
+              <a:t>4/10/2016</a:t>
             </a:fld>
             <a:endParaRPr lang="en-US"/>
           </a:p>
@@ -4511,7 +4513,13 @@
           <a:p>
             <a:r>
               <a:rPr lang="en-US" dirty="0"/>
-              <a:t>Always Encrypted Setup </a:t>
+              <a:t>Always Encrypted Setup</a:t>
+            </a:r>
+          </a:p>
+          <a:p>
+            <a:r>
+              <a:rPr lang="en-US" dirty="0"/>
+              <a:t>0x_xx.sql </a:t>
             </a:r>
           </a:p>
         </p:txBody>
@@ -4777,7 +4785,13 @@
           <a:p>
             <a:r>
               <a:rPr lang="en-US" dirty="0"/>
-              <a:t>Always Encrypted Data – Working with data </a:t>
+              <a:t>Always Encrypted Data – Working with data</a:t>
+            </a:r>
+          </a:p>
+          <a:p>
+            <a:r>
+              <a:rPr lang="en-US" dirty="0"/>
+              <a:t>1x_xx.sql queries </a:t>
             </a:r>
           </a:p>
         </p:txBody>
@@ -5375,6 +5389,86 @@
 </file>
 
 <file path=ppt/slides/slide21.xml><?xml version="1.0" encoding="utf-8"?>
+<p:sld xmlns:a="http://schemas.openxmlformats.org/drawingml/2006/main" xmlns:r="http://schemas.openxmlformats.org/officeDocument/2006/relationships" xmlns:p="http://schemas.openxmlformats.org/presentationml/2006/main">
+  <p:cSld>
+    <p:spTree>
+      <p:nvGrpSpPr>
+        <p:cNvPr id="1" name=""/>
+        <p:cNvGrpSpPr/>
+        <p:nvPr/>
+      </p:nvGrpSpPr>
+      <p:grpSpPr>
+        <a:xfrm>
+          <a:off x="0" y="0"/>
+          <a:ext cx="0" cy="0"/>
+          <a:chOff x="0" y="0"/>
+          <a:chExt cx="0" cy="0"/>
+        </a:xfrm>
+      </p:grpSpPr>
+      <p:sp>
+        <p:nvSpPr>
+          <p:cNvPr id="4" name="Title 3"/>
+          <p:cNvSpPr>
+            <a:spLocks noGrp="1"/>
+          </p:cNvSpPr>
+          <p:nvPr>
+            <p:ph type="title"/>
+          </p:nvPr>
+        </p:nvSpPr>
+        <p:spPr/>
+        <p:txBody>
+          <a:bodyPr/>
+          <a:lstStyle/>
+          <a:p>
+            <a:r>
+              <a:rPr lang="en-US" dirty="0"/>
+              <a:t>Summary</a:t>
+            </a:r>
+          </a:p>
+        </p:txBody>
+      </p:sp>
+      <p:sp>
+        <p:nvSpPr>
+          <p:cNvPr id="5" name="Content Placeholder 4"/>
+          <p:cNvSpPr>
+            <a:spLocks noGrp="1"/>
+          </p:cNvSpPr>
+          <p:nvPr>
+            <p:ph idx="1"/>
+          </p:nvPr>
+        </p:nvSpPr>
+        <p:spPr/>
+        <p:txBody>
+          <a:bodyPr/>
+          <a:lstStyle/>
+          <a:p>
+            <a:r>
+              <a:rPr lang="en-US" dirty="0"/>
+              <a:t>Encryption is protected from system administrators on the server</a:t>
+            </a:r>
+          </a:p>
+          <a:p>
+            <a:r>
+              <a:rPr lang="en-US" dirty="0"/>
+              <a:t>Certificate management is crucial to protecting data</a:t>
+            </a:r>
+          </a:p>
+        </p:txBody>
+      </p:sp>
+    </p:spTree>
+    <p:extLst>
+      <p:ext uri="{BB962C8B-B14F-4D97-AF65-F5344CB8AC3E}">
+        <p14:creationId xmlns:p14="http://schemas.microsoft.com/office/powerpoint/2010/main" val="2135432439"/>
+      </p:ext>
+    </p:extLst>
+  </p:cSld>
+  <p:clrMapOvr>
+    <a:masterClrMapping/>
+  </p:clrMapOvr>
+</p:sld>
+</file>
+
+<file path=ppt/slides/slide22.xml><?xml version="1.0" encoding="utf-8"?>
 <p:sld xmlns:a="http://schemas.openxmlformats.org/drawingml/2006/main" xmlns:r="http://schemas.openxmlformats.org/officeDocument/2006/relationships" xmlns:p="http://schemas.openxmlformats.org/presentationml/2006/main">
   <p:cSld>
     <p:spTree>
@@ -5938,7 +6032,7 @@
 </p:sld>
 </file>
 
-<file path=ppt/slides/slide22.xml><?xml version="1.0" encoding="utf-8"?>
+<file path=ppt/slides/slide23.xml><?xml version="1.0" encoding="utf-8"?>
 <p:sld xmlns:a="http://schemas.openxmlformats.org/drawingml/2006/main" xmlns:r="http://schemas.openxmlformats.org/officeDocument/2006/relationships" xmlns:p="http://schemas.openxmlformats.org/presentationml/2006/main">
   <p:cSld>
     <p:spTree>
@@ -6005,6 +6099,22 @@
             <a:endParaRPr lang="en-US" dirty="0"/>
           </a:p>
           <a:p>
+            <a:r>
+              <a:rPr lang="en-US" dirty="0"/>
+              <a:t>Column Encryption Metadata - </a:t>
+            </a:r>
+            <a:r>
+              <a:rPr lang="en-US" dirty="0">
+                <a:hlinkClick r:id="rId3"/>
+              </a:rPr>
+              <a:t>https://blogs.msdn.microsoft.com/sqlsecurity/2015/07/06/always-encrypted-key-metadata/</a:t>
+            </a:r>
+            <a:endParaRPr lang="en-US" dirty="0"/>
+          </a:p>
+          <a:p>
+            <a:endParaRPr lang="en-US" dirty="0"/>
+          </a:p>
+          <a:p>
             <a:endParaRPr lang="en-US" dirty="0"/>
           </a:p>
         </p:txBody>
@@ -6013,6 +6123,116 @@
     <p:extLst>
       <p:ext uri="{BB962C8B-B14F-4D97-AF65-F5344CB8AC3E}">
         <p14:creationId xmlns:p14="http://schemas.microsoft.com/office/powerpoint/2010/main" val="2672446475"/>
+      </p:ext>
+    </p:extLst>
+  </p:cSld>
+  <p:clrMapOvr>
+    <a:masterClrMapping/>
+  </p:clrMapOvr>
+</p:sld>
+</file>
+
+<file path=ppt/slides/slide24.xml><?xml version="1.0" encoding="utf-8"?>
+<p:sld xmlns:a="http://schemas.openxmlformats.org/drawingml/2006/main" xmlns:r="http://schemas.openxmlformats.org/officeDocument/2006/relationships" xmlns:p="http://schemas.openxmlformats.org/presentationml/2006/main">
+  <p:cSld>
+    <p:spTree>
+      <p:nvGrpSpPr>
+        <p:cNvPr id="1" name=""/>
+        <p:cNvGrpSpPr/>
+        <p:nvPr/>
+      </p:nvGrpSpPr>
+      <p:grpSpPr>
+        <a:xfrm>
+          <a:off x="0" y="0"/>
+          <a:ext cx="0" cy="0"/>
+          <a:chOff x="0" y="0"/>
+          <a:chExt cx="0" cy="0"/>
+        </a:xfrm>
+      </p:grpSpPr>
+      <p:sp>
+        <p:nvSpPr>
+          <p:cNvPr id="2" name="Title 1"/>
+          <p:cNvSpPr>
+            <a:spLocks noGrp="1"/>
+          </p:cNvSpPr>
+          <p:nvPr>
+            <p:ph type="title"/>
+          </p:nvPr>
+        </p:nvSpPr>
+        <p:spPr/>
+        <p:txBody>
+          <a:bodyPr/>
+          <a:lstStyle/>
+          <a:p>
+            <a:r>
+              <a:rPr lang="en-US" dirty="0"/>
+              <a:t>Images</a:t>
+            </a:r>
+          </a:p>
+        </p:txBody>
+      </p:sp>
+      <p:sp>
+        <p:nvSpPr>
+          <p:cNvPr id="3" name="Content Placeholder 2"/>
+          <p:cNvSpPr>
+            <a:spLocks noGrp="1"/>
+          </p:cNvSpPr>
+          <p:nvPr>
+            <p:ph idx="1"/>
+          </p:nvPr>
+        </p:nvSpPr>
+        <p:spPr/>
+        <p:txBody>
+          <a:bodyPr/>
+          <a:lstStyle/>
+          <a:p>
+            <a:r>
+              <a:rPr lang="en-US" dirty="0">
+                <a:hlinkClick r:id="rId2"/>
+              </a:rPr>
+              <a:t>http://excellentsecurityinc.com/media/1281/boxinternal2.jpg</a:t>
+            </a:r>
+            <a:endParaRPr lang="en-US" dirty="0"/>
+          </a:p>
+          <a:p>
+            <a:r>
+              <a:rPr lang="en-US" dirty="0">
+                <a:hlinkClick r:id="rId3"/>
+              </a:rPr>
+              <a:t>http://themarkconsulting.com/wp-content/uploads/2015/04/Bank_Vault_3D_Wallpaper-HD.jpg</a:t>
+            </a:r>
+            <a:endParaRPr lang="en-US" dirty="0"/>
+          </a:p>
+          <a:p>
+            <a:r>
+              <a:rPr lang="en-US" dirty="0">
+                <a:hlinkClick r:id="rId4"/>
+              </a:rPr>
+              <a:t>https://www.fcbweb.net/wp-content/uploads/2009/10/Safe.jpg</a:t>
+            </a:r>
+            <a:endParaRPr lang="en-US" dirty="0"/>
+          </a:p>
+          <a:p>
+            <a:r>
+              <a:rPr lang="en-US" dirty="0">
+                <a:hlinkClick r:id="rId5"/>
+              </a:rPr>
+              <a:t>https://i-msdn.sec.s-msft.com/dynimg/IC797953.jpeg</a:t>
+            </a:r>
+            <a:endParaRPr lang="en-US" dirty="0"/>
+          </a:p>
+          <a:p>
+            <a:endParaRPr lang="en-US" dirty="0"/>
+          </a:p>
+          <a:p>
+            <a:endParaRPr lang="en-US" dirty="0"/>
+          </a:p>
+        </p:txBody>
+      </p:sp>
+    </p:spTree>
+    <p:extLst>
+      <p:ext uri="{BB962C8B-B14F-4D97-AF65-F5344CB8AC3E}">
+        <p14:creationId xmlns:p14="http://schemas.microsoft.com/office/powerpoint/2010/main" val="826415679"/>
       </p:ext>
     </p:extLst>
   </p:cSld>
@@ -7525,8 +7745,8 @@
         </p:blipFill>
         <p:spPr>
           <a:xfrm>
-            <a:off x="1695751" y="4161615"/>
-            <a:ext cx="2729017" cy="2016344"/>
+            <a:off x="2231732" y="2835191"/>
+            <a:ext cx="1717968" cy="1269327"/>
           </a:xfrm>
           <a:prstGeom prst="rect">
             <a:avLst/>
@@ -7555,8 +7775,8 @@
         </p:blipFill>
         <p:spPr>
           <a:xfrm>
-            <a:off x="1178336" y="1083235"/>
-            <a:ext cx="3763851" cy="2117166"/>
+            <a:off x="1720200" y="591671"/>
+            <a:ext cx="2680116" cy="1507565"/>
           </a:xfrm>
           <a:prstGeom prst="rect">
             <a:avLst/>
@@ -7585,8 +7805,8 @@
         </p:blipFill>
         <p:spPr>
           <a:xfrm>
-            <a:off x="8058150" y="922618"/>
-            <a:ext cx="1219200" cy="1219200"/>
+            <a:off x="8020050" y="490818"/>
+            <a:ext cx="1073150" cy="1073150"/>
           </a:xfrm>
           <a:prstGeom prst="rect">
             <a:avLst/>
@@ -7601,7 +7821,7 @@
         </p:nvSpPr>
         <p:spPr>
           <a:xfrm>
-            <a:off x="7315200" y="2489771"/>
+            <a:off x="7327900" y="1576016"/>
             <a:ext cx="2705100" cy="523220"/>
           </a:xfrm>
           <a:prstGeom prst="rect">
@@ -7644,7 +7864,7 @@
         </p:blipFill>
         <p:spPr>
           <a:xfrm>
-            <a:off x="7472362" y="4204476"/>
+            <a:off x="7437437" y="2744525"/>
             <a:ext cx="2238375" cy="657225"/>
           </a:xfrm>
           <a:prstGeom prst="rect">
@@ -7660,7 +7880,7 @@
         </p:nvSpPr>
         <p:spPr>
           <a:xfrm>
-            <a:off x="8382000" y="3308956"/>
+            <a:off x="8381999" y="2099236"/>
             <a:ext cx="419100" cy="667404"/>
           </a:xfrm>
           <a:prstGeom prst="downArrow">
@@ -7703,7 +7923,152 @@
         </p:nvSpPr>
         <p:spPr>
           <a:xfrm>
-            <a:off x="2850710" y="3371119"/>
+            <a:off x="2886224" y="2193187"/>
+            <a:ext cx="352276" cy="511913"/>
+          </a:xfrm>
+          <a:prstGeom prst="downArrow">
+            <a:avLst/>
+          </a:prstGeom>
+          <a:solidFill>
+            <a:schemeClr val="tx1"/>
+          </a:solidFill>
+        </p:spPr>
+        <p:style>
+          <a:lnRef idx="2">
+            <a:schemeClr val="accent1">
+              <a:shade val="50000"/>
+            </a:schemeClr>
+          </a:lnRef>
+          <a:fillRef idx="1">
+            <a:schemeClr val="accent1"/>
+          </a:fillRef>
+          <a:effectRef idx="0">
+            <a:schemeClr val="accent1"/>
+          </a:effectRef>
+          <a:fontRef idx="minor">
+            <a:schemeClr val="lt1"/>
+          </a:fontRef>
+        </p:style>
+        <p:txBody>
+          <a:bodyPr rtlCol="0" anchor="ctr"/>
+          <a:lstStyle/>
+          <a:p>
+            <a:pPr algn="ctr"/>
+            <a:endParaRPr lang="en-US"/>
+          </a:p>
+        </p:txBody>
+      </p:sp>
+      <p:sp>
+        <p:nvSpPr>
+          <p:cNvPr id="12" name="TextBox 11"/>
+          <p:cNvSpPr txBox="1"/>
+          <p:nvPr/>
+        </p:nvSpPr>
+        <p:spPr>
+          <a:xfrm>
+            <a:off x="7437437" y="3523819"/>
+            <a:ext cx="3435351" cy="523220"/>
+          </a:xfrm>
+          <a:prstGeom prst="rect">
+            <a:avLst/>
+          </a:prstGeom>
+          <a:noFill/>
+        </p:spPr>
+        <p:txBody>
+          <a:bodyPr wrap="square" rtlCol="0">
+            <a:spAutoFit/>
+          </a:bodyPr>
+          <a:lstStyle/>
+          <a:p>
+            <a:r>
+              <a:rPr lang="en-US" sz="2800" b="1" dirty="0"/>
+              <a:t>Symmetric Key</a:t>
+            </a:r>
+          </a:p>
+        </p:txBody>
+      </p:sp>
+      <p:pic>
+        <p:nvPicPr>
+          <p:cNvPr id="2" name="Picture 1"/>
+          <p:cNvPicPr>
+            <a:picLocks noChangeAspect="1"/>
+          </p:cNvPicPr>
+          <p:nvPr/>
+        </p:nvPicPr>
+        <p:blipFill>
+          <a:blip r:embed="rId6" cstate="print">
+            <a:extLst>
+              <a:ext uri="{28A0092B-C50C-407E-A947-70E740481C1C}">
+                <a14:useLocalDpi xmlns:a14="http://schemas.microsoft.com/office/drawing/2010/main" val="0"/>
+              </a:ext>
+            </a:extLst>
+          </a:blip>
+          <a:stretch>
+            <a:fillRect/>
+          </a:stretch>
+        </p:blipFill>
+        <p:spPr>
+          <a:xfrm>
+            <a:off x="1858816" y="4930990"/>
+            <a:ext cx="2463800" cy="1386298"/>
+          </a:xfrm>
+          <a:prstGeom prst="rect">
+            <a:avLst/>
+          </a:prstGeom>
+        </p:spPr>
+      </p:pic>
+      <p:sp>
+        <p:nvSpPr>
+          <p:cNvPr id="13" name="Down Arrow 12"/>
+          <p:cNvSpPr/>
+          <p:nvPr/>
+        </p:nvSpPr>
+        <p:spPr>
+          <a:xfrm>
+            <a:off x="2911624" y="4250587"/>
+            <a:ext cx="352276" cy="511913"/>
+          </a:xfrm>
+          <a:prstGeom prst="downArrow">
+            <a:avLst/>
+          </a:prstGeom>
+          <a:solidFill>
+            <a:schemeClr val="tx1"/>
+          </a:solidFill>
+        </p:spPr>
+        <p:style>
+          <a:lnRef idx="2">
+            <a:schemeClr val="accent1">
+              <a:shade val="50000"/>
+            </a:schemeClr>
+          </a:lnRef>
+          <a:fillRef idx="1">
+            <a:schemeClr val="accent1"/>
+          </a:fillRef>
+          <a:effectRef idx="0">
+            <a:schemeClr val="accent1"/>
+          </a:effectRef>
+          <a:fontRef idx="minor">
+            <a:schemeClr val="lt1"/>
+          </a:fontRef>
+        </p:style>
+        <p:txBody>
+          <a:bodyPr rtlCol="0" anchor="ctr"/>
+          <a:lstStyle/>
+          <a:p>
+            <a:pPr algn="ctr"/>
+            <a:endParaRPr lang="en-US"/>
+          </a:p>
+        </p:txBody>
+      </p:sp>
+      <p:sp>
+        <p:nvSpPr>
+          <p:cNvPr id="14" name="Down Arrow 13"/>
+          <p:cNvSpPr/>
+          <p:nvPr/>
+        </p:nvSpPr>
+        <p:spPr>
+          <a:xfrm>
+            <a:off x="8381999" y="4071191"/>
             <a:ext cx="419100" cy="667404"/>
           </a:xfrm>
           <a:prstGeom prst="downArrow">
@@ -7740,19 +8105,24 @@
       </p:sp>
       <p:sp>
         <p:nvSpPr>
-          <p:cNvPr id="12" name="TextBox 11"/>
+          <p:cNvPr id="15" name="TextBox 14"/>
           <p:cNvSpPr txBox="1"/>
           <p:nvPr/>
         </p:nvSpPr>
         <p:spPr>
           <a:xfrm>
-            <a:off x="7619999" y="5070690"/>
-            <a:ext cx="1943100" cy="954107"/>
+            <a:off x="7283572" y="5148456"/>
+            <a:ext cx="2749428" cy="646331"/>
           </a:xfrm>
           <a:prstGeom prst="rect">
             <a:avLst/>
           </a:prstGeom>
           <a:noFill/>
+          <a:ln w="15875">
+            <a:solidFill>
+              <a:schemeClr val="tx1"/>
+            </a:solidFill>
+          </a:ln>
         </p:spPr>
         <p:txBody>
           <a:bodyPr wrap="square" rtlCol="0">
@@ -7761,14 +8131,8 @@
           <a:lstStyle/>
           <a:p>
             <a:r>
-              <a:rPr lang="en-US" sz="2800" b="1" dirty="0"/>
-              <a:t>Symmetric</a:t>
-            </a:r>
-          </a:p>
-          <a:p>
-            <a:r>
-              <a:rPr lang="en-US" sz="2800" b="1" dirty="0"/>
-              <a:t>Key</a:t>
+              <a:rPr lang="en-US" dirty="0"/>
+              <a:t>The quick brown fox jumped over the lazy dog.</a:t>
             </a:r>
           </a:p>
         </p:txBody>

--- a/EndtoEndAlwaysEncrypted.pptx
+++ b/EndtoEndAlwaysEncrypted.pptx
@@ -5,7 +5,7 @@
     <p:sldMasterId id="2147483648" r:id="rId1"/>
   </p:sldMasterIdLst>
   <p:notesMasterIdLst>
-    <p:notesMasterId r:id="rId26"/>
+    <p:notesMasterId r:id="rId28"/>
   </p:notesMasterIdLst>
   <p:sldIdLst>
     <p:sldId id="256" r:id="rId2"/>
@@ -27,11 +27,13 @@
     <p:sldId id="272" r:id="rId18"/>
     <p:sldId id="269" r:id="rId19"/>
     <p:sldId id="258" r:id="rId20"/>
-    <p:sldId id="270" r:id="rId21"/>
-    <p:sldId id="280" r:id="rId22"/>
-    <p:sldId id="266" r:id="rId23"/>
-    <p:sldId id="262" r:id="rId24"/>
-    <p:sldId id="279" r:id="rId25"/>
+    <p:sldId id="281" r:id="rId21"/>
+    <p:sldId id="270" r:id="rId22"/>
+    <p:sldId id="282" r:id="rId23"/>
+    <p:sldId id="280" r:id="rId24"/>
+    <p:sldId id="266" r:id="rId25"/>
+    <p:sldId id="262" r:id="rId26"/>
+    <p:sldId id="279" r:id="rId27"/>
   </p:sldIdLst>
   <p:sldSz cx="12192000" cy="6858000"/>
   <p:notesSz cx="6858000" cy="9144000"/>
@@ -220,7 +222,7 @@
           <a:p>
             <a:fld id="{501103D5-940C-4BC6-8DD6-EC56A2463EE0}" type="datetimeFigureOut">
               <a:rPr lang="en-US" smtClean="0"/>
-              <a:t>4/10/2016</a:t>
+              <a:t>4/13/2016</a:t>
             </a:fld>
             <a:endParaRPr lang="en-US"/>
           </a:p>
@@ -506,6 +508,145 @@
       </p:grpSpPr>
       <p:sp>
         <p:nvSpPr>
+          <p:cNvPr id="2" name="Slide Image Placeholder 1"/>
+          <p:cNvSpPr>
+            <a:spLocks noGrp="1" noRot="1" noChangeAspect="1"/>
+          </p:cNvSpPr>
+          <p:nvPr>
+            <p:ph type="sldImg"/>
+          </p:nvPr>
+        </p:nvSpPr>
+        <p:spPr/>
+      </p:sp>
+      <p:sp>
+        <p:nvSpPr>
+          <p:cNvPr id="3" name="Notes Placeholder 2"/>
+          <p:cNvSpPr>
+            <a:spLocks noGrp="1"/>
+          </p:cNvSpPr>
+          <p:nvPr>
+            <p:ph type="body" idx="1"/>
+          </p:nvPr>
+        </p:nvSpPr>
+        <p:spPr/>
+        <p:txBody>
+          <a:bodyPr/>
+          <a:lstStyle/>
+          <a:p>
+            <a:r>
+              <a:rPr lang="en-US" dirty="0"/>
+              <a:t>Open User</a:t>
+            </a:r>
+            <a:r>
+              <a:rPr lang="en-US" baseline="0" dirty="0"/>
+              <a:t> Certificates</a:t>
+            </a:r>
+          </a:p>
+          <a:p>
+            <a:r>
+              <a:rPr lang="en-US" baseline="0" dirty="0"/>
+              <a:t>Open SSMS as </a:t>
+            </a:r>
+            <a:r>
+              <a:rPr lang="en-US" baseline="0" dirty="0" err="1"/>
+              <a:t>Administator</a:t>
+            </a:r>
+            <a:r>
+              <a:rPr lang="en-US" baseline="0" dirty="0"/>
+              <a:t>, open </a:t>
+            </a:r>
+            <a:r>
+              <a:rPr lang="en-US" baseline="0" dirty="0" err="1"/>
+              <a:t>db</a:t>
+            </a:r>
+            <a:r>
+              <a:rPr lang="en-US" baseline="0" dirty="0"/>
+              <a:t> setup (00_xx)</a:t>
+            </a:r>
+          </a:p>
+          <a:p>
+            <a:r>
+              <a:rPr lang="en-US" baseline="0" dirty="0"/>
+              <a:t>  - connect to local .\2016, .\2014, </a:t>
+            </a:r>
+            <a:r>
+              <a:rPr lang="en-US" baseline="0" dirty="0" err="1"/>
+              <a:t>vm</a:t>
+            </a:r>
+            <a:r>
+              <a:rPr lang="en-US" baseline="0" dirty="0"/>
+              <a:t>\2016</a:t>
+            </a:r>
+          </a:p>
+          <a:p>
+            <a:r>
+              <a:rPr lang="en-US" baseline="0" dirty="0"/>
+              <a:t>Open VS, solution for Always Encrypted</a:t>
+            </a:r>
+          </a:p>
+          <a:p>
+            <a:endParaRPr lang="en-US" dirty="0"/>
+          </a:p>
+          <a:p>
+            <a:endParaRPr lang="en-US" dirty="0"/>
+          </a:p>
+        </p:txBody>
+      </p:sp>
+      <p:sp>
+        <p:nvSpPr>
+          <p:cNvPr id="4" name="Slide Number Placeholder 3"/>
+          <p:cNvSpPr>
+            <a:spLocks noGrp="1"/>
+          </p:cNvSpPr>
+          <p:nvPr>
+            <p:ph type="sldNum" sz="quarter" idx="10"/>
+          </p:nvPr>
+        </p:nvSpPr>
+        <p:spPr/>
+        <p:txBody>
+          <a:bodyPr/>
+          <a:lstStyle/>
+          <a:p>
+            <a:fld id="{FA11749C-2C7E-467C-B17D-61D5024F7C8E}" type="slidenum">
+              <a:rPr lang="en-US" smtClean="0"/>
+              <a:t>1</a:t>
+            </a:fld>
+            <a:endParaRPr lang="en-US"/>
+          </a:p>
+        </p:txBody>
+      </p:sp>
+    </p:spTree>
+    <p:extLst>
+      <p:ext uri="{BB962C8B-B14F-4D97-AF65-F5344CB8AC3E}">
+        <p14:creationId xmlns:p14="http://schemas.microsoft.com/office/powerpoint/2010/main" val="853064046"/>
+      </p:ext>
+    </p:extLst>
+  </p:cSld>
+  <p:clrMapOvr>
+    <a:masterClrMapping/>
+  </p:clrMapOvr>
+</p:notes>
+</file>
+
+<file path=ppt/notesSlides/notesSlide2.xml><?xml version="1.0" encoding="utf-8"?>
+<p:notes xmlns:a="http://schemas.openxmlformats.org/drawingml/2006/main" xmlns:r="http://schemas.openxmlformats.org/officeDocument/2006/relationships" xmlns:p="http://schemas.openxmlformats.org/presentationml/2006/main">
+  <p:cSld>
+    <p:spTree>
+      <p:nvGrpSpPr>
+        <p:cNvPr id="1" name=""/>
+        <p:cNvGrpSpPr/>
+        <p:nvPr/>
+      </p:nvGrpSpPr>
+      <p:grpSpPr>
+        <a:xfrm>
+          <a:off x="0" y="0"/>
+          <a:ext cx="0" cy="0"/>
+          <a:chOff x="0" y="0"/>
+          <a:chExt cx="0" cy="0"/>
+        </a:xfrm>
+      </p:grpSpPr>
+      <p:sp>
+        <p:nvSpPr>
           <p:cNvPr id="18434" name="Slide Image Placeholder 1"/>
           <p:cNvSpPr>
             <a:spLocks noGrp="1" noRot="1" noChangeAspect="1" noTextEdit="1"/>
@@ -756,7 +897,7 @@
 </p:notes>
 </file>
 
-<file path=ppt/notesSlides/notesSlide2.xml><?xml version="1.0" encoding="utf-8"?>
+<file path=ppt/notesSlides/notesSlide3.xml><?xml version="1.0" encoding="utf-8"?>
 <p:notes xmlns:a="http://schemas.openxmlformats.org/drawingml/2006/main" xmlns:r="http://schemas.openxmlformats.org/officeDocument/2006/relationships" xmlns:p="http://schemas.openxmlformats.org/presentationml/2006/main">
   <p:cSld>
     <p:spTree>
@@ -847,109 +988,6 @@
     <p:extLst>
       <p:ext uri="{BB962C8B-B14F-4D97-AF65-F5344CB8AC3E}">
         <p14:creationId xmlns:p14="http://schemas.microsoft.com/office/powerpoint/2010/main" val="1023941857"/>
-      </p:ext>
-    </p:extLst>
-  </p:cSld>
-  <p:clrMapOvr>
-    <a:masterClrMapping/>
-  </p:clrMapOvr>
-</p:notes>
-</file>
-
-<file path=ppt/notesSlides/notesSlide3.xml><?xml version="1.0" encoding="utf-8"?>
-<p:notes xmlns:a="http://schemas.openxmlformats.org/drawingml/2006/main" xmlns:r="http://schemas.openxmlformats.org/officeDocument/2006/relationships" xmlns:p="http://schemas.openxmlformats.org/presentationml/2006/main">
-  <p:cSld>
-    <p:spTree>
-      <p:nvGrpSpPr>
-        <p:cNvPr id="1" name=""/>
-        <p:cNvGrpSpPr/>
-        <p:nvPr/>
-      </p:nvGrpSpPr>
-      <p:grpSpPr>
-        <a:xfrm>
-          <a:off x="0" y="0"/>
-          <a:ext cx="0" cy="0"/>
-          <a:chOff x="0" y="0"/>
-          <a:chExt cx="0" cy="0"/>
-        </a:xfrm>
-      </p:grpSpPr>
-      <p:sp>
-        <p:nvSpPr>
-          <p:cNvPr id="2" name="Slide Image Placeholder 1"/>
-          <p:cNvSpPr>
-            <a:spLocks noGrp="1" noRot="1" noChangeAspect="1"/>
-          </p:cNvSpPr>
-          <p:nvPr>
-            <p:ph type="sldImg"/>
-          </p:nvPr>
-        </p:nvSpPr>
-        <p:spPr/>
-      </p:sp>
-      <p:sp>
-        <p:nvSpPr>
-          <p:cNvPr id="3" name="Notes Placeholder 2"/>
-          <p:cNvSpPr>
-            <a:spLocks noGrp="1"/>
-          </p:cNvSpPr>
-          <p:nvPr>
-            <p:ph type="body" idx="1"/>
-          </p:nvPr>
-        </p:nvSpPr>
-        <p:spPr/>
-        <p:txBody>
-          <a:bodyPr/>
-          <a:lstStyle/>
-          <a:p>
-            <a:r>
-              <a:rPr lang="en-US" dirty="0"/>
-              <a:t>We use</a:t>
-            </a:r>
-            <a:r>
-              <a:rPr lang="en-US" baseline="0" dirty="0"/>
-              <a:t> functions and keys, here’s an example. </a:t>
-            </a:r>
-          </a:p>
-          <a:p>
-            <a:r>
-              <a:rPr lang="en-US" baseline="0" dirty="0"/>
-              <a:t>Describe</a:t>
-            </a:r>
-          </a:p>
-          <a:p>
-            <a:r>
-              <a:rPr lang="en-US" baseline="0" dirty="0"/>
-              <a:t>The function’s complexity determines the resources required to perform encryption, and usually, the security of the encryption process.</a:t>
-            </a:r>
-          </a:p>
-        </p:txBody>
-      </p:sp>
-      <p:sp>
-        <p:nvSpPr>
-          <p:cNvPr id="4" name="Slide Number Placeholder 3"/>
-          <p:cNvSpPr>
-            <a:spLocks noGrp="1"/>
-          </p:cNvSpPr>
-          <p:nvPr>
-            <p:ph type="sldNum" sz="quarter" idx="10"/>
-          </p:nvPr>
-        </p:nvSpPr>
-        <p:spPr/>
-        <p:txBody>
-          <a:bodyPr/>
-          <a:lstStyle/>
-          <a:p>
-            <a:fld id="{FA11749C-2C7E-467C-B17D-61D5024F7C8E}" type="slidenum">
-              <a:rPr lang="en-US" smtClean="0"/>
-              <a:t>5</a:t>
-            </a:fld>
-            <a:endParaRPr lang="en-US"/>
-          </a:p>
-        </p:txBody>
-      </p:sp>
-    </p:spTree>
-    <p:extLst>
-      <p:ext uri="{BB962C8B-B14F-4D97-AF65-F5344CB8AC3E}">
-        <p14:creationId xmlns:p14="http://schemas.microsoft.com/office/powerpoint/2010/main" val="1555796874"/>
       </p:ext>
     </p:extLst>
   </p:cSld>
@@ -1005,13 +1043,24 @@
           <a:p>
             <a:r>
               <a:rPr lang="en-US" dirty="0"/>
-              <a:t>Banks use a two stage</a:t>
+              <a:t>We use</a:t>
             </a:r>
             <a:r>
               <a:rPr lang="en-US" baseline="0" dirty="0"/>
-              <a:t> protection. They use a very strong outer lock., the bank vault door.</a:t>
-            </a:r>
-            <a:endParaRPr lang="en-US" dirty="0"/>
+              <a:t> functions and keys, here’s an example. </a:t>
+            </a:r>
+          </a:p>
+          <a:p>
+            <a:r>
+              <a:rPr lang="en-US" baseline="0" dirty="0"/>
+              <a:t>Describe</a:t>
+            </a:r>
+          </a:p>
+          <a:p>
+            <a:r>
+              <a:rPr lang="en-US" baseline="0" dirty="0"/>
+              <a:t>The function’s complexity determines the resources required to perform encryption, and usually, the security of the encryption process.</a:t>
+            </a:r>
           </a:p>
         </p:txBody>
       </p:sp>
@@ -1032,7 +1081,7 @@
           <a:p>
             <a:fld id="{FA11749C-2C7E-467C-B17D-61D5024F7C8E}" type="slidenum">
               <a:rPr lang="en-US" smtClean="0"/>
-              <a:t>6</a:t>
+              <a:t>5</a:t>
             </a:fld>
             <a:endParaRPr lang="en-US"/>
           </a:p>
@@ -1041,7 +1090,7 @@
     </p:spTree>
     <p:extLst>
       <p:ext uri="{BB962C8B-B14F-4D97-AF65-F5344CB8AC3E}">
-        <p14:creationId xmlns:p14="http://schemas.microsoft.com/office/powerpoint/2010/main" val="3963991342"/>
+        <p14:creationId xmlns:p14="http://schemas.microsoft.com/office/powerpoint/2010/main" val="1555796874"/>
       </p:ext>
     </p:extLst>
   </p:cSld>
@@ -1097,11 +1146,11 @@
           <a:p>
             <a:r>
               <a:rPr lang="en-US" dirty="0"/>
-              <a:t>They use relatively weaker</a:t>
+              <a:t>Banks use a two stage</a:t>
             </a:r>
             <a:r>
               <a:rPr lang="en-US" baseline="0" dirty="0"/>
-              <a:t> locks inside. These are easier to break into.</a:t>
+              <a:t> protection. They use a very strong outer lock., the bank vault door.</a:t>
             </a:r>
             <a:endParaRPr lang="en-US" dirty="0"/>
           </a:p>
@@ -1124,7 +1173,7 @@
           <a:p>
             <a:fld id="{FA11749C-2C7E-467C-B17D-61D5024F7C8E}" type="slidenum">
               <a:rPr lang="en-US" smtClean="0"/>
-              <a:t>7</a:t>
+              <a:t>6</a:t>
             </a:fld>
             <a:endParaRPr lang="en-US"/>
           </a:p>
@@ -1133,7 +1182,7 @@
     </p:spTree>
     <p:extLst>
       <p:ext uri="{BB962C8B-B14F-4D97-AF65-F5344CB8AC3E}">
-        <p14:creationId xmlns:p14="http://schemas.microsoft.com/office/powerpoint/2010/main" val="414749270"/>
+        <p14:creationId xmlns:p14="http://schemas.microsoft.com/office/powerpoint/2010/main" val="3963991342"/>
       </p:ext>
     </p:extLst>
   </p:cSld>
@@ -1189,6 +1238,98 @@
           <a:p>
             <a:r>
               <a:rPr lang="en-US" dirty="0"/>
+              <a:t>They use relatively weaker</a:t>
+            </a:r>
+            <a:r>
+              <a:rPr lang="en-US" baseline="0" dirty="0"/>
+              <a:t> locks inside. These are easier to break into.</a:t>
+            </a:r>
+            <a:endParaRPr lang="en-US" dirty="0"/>
+          </a:p>
+        </p:txBody>
+      </p:sp>
+      <p:sp>
+        <p:nvSpPr>
+          <p:cNvPr id="4" name="Slide Number Placeholder 3"/>
+          <p:cNvSpPr>
+            <a:spLocks noGrp="1"/>
+          </p:cNvSpPr>
+          <p:nvPr>
+            <p:ph type="sldNum" sz="quarter" idx="10"/>
+          </p:nvPr>
+        </p:nvSpPr>
+        <p:spPr/>
+        <p:txBody>
+          <a:bodyPr/>
+          <a:lstStyle/>
+          <a:p>
+            <a:fld id="{FA11749C-2C7E-467C-B17D-61D5024F7C8E}" type="slidenum">
+              <a:rPr lang="en-US" smtClean="0"/>
+              <a:t>7</a:t>
+            </a:fld>
+            <a:endParaRPr lang="en-US"/>
+          </a:p>
+        </p:txBody>
+      </p:sp>
+    </p:spTree>
+    <p:extLst>
+      <p:ext uri="{BB962C8B-B14F-4D97-AF65-F5344CB8AC3E}">
+        <p14:creationId xmlns:p14="http://schemas.microsoft.com/office/powerpoint/2010/main" val="414749270"/>
+      </p:ext>
+    </p:extLst>
+  </p:cSld>
+  <p:clrMapOvr>
+    <a:masterClrMapping/>
+  </p:clrMapOvr>
+</p:notes>
+</file>
+
+<file path=ppt/notesSlides/notesSlide7.xml><?xml version="1.0" encoding="utf-8"?>
+<p:notes xmlns:a="http://schemas.openxmlformats.org/drawingml/2006/main" xmlns:r="http://schemas.openxmlformats.org/officeDocument/2006/relationships" xmlns:p="http://schemas.openxmlformats.org/presentationml/2006/main">
+  <p:cSld>
+    <p:spTree>
+      <p:nvGrpSpPr>
+        <p:cNvPr id="1" name=""/>
+        <p:cNvGrpSpPr/>
+        <p:nvPr/>
+      </p:nvGrpSpPr>
+      <p:grpSpPr>
+        <a:xfrm>
+          <a:off x="0" y="0"/>
+          <a:ext cx="0" cy="0"/>
+          <a:chOff x="0" y="0"/>
+          <a:chExt cx="0" cy="0"/>
+        </a:xfrm>
+      </p:grpSpPr>
+      <p:sp>
+        <p:nvSpPr>
+          <p:cNvPr id="2" name="Slide Image Placeholder 1"/>
+          <p:cNvSpPr>
+            <a:spLocks noGrp="1" noRot="1" noChangeAspect="1"/>
+          </p:cNvSpPr>
+          <p:nvPr>
+            <p:ph type="sldImg"/>
+          </p:nvPr>
+        </p:nvSpPr>
+        <p:spPr/>
+      </p:sp>
+      <p:sp>
+        <p:nvSpPr>
+          <p:cNvPr id="3" name="Notes Placeholder 2"/>
+          <p:cNvSpPr>
+            <a:spLocks noGrp="1"/>
+          </p:cNvSpPr>
+          <p:nvPr>
+            <p:ph type="body" idx="1"/>
+          </p:nvPr>
+        </p:nvSpPr>
+        <p:spPr/>
+        <p:txBody>
+          <a:bodyPr/>
+          <a:lstStyle/>
+          <a:p>
+            <a:r>
+              <a:rPr lang="en-US" dirty="0"/>
               <a:t>Create new table</a:t>
             </a:r>
           </a:p>
@@ -1249,7 +1390,7 @@
 </p:notes>
 </file>
 
-<file path=ppt/notesSlides/notesSlide7.xml><?xml version="1.0" encoding="utf-8"?>
+<file path=ppt/notesSlides/notesSlide8.xml><?xml version="1.0" encoding="utf-8"?>
 <p:notes xmlns:a="http://schemas.openxmlformats.org/drawingml/2006/main" xmlns:r="http://schemas.openxmlformats.org/officeDocument/2006/relationships" xmlns:p="http://schemas.openxmlformats.org/presentationml/2006/main">
   <p:cSld>
     <p:spTree>
@@ -1493,7 +1634,7 @@
           <a:p>
             <a:fld id="{AFE28CCF-C73F-479B-94EC-A5E54FF894ED}" type="datetimeFigureOut">
               <a:rPr lang="en-US" smtClean="0"/>
-              <a:t>4/10/2016</a:t>
+              <a:t>4/13/2016</a:t>
             </a:fld>
             <a:endParaRPr lang="en-US"/>
           </a:p>
@@ -1661,7 +1802,7 @@
           <a:p>
             <a:fld id="{AFE28CCF-C73F-479B-94EC-A5E54FF894ED}" type="datetimeFigureOut">
               <a:rPr lang="en-US" smtClean="0"/>
-              <a:t>4/10/2016</a:t>
+              <a:t>4/13/2016</a:t>
             </a:fld>
             <a:endParaRPr lang="en-US"/>
           </a:p>
@@ -1839,7 +1980,7 @@
           <a:p>
             <a:fld id="{AFE28CCF-C73F-479B-94EC-A5E54FF894ED}" type="datetimeFigureOut">
               <a:rPr lang="en-US" smtClean="0"/>
-              <a:t>4/10/2016</a:t>
+              <a:t>4/13/2016</a:t>
             </a:fld>
             <a:endParaRPr lang="en-US"/>
           </a:p>
@@ -2007,7 +2148,7 @@
           <a:p>
             <a:fld id="{AFE28CCF-C73F-479B-94EC-A5E54FF894ED}" type="datetimeFigureOut">
               <a:rPr lang="en-US" smtClean="0"/>
-              <a:t>4/10/2016</a:t>
+              <a:t>4/13/2016</a:t>
             </a:fld>
             <a:endParaRPr lang="en-US"/>
           </a:p>
@@ -2252,7 +2393,7 @@
           <a:p>
             <a:fld id="{AFE28CCF-C73F-479B-94EC-A5E54FF894ED}" type="datetimeFigureOut">
               <a:rPr lang="en-US" smtClean="0"/>
-              <a:t>4/10/2016</a:t>
+              <a:t>4/13/2016</a:t>
             </a:fld>
             <a:endParaRPr lang="en-US"/>
           </a:p>
@@ -2481,7 +2622,7 @@
           <a:p>
             <a:fld id="{AFE28CCF-C73F-479B-94EC-A5E54FF894ED}" type="datetimeFigureOut">
               <a:rPr lang="en-US" smtClean="0"/>
-              <a:t>4/10/2016</a:t>
+              <a:t>4/13/2016</a:t>
             </a:fld>
             <a:endParaRPr lang="en-US"/>
           </a:p>
@@ -2845,7 +2986,7 @@
           <a:p>
             <a:fld id="{AFE28CCF-C73F-479B-94EC-A5E54FF894ED}" type="datetimeFigureOut">
               <a:rPr lang="en-US" smtClean="0"/>
-              <a:t>4/10/2016</a:t>
+              <a:t>4/13/2016</a:t>
             </a:fld>
             <a:endParaRPr lang="en-US"/>
           </a:p>
@@ -2962,7 +3103,7 @@
           <a:p>
             <a:fld id="{AFE28CCF-C73F-479B-94EC-A5E54FF894ED}" type="datetimeFigureOut">
               <a:rPr lang="en-US" smtClean="0"/>
-              <a:t>4/10/2016</a:t>
+              <a:t>4/13/2016</a:t>
             </a:fld>
             <a:endParaRPr lang="en-US"/>
           </a:p>
@@ -3057,7 +3198,7 @@
           <a:p>
             <a:fld id="{AFE28CCF-C73F-479B-94EC-A5E54FF894ED}" type="datetimeFigureOut">
               <a:rPr lang="en-US" smtClean="0"/>
-              <a:t>4/10/2016</a:t>
+              <a:t>4/13/2016</a:t>
             </a:fld>
             <a:endParaRPr lang="en-US"/>
           </a:p>
@@ -3332,7 +3473,7 @@
           <a:p>
             <a:fld id="{AFE28CCF-C73F-479B-94EC-A5E54FF894ED}" type="datetimeFigureOut">
               <a:rPr lang="en-US" smtClean="0"/>
-              <a:t>4/10/2016</a:t>
+              <a:t>4/13/2016</a:t>
             </a:fld>
             <a:endParaRPr lang="en-US"/>
           </a:p>
@@ -3584,7 +3725,7 @@
           <a:p>
             <a:fld id="{AFE28CCF-C73F-479B-94EC-A5E54FF894ED}" type="datetimeFigureOut">
               <a:rPr lang="en-US" smtClean="0"/>
-              <a:t>4/10/2016</a:t>
+              <a:t>4/13/2016</a:t>
             </a:fld>
             <a:endParaRPr lang="en-US"/>
           </a:p>
@@ -3795,7 +3936,7 @@
           <a:p>
             <a:fld id="{AFE28CCF-C73F-479B-94EC-A5E54FF894ED}" type="datetimeFigureOut">
               <a:rPr lang="en-US" smtClean="0"/>
-              <a:t>4/10/2016</a:t>
+              <a:t>4/13/2016</a:t>
             </a:fld>
             <a:endParaRPr lang="en-US"/>
           </a:p>
@@ -5333,7 +5474,7 @@
       </p:grpSpPr>
       <p:sp>
         <p:nvSpPr>
-          <p:cNvPr id="4" name="Title 3"/>
+          <p:cNvPr id="2" name="Title 1"/>
           <p:cNvSpPr>
             <a:spLocks noGrp="1"/>
           </p:cNvSpPr>
@@ -5348,29 +5489,70 @@
           <a:p>
             <a:r>
               <a:rPr lang="en-US" dirty="0"/>
-              <a:t>Demo</a:t>
-            </a:r>
-          </a:p>
-        </p:txBody>
-      </p:sp>
-      <p:sp>
-        <p:nvSpPr>
-          <p:cNvPr id="5" name="Text Placeholder 4"/>
-          <p:cNvSpPr>
-            <a:spLocks noGrp="1"/>
-          </p:cNvSpPr>
-          <p:nvPr>
-            <p:ph type="body" idx="1"/>
+              <a:t>Limitations – </a:t>
+            </a:r>
+            <a:r>
+              <a:rPr lang="en-US" dirty="0" err="1"/>
+              <a:t>Quiese</a:t>
+            </a:r>
+            <a:r>
+              <a:rPr lang="en-US" dirty="0"/>
+              <a:t> the Table</a:t>
+            </a:r>
+          </a:p>
+        </p:txBody>
+      </p:sp>
+      <p:sp>
+        <p:nvSpPr>
+          <p:cNvPr id="3" name="Content Placeholder 2"/>
+          <p:cNvSpPr>
+            <a:spLocks noGrp="1"/>
+          </p:cNvSpPr>
+          <p:nvPr>
+            <p:ph idx="1"/>
           </p:nvPr>
         </p:nvSpPr>
         <p:spPr/>
         <p:txBody>
-          <a:bodyPr/>
-          <a:lstStyle/>
-          <a:p>
+          <a:bodyPr>
+            <a:normAutofit fontScale="92500" lnSpcReduction="10000"/>
+          </a:bodyPr>
+          <a:lstStyle/>
+          <a:p>
+            <a:pPr marL="0" indent="0">
+              <a:buNone/>
+            </a:pPr>
             <a:r>
               <a:rPr lang="en-US" dirty="0"/>
-              <a:t>Always Encrypted Limitations</a:t>
+              <a:t>One big limitation (</a:t>
+            </a:r>
+            <a:r>
+              <a:rPr lang="en-US" sz="1900" dirty="0"/>
+              <a:t>from</a:t>
+            </a:r>
+            <a:r>
+              <a:rPr lang="en-US" dirty="0"/>
+              <a:t> </a:t>
+            </a:r>
+            <a:r>
+              <a:rPr lang="en-US" sz="1900" dirty="0">
+                <a:hlinkClick r:id="rId2"/>
+              </a:rPr>
+              <a:t>https://blogs.msdn.microsoft.com/sqlsecurity/2015/10/31/ssms-encryption-wizard-enabling-always-encrypted-in-a-few-easy-steps/</a:t>
+            </a:r>
+            <a:r>
+              <a:rPr lang="en-US" dirty="0"/>
+              <a:t>)</a:t>
+            </a:r>
+          </a:p>
+          <a:p>
+            <a:r>
+              <a:rPr lang="en-US" b="1" i="1" dirty="0"/>
+              <a:t>Note:</a:t>
+            </a:r>
+            <a:r>
+              <a:rPr lang="en-US" i="1" dirty="0"/>
+              <a:t> When using the current version of the wizard, you need to make sure no other application inserts or updates rows in the tables, containing encrypted columns, while the encryption workflow is running. During the encryption workflow, the wizard creates a temporary table, downloads the data from your original table, encrypts the data and uploads it to the temporary table. Finally, the wizard deletes the original table and renames the temporary table to the original table. If another app is inserting or modifying data in the original table, the new or updated data may be lost. Make sure, you only run the encryption workflow in a planned maintenance window. This issue will be addressed in a later version of SSMS.</a:t>
             </a:r>
           </a:p>
         </p:txBody>
@@ -5378,7 +5560,7 @@
     </p:spTree>
     <p:extLst>
       <p:ext uri="{BB962C8B-B14F-4D97-AF65-F5344CB8AC3E}">
-        <p14:creationId xmlns:p14="http://schemas.microsoft.com/office/powerpoint/2010/main" val="3449462831"/>
+        <p14:creationId xmlns:p14="http://schemas.microsoft.com/office/powerpoint/2010/main" val="2611242635"/>
       </p:ext>
     </p:extLst>
   </p:cSld>
@@ -5422,6 +5604,161 @@
           <a:p>
             <a:r>
               <a:rPr lang="en-US" dirty="0"/>
+              <a:t>Demo</a:t>
+            </a:r>
+          </a:p>
+        </p:txBody>
+      </p:sp>
+      <p:sp>
+        <p:nvSpPr>
+          <p:cNvPr id="5" name="Text Placeholder 4"/>
+          <p:cNvSpPr>
+            <a:spLocks noGrp="1"/>
+          </p:cNvSpPr>
+          <p:nvPr>
+            <p:ph type="body" idx="1"/>
+          </p:nvPr>
+        </p:nvSpPr>
+        <p:spPr/>
+        <p:txBody>
+          <a:bodyPr/>
+          <a:lstStyle/>
+          <a:p>
+            <a:r>
+              <a:rPr lang="en-US" dirty="0"/>
+              <a:t>Always Encrypted Limitations</a:t>
+            </a:r>
+          </a:p>
+        </p:txBody>
+      </p:sp>
+    </p:spTree>
+    <p:extLst>
+      <p:ext uri="{BB962C8B-B14F-4D97-AF65-F5344CB8AC3E}">
+        <p14:creationId xmlns:p14="http://schemas.microsoft.com/office/powerpoint/2010/main" val="3449462831"/>
+      </p:ext>
+    </p:extLst>
+  </p:cSld>
+  <p:clrMapOvr>
+    <a:masterClrMapping/>
+  </p:clrMapOvr>
+</p:sld>
+</file>
+
+<file path=ppt/slides/slide22.xml><?xml version="1.0" encoding="utf-8"?>
+<p:sld xmlns:a="http://schemas.openxmlformats.org/drawingml/2006/main" xmlns:r="http://schemas.openxmlformats.org/officeDocument/2006/relationships" xmlns:p="http://schemas.openxmlformats.org/presentationml/2006/main">
+  <p:cSld>
+    <p:spTree>
+      <p:nvGrpSpPr>
+        <p:cNvPr id="1" name=""/>
+        <p:cNvGrpSpPr/>
+        <p:nvPr/>
+      </p:nvGrpSpPr>
+      <p:grpSpPr>
+        <a:xfrm>
+          <a:off x="0" y="0"/>
+          <a:ext cx="0" cy="0"/>
+          <a:chOff x="0" y="0"/>
+          <a:chExt cx="0" cy="0"/>
+        </a:xfrm>
+      </p:grpSpPr>
+      <p:sp>
+        <p:nvSpPr>
+          <p:cNvPr id="4" name="Title 3"/>
+          <p:cNvSpPr>
+            <a:spLocks noGrp="1"/>
+          </p:cNvSpPr>
+          <p:nvPr>
+            <p:ph type="title"/>
+          </p:nvPr>
+        </p:nvSpPr>
+        <p:spPr/>
+        <p:txBody>
+          <a:bodyPr/>
+          <a:lstStyle/>
+          <a:p>
+            <a:r>
+              <a:rPr lang="en-US" dirty="0"/>
+              <a:t>Bonus Demo</a:t>
+            </a:r>
+          </a:p>
+        </p:txBody>
+      </p:sp>
+      <p:sp>
+        <p:nvSpPr>
+          <p:cNvPr id="5" name="Text Placeholder 4"/>
+          <p:cNvSpPr>
+            <a:spLocks noGrp="1"/>
+          </p:cNvSpPr>
+          <p:nvPr>
+            <p:ph type="body" idx="1"/>
+          </p:nvPr>
+        </p:nvSpPr>
+        <p:spPr/>
+        <p:txBody>
+          <a:bodyPr/>
+          <a:lstStyle/>
+          <a:p>
+            <a:r>
+              <a:rPr lang="en-US" dirty="0"/>
+              <a:t>Always Encrypted Key Rotation</a:t>
+            </a:r>
+          </a:p>
+          <a:p>
+            <a:r>
+              <a:rPr lang="en-US"/>
+              <a:t>50_KeyRotation.sql</a:t>
+            </a:r>
+            <a:endParaRPr lang="en-US" dirty="0"/>
+          </a:p>
+        </p:txBody>
+      </p:sp>
+    </p:spTree>
+    <p:extLst>
+      <p:ext uri="{BB962C8B-B14F-4D97-AF65-F5344CB8AC3E}">
+        <p14:creationId xmlns:p14="http://schemas.microsoft.com/office/powerpoint/2010/main" val="4067089543"/>
+      </p:ext>
+    </p:extLst>
+  </p:cSld>
+  <p:clrMapOvr>
+    <a:masterClrMapping/>
+  </p:clrMapOvr>
+</p:sld>
+</file>
+
+<file path=ppt/slides/slide23.xml><?xml version="1.0" encoding="utf-8"?>
+<p:sld xmlns:a="http://schemas.openxmlformats.org/drawingml/2006/main" xmlns:r="http://schemas.openxmlformats.org/officeDocument/2006/relationships" xmlns:p="http://schemas.openxmlformats.org/presentationml/2006/main">
+  <p:cSld>
+    <p:spTree>
+      <p:nvGrpSpPr>
+        <p:cNvPr id="1" name=""/>
+        <p:cNvGrpSpPr/>
+        <p:nvPr/>
+      </p:nvGrpSpPr>
+      <p:grpSpPr>
+        <a:xfrm>
+          <a:off x="0" y="0"/>
+          <a:ext cx="0" cy="0"/>
+          <a:chOff x="0" y="0"/>
+          <a:chExt cx="0" cy="0"/>
+        </a:xfrm>
+      </p:grpSpPr>
+      <p:sp>
+        <p:nvSpPr>
+          <p:cNvPr id="4" name="Title 3"/>
+          <p:cNvSpPr>
+            <a:spLocks noGrp="1"/>
+          </p:cNvSpPr>
+          <p:nvPr>
+            <p:ph type="title"/>
+          </p:nvPr>
+        </p:nvSpPr>
+        <p:spPr/>
+        <p:txBody>
+          <a:bodyPr/>
+          <a:lstStyle/>
+          <a:p>
+            <a:r>
+              <a:rPr lang="en-US" dirty="0"/>
               <a:t>Summary</a:t>
             </a:r>
           </a:p>
@@ -5444,7 +5781,19 @@
           <a:p>
             <a:r>
               <a:rPr lang="en-US" dirty="0"/>
-              <a:t>Encryption is protected from system administrators on the server</a:t>
+              <a:t>Always Encrypted only requires a change to the connection string</a:t>
+            </a:r>
+          </a:p>
+          <a:p>
+            <a:r>
+              <a:rPr lang="en-US" dirty="0"/>
+              <a:t>Data is protected once it leave the client</a:t>
+            </a:r>
+          </a:p>
+          <a:p>
+            <a:r>
+              <a:rPr lang="en-US" dirty="0"/>
+              <a:t>Encrypted data is protected from system administrators on the server</a:t>
             </a:r>
           </a:p>
           <a:p>
@@ -5468,7 +5817,7 @@
 </p:sld>
 </file>
 
-<file path=ppt/slides/slide22.xml><?xml version="1.0" encoding="utf-8"?>
+<file path=ppt/slides/slide24.xml><?xml version="1.0" encoding="utf-8"?>
 <p:sld xmlns:a="http://schemas.openxmlformats.org/drawingml/2006/main" xmlns:r="http://schemas.openxmlformats.org/officeDocument/2006/relationships" xmlns:p="http://schemas.openxmlformats.org/presentationml/2006/main">
   <p:cSld>
     <p:spTree>
@@ -6032,7 +6381,7 @@
 </p:sld>
 </file>
 
-<file path=ppt/slides/slide23.xml><?xml version="1.0" encoding="utf-8"?>
+<file path=ppt/slides/slide25.xml><?xml version="1.0" encoding="utf-8"?>
 <p:sld xmlns:a="http://schemas.openxmlformats.org/drawingml/2006/main" xmlns:r="http://schemas.openxmlformats.org/officeDocument/2006/relationships" xmlns:p="http://schemas.openxmlformats.org/presentationml/2006/main">
   <p:cSld>
     <p:spTree>
@@ -6132,7 +6481,7 @@
 </p:sld>
 </file>
 
-<file path=ppt/slides/slide24.xml><?xml version="1.0" encoding="utf-8"?>
+<file path=ppt/slides/slide26.xml><?xml version="1.0" encoding="utf-8"?>
 <p:sld xmlns:a="http://schemas.openxmlformats.org/drawingml/2006/main" xmlns:r="http://schemas.openxmlformats.org/officeDocument/2006/relationships" xmlns:p="http://schemas.openxmlformats.org/presentationml/2006/main">
   <p:cSld>
     <p:spTree>
@@ -7805,7 +8154,7 @@
         </p:blipFill>
         <p:spPr>
           <a:xfrm>
-            <a:off x="8020050" y="490818"/>
+            <a:off x="8020050" y="694018"/>
             <a:ext cx="1073150" cy="1073150"/>
           </a:xfrm>
           <a:prstGeom prst="rect">
@@ -7821,7 +8170,7 @@
         </p:nvSpPr>
         <p:spPr>
           <a:xfrm>
-            <a:off x="7327900" y="1576016"/>
+            <a:off x="7327900" y="1779216"/>
             <a:ext cx="2705100" cy="523220"/>
           </a:xfrm>
           <a:prstGeom prst="rect">
@@ -7864,7 +8213,7 @@
         </p:blipFill>
         <p:spPr>
           <a:xfrm>
-            <a:off x="7437437" y="2744525"/>
+            <a:off x="7437437" y="2947725"/>
             <a:ext cx="2238375" cy="657225"/>
           </a:xfrm>
           <a:prstGeom prst="rect">
@@ -7880,7 +8229,7 @@
         </p:nvSpPr>
         <p:spPr>
           <a:xfrm>
-            <a:off x="8381999" y="2099236"/>
+            <a:off x="8381999" y="2302436"/>
             <a:ext cx="419100" cy="667404"/>
           </a:xfrm>
           <a:prstGeom prst="downArrow">
@@ -7966,7 +8315,7 @@
         </p:nvSpPr>
         <p:spPr>
           <a:xfrm>
-            <a:off x="7437437" y="3523819"/>
+            <a:off x="7437437" y="3727019"/>
             <a:ext cx="3435351" cy="523220"/>
           </a:xfrm>
           <a:prstGeom prst="rect">
@@ -8068,7 +8417,7 @@
         </p:nvSpPr>
         <p:spPr>
           <a:xfrm>
-            <a:off x="8381999" y="4071191"/>
+            <a:off x="8381999" y="4274391"/>
             <a:ext cx="419100" cy="667404"/>
           </a:xfrm>
           <a:prstGeom prst="downArrow">
@@ -8111,7 +8460,7 @@
         </p:nvSpPr>
         <p:spPr>
           <a:xfrm>
-            <a:off x="7283572" y="5148456"/>
+            <a:off x="7283572" y="5351656"/>
             <a:ext cx="2749428" cy="646331"/>
           </a:xfrm>
           <a:prstGeom prst="rect">

--- a/EndtoEndAlwaysEncrypted.pptx
+++ b/EndtoEndAlwaysEncrypted.pptx
@@ -5,7 +5,7 @@
     <p:sldMasterId id="2147483648" r:id="rId1"/>
   </p:sldMasterIdLst>
   <p:notesMasterIdLst>
-    <p:notesMasterId r:id="rId28"/>
+    <p:notesMasterId r:id="rId30"/>
   </p:notesMasterIdLst>
   <p:sldIdLst>
     <p:sldId id="256" r:id="rId2"/>
@@ -23,17 +23,19 @@
     <p:sldId id="271" r:id="rId14"/>
     <p:sldId id="273" r:id="rId15"/>
     <p:sldId id="274" r:id="rId16"/>
-    <p:sldId id="268" r:id="rId17"/>
-    <p:sldId id="272" r:id="rId18"/>
-    <p:sldId id="269" r:id="rId19"/>
-    <p:sldId id="258" r:id="rId20"/>
-    <p:sldId id="281" r:id="rId21"/>
-    <p:sldId id="270" r:id="rId22"/>
-    <p:sldId id="282" r:id="rId23"/>
-    <p:sldId id="280" r:id="rId24"/>
-    <p:sldId id="266" r:id="rId25"/>
-    <p:sldId id="262" r:id="rId26"/>
-    <p:sldId id="279" r:id="rId27"/>
+    <p:sldId id="283" r:id="rId17"/>
+    <p:sldId id="284" r:id="rId18"/>
+    <p:sldId id="268" r:id="rId19"/>
+    <p:sldId id="272" r:id="rId20"/>
+    <p:sldId id="269" r:id="rId21"/>
+    <p:sldId id="258" r:id="rId22"/>
+    <p:sldId id="281" r:id="rId23"/>
+    <p:sldId id="270" r:id="rId24"/>
+    <p:sldId id="282" r:id="rId25"/>
+    <p:sldId id="280" r:id="rId26"/>
+    <p:sldId id="266" r:id="rId27"/>
+    <p:sldId id="262" r:id="rId28"/>
+    <p:sldId id="279" r:id="rId29"/>
   </p:sldIdLst>
   <p:sldSz cx="12192000" cy="6858000"/>
   <p:notesSz cx="6858000" cy="9144000"/>
@@ -1496,6 +1498,121 @@
     <p:extLst>
       <p:ext uri="{BB962C8B-B14F-4D97-AF65-F5344CB8AC3E}">
         <p14:creationId xmlns:p14="http://schemas.microsoft.com/office/powerpoint/2010/main" val="66106153"/>
+      </p:ext>
+    </p:extLst>
+  </p:cSld>
+  <p:clrMapOvr>
+    <a:masterClrMapping/>
+  </p:clrMapOvr>
+</p:notes>
+</file>
+
+<file path=ppt/notesSlides/notesSlide9.xml><?xml version="1.0" encoding="utf-8"?>
+<p:notes xmlns:a="http://schemas.openxmlformats.org/drawingml/2006/main" xmlns:r="http://schemas.openxmlformats.org/officeDocument/2006/relationships" xmlns:p="http://schemas.openxmlformats.org/presentationml/2006/main">
+  <p:cSld>
+    <p:spTree>
+      <p:nvGrpSpPr>
+        <p:cNvPr id="1" name=""/>
+        <p:cNvGrpSpPr/>
+        <p:nvPr/>
+      </p:nvGrpSpPr>
+      <p:grpSpPr>
+        <a:xfrm>
+          <a:off x="0" y="0"/>
+          <a:ext cx="0" cy="0"/>
+          <a:chOff x="0" y="0"/>
+          <a:chExt cx="0" cy="0"/>
+        </a:xfrm>
+      </p:grpSpPr>
+      <p:sp>
+        <p:nvSpPr>
+          <p:cNvPr id="2" name="Slide Image Placeholder 1"/>
+          <p:cNvSpPr>
+            <a:spLocks noGrp="1" noRot="1" noChangeAspect="1"/>
+          </p:cNvSpPr>
+          <p:nvPr>
+            <p:ph type="sldImg"/>
+          </p:nvPr>
+        </p:nvSpPr>
+        <p:spPr/>
+      </p:sp>
+      <p:sp>
+        <p:nvSpPr>
+          <p:cNvPr id="3" name="Notes Placeholder 2"/>
+          <p:cNvSpPr>
+            <a:spLocks noGrp="1"/>
+          </p:cNvSpPr>
+          <p:nvPr>
+            <p:ph type="body" idx="1"/>
+          </p:nvPr>
+        </p:nvSpPr>
+        <p:spPr/>
+        <p:txBody>
+          <a:bodyPr/>
+          <a:lstStyle/>
+          <a:p>
+            <a:r>
+              <a:rPr lang="en-US" dirty="0"/>
+              <a:t>Try to query</a:t>
+            </a:r>
+            <a:r>
+              <a:rPr lang="en-US" baseline="0" dirty="0"/>
+              <a:t> data? Encrypted.</a:t>
+            </a:r>
+          </a:p>
+          <a:p>
+            <a:r>
+              <a:rPr lang="en-US" baseline="0" dirty="0"/>
+              <a:t>Try to add data, fails.</a:t>
+            </a:r>
+          </a:p>
+          <a:p>
+            <a:r>
+              <a:rPr lang="en-US" baseline="0" dirty="0"/>
+              <a:t>Add data in non encrypted columns – OK</a:t>
+            </a:r>
+          </a:p>
+          <a:p>
+            <a:r>
+              <a:rPr lang="en-US" baseline="0" dirty="0"/>
+              <a:t>Use client app to add data</a:t>
+            </a:r>
+          </a:p>
+          <a:p>
+            <a:r>
+              <a:rPr lang="en-US" baseline="0"/>
+              <a:t>Use flag in SSMS to view data.</a:t>
+            </a:r>
+          </a:p>
+        </p:txBody>
+      </p:sp>
+      <p:sp>
+        <p:nvSpPr>
+          <p:cNvPr id="4" name="Slide Number Placeholder 3"/>
+          <p:cNvSpPr>
+            <a:spLocks noGrp="1"/>
+          </p:cNvSpPr>
+          <p:nvPr>
+            <p:ph type="sldNum" sz="quarter" idx="10"/>
+          </p:nvPr>
+        </p:nvSpPr>
+        <p:spPr/>
+        <p:txBody>
+          <a:bodyPr/>
+          <a:lstStyle/>
+          <a:p>
+            <a:fld id="{FA11749C-2C7E-467C-B17D-61D5024F7C8E}" type="slidenum">
+              <a:rPr lang="en-US" smtClean="0"/>
+              <a:t>17</a:t>
+            </a:fld>
+            <a:endParaRPr lang="en-US"/>
+          </a:p>
+        </p:txBody>
+      </p:sp>
+    </p:spTree>
+    <p:extLst>
+      <p:ext uri="{BB962C8B-B14F-4D97-AF65-F5344CB8AC3E}">
+        <p14:creationId xmlns:p14="http://schemas.microsoft.com/office/powerpoint/2010/main" val="590475946"/>
       </p:ext>
     </p:extLst>
   </p:cSld>
@@ -4984,7 +5101,7 @@
           <a:p>
             <a:r>
               <a:rPr lang="en-US" dirty="0"/>
-              <a:t>Indexing and Performance</a:t>
+              <a:t>Certificates Matter</a:t>
             </a:r>
           </a:p>
         </p:txBody>
@@ -5006,35 +5123,54 @@
           <a:p>
             <a:r>
               <a:rPr lang="en-US" dirty="0"/>
-              <a:t>Indexes require consistency, or determinism</a:t>
+              <a:t>The Certificate protects the key and is needed for encryption/decryption</a:t>
             </a:r>
           </a:p>
           <a:p>
             <a:r>
               <a:rPr lang="en-US" dirty="0"/>
-              <a:t>Always Encrypted allows encryption that is</a:t>
+              <a:t>The Certificate is needed on the client, not the server</a:t>
+            </a:r>
+          </a:p>
+          <a:p>
+            <a:r>
+              <a:rPr lang="en-US" dirty="0"/>
+              <a:t>Certificates can be created by</a:t>
             </a:r>
           </a:p>
           <a:p>
             <a:pPr lvl="1"/>
             <a:r>
               <a:rPr lang="en-US" dirty="0"/>
-              <a:t>Deterministic</a:t>
+              <a:t>SQL Server </a:t>
             </a:r>
           </a:p>
           <a:p>
             <a:pPr lvl="1"/>
             <a:r>
+              <a:rPr lang="en-US" dirty="0" err="1"/>
+              <a:t>Makecert</a:t>
+            </a:r>
+            <a:endParaRPr lang="en-US" dirty="0"/>
+          </a:p>
+          <a:p>
+            <a:pPr lvl="1"/>
+            <a:r>
               <a:rPr lang="en-US" dirty="0"/>
-              <a:t>Random</a:t>
-            </a:r>
+              <a:t>New-</a:t>
+            </a:r>
+            <a:r>
+              <a:rPr lang="en-US" dirty="0" err="1"/>
+              <a:t>SelfSignedCertificate</a:t>
+            </a:r>
+            <a:endParaRPr lang="en-US" dirty="0"/>
           </a:p>
         </p:txBody>
       </p:sp>
     </p:spTree>
     <p:extLst>
       <p:ext uri="{BB962C8B-B14F-4D97-AF65-F5344CB8AC3E}">
-        <p14:creationId xmlns:p14="http://schemas.microsoft.com/office/powerpoint/2010/main" val="1852263417"/>
+        <p14:creationId xmlns:p14="http://schemas.microsoft.com/office/powerpoint/2010/main" val="2378885307"/>
       </p:ext>
     </p:extLst>
   </p:cSld>
@@ -5063,7 +5199,7 @@
       </p:grpSpPr>
       <p:sp>
         <p:nvSpPr>
-          <p:cNvPr id="2" name="Title 1"/>
+          <p:cNvPr id="4" name="Title 3"/>
           <p:cNvSpPr>
             <a:spLocks noGrp="1"/>
           </p:cNvSpPr>
@@ -5078,19 +5214,19 @@
           <a:p>
             <a:r>
               <a:rPr lang="en-US" dirty="0"/>
-              <a:t>Encryption Types</a:t>
-            </a:r>
-          </a:p>
-        </p:txBody>
-      </p:sp>
-      <p:sp>
-        <p:nvSpPr>
-          <p:cNvPr id="3" name="Content Placeholder 2"/>
-          <p:cNvSpPr>
-            <a:spLocks noGrp="1"/>
-          </p:cNvSpPr>
-          <p:nvPr>
-            <p:ph idx="1"/>
+              <a:t>Demo</a:t>
+            </a:r>
+          </a:p>
+        </p:txBody>
+      </p:sp>
+      <p:sp>
+        <p:nvSpPr>
+          <p:cNvPr id="5" name="Text Placeholder 4"/>
+          <p:cNvSpPr>
+            <a:spLocks noGrp="1"/>
+          </p:cNvSpPr>
+          <p:nvPr>
+            <p:ph type="body" idx="1"/>
           </p:nvPr>
         </p:nvSpPr>
         <p:spPr/>
@@ -5100,25 +5236,21 @@
           <a:p>
             <a:r>
               <a:rPr lang="en-US" dirty="0"/>
-              <a:t>Deterministic Encryption – Same plaintext value with same key = same encrypted value*</a:t>
+              <a:t>Always Encrypted Data – Certificates</a:t>
             </a:r>
           </a:p>
           <a:p>
             <a:r>
               <a:rPr lang="en-US" dirty="0"/>
-              <a:t>Random Encryption – Same plaintext value with same key &lt;&gt; same encrypted value (maybe)</a:t>
-            </a:r>
-          </a:p>
-          <a:p>
-            <a:endParaRPr lang="en-US" dirty="0"/>
-          </a:p>
-          <a:p>
-            <a:pPr marL="0" indent="0">
-              <a:buNone/>
-            </a:pPr>
+              <a:t>2</a:t>
+            </a:r>
+            <a:r>
+              <a:rPr lang="en-US"/>
+              <a:t>x_xx.sql </a:t>
+            </a:r>
             <a:r>
               <a:rPr lang="en-US" dirty="0"/>
-              <a:t>* Note: This does not necessarily mean that someone can derive the plaintext value from the encrypted values.</a:t>
+              <a:t>queries </a:t>
             </a:r>
           </a:p>
         </p:txBody>
@@ -5126,7 +5258,7 @@
     </p:spTree>
     <p:extLst>
       <p:ext uri="{BB962C8B-B14F-4D97-AF65-F5344CB8AC3E}">
-        <p14:creationId xmlns:p14="http://schemas.microsoft.com/office/powerpoint/2010/main" val="2536329291"/>
+        <p14:creationId xmlns:p14="http://schemas.microsoft.com/office/powerpoint/2010/main" val="1654434187"/>
       </p:ext>
     </p:extLst>
   </p:cSld>
@@ -5170,19 +5302,19 @@
           <a:p>
             <a:r>
               <a:rPr lang="en-US" dirty="0"/>
-              <a:t>Demo</a:t>
-            </a:r>
-          </a:p>
-        </p:txBody>
-      </p:sp>
-      <p:sp>
-        <p:nvSpPr>
-          <p:cNvPr id="5" name="Text Placeholder 4"/>
-          <p:cNvSpPr>
-            <a:spLocks noGrp="1"/>
-          </p:cNvSpPr>
-          <p:nvPr>
-            <p:ph type="body" idx="1"/>
+              <a:t>Indexing and Performance</a:t>
+            </a:r>
+          </a:p>
+        </p:txBody>
+      </p:sp>
+      <p:sp>
+        <p:nvSpPr>
+          <p:cNvPr id="5" name="Content Placeholder 4"/>
+          <p:cNvSpPr>
+            <a:spLocks noGrp="1"/>
+          </p:cNvSpPr>
+          <p:nvPr>
+            <p:ph idx="1"/>
           </p:nvPr>
         </p:nvSpPr>
         <p:spPr/>
@@ -5192,7 +5324,27 @@
           <a:p>
             <a:r>
               <a:rPr lang="en-US" dirty="0"/>
-              <a:t>Always Encrypted Types and Indexing</a:t>
+              <a:t>Indexes require consistency, or determinism</a:t>
+            </a:r>
+          </a:p>
+          <a:p>
+            <a:r>
+              <a:rPr lang="en-US" dirty="0"/>
+              <a:t>Always Encrypted allows encryption that is</a:t>
+            </a:r>
+          </a:p>
+          <a:p>
+            <a:pPr lvl="1"/>
+            <a:r>
+              <a:rPr lang="en-US" dirty="0"/>
+              <a:t>Deterministic</a:t>
+            </a:r>
+          </a:p>
+          <a:p>
+            <a:pPr lvl="1"/>
+            <a:r>
+              <a:rPr lang="en-US" dirty="0"/>
+              <a:t>Random</a:t>
             </a:r>
           </a:p>
         </p:txBody>
@@ -5200,7 +5352,7 @@
     </p:spTree>
     <p:extLst>
       <p:ext uri="{BB962C8B-B14F-4D97-AF65-F5344CB8AC3E}">
-        <p14:creationId xmlns:p14="http://schemas.microsoft.com/office/powerpoint/2010/main" val="1038270173"/>
+        <p14:creationId xmlns:p14="http://schemas.microsoft.com/office/powerpoint/2010/main" val="1852263417"/>
       </p:ext>
     </p:extLst>
   </p:cSld>
@@ -5244,7 +5396,7 @@
           <a:p>
             <a:r>
               <a:rPr lang="en-US" dirty="0"/>
-              <a:t>Limitations</a:t>
+              <a:t>Encryption Types</a:t>
             </a:r>
           </a:p>
         </p:txBody>
@@ -5259,89 +5411,40 @@
             <p:ph idx="1"/>
           </p:nvPr>
         </p:nvSpPr>
-        <p:spPr>
-          <a:xfrm>
-            <a:off x="607325" y="1825625"/>
-            <a:ext cx="10746475" cy="4351338"/>
-          </a:xfrm>
-        </p:spPr>
-        <p:txBody>
-          <a:bodyPr>
-            <a:normAutofit/>
-          </a:bodyPr>
-          <a:lstStyle/>
-          <a:p>
-            <a:r>
-              <a:rPr lang="en-US" sz="2400" dirty="0"/>
-              <a:t>Deterministic Encryption requires _BIN2 collation.</a:t>
-            </a:r>
-          </a:p>
-          <a:p>
-            <a:r>
-              <a:rPr lang="en-US" sz="2400" dirty="0"/>
-              <a:t>A CEK can have two encrypted values (for key rotation)</a:t>
-            </a:r>
-          </a:p>
-          <a:p>
-            <a:r>
-              <a:rPr lang="en-US" sz="2400" dirty="0"/>
-              <a:t>Queries can only perform operations on deterministic encryption</a:t>
-            </a:r>
-          </a:p>
-          <a:p>
-            <a:r>
-              <a:rPr lang="en-US" sz="2400" dirty="0"/>
-              <a:t>Only the equals (=) operation is allowed in queries. (No &gt;, &lt;, &lt;&gt;, like, etc.)</a:t>
-            </a:r>
-          </a:p>
-          <a:p>
-            <a:r>
-              <a:rPr lang="en-US" sz="2400" dirty="0"/>
-              <a:t>Queries must pass values as parameters, not literals.</a:t>
-            </a:r>
-          </a:p>
-          <a:p>
-            <a:r>
-              <a:rPr lang="en-US" sz="2400" dirty="0"/>
-              <a:t>Limited data types</a:t>
-            </a:r>
-          </a:p>
-          <a:p>
-            <a:r>
-              <a:rPr lang="en-US" sz="2400" dirty="0"/>
-              <a:t>Key columns in indexes only allow deterministic encryption</a:t>
-            </a:r>
-          </a:p>
-          <a:p>
-            <a:r>
-              <a:rPr lang="en-US" sz="2400" dirty="0"/>
-              <a:t>No CDC</a:t>
-            </a:r>
-          </a:p>
-          <a:p>
-            <a:r>
-              <a:rPr lang="en-US" sz="2400" dirty="0">
-                <a:hlinkClick r:id="rId2"/>
-              </a:rPr>
-              <a:t>More</a:t>
-            </a:r>
-            <a:r>
-              <a:rPr lang="en-US" sz="2400" dirty="0"/>
-              <a:t> (See the Feature Details section)</a:t>
-            </a:r>
-          </a:p>
-          <a:p>
-            <a:endParaRPr lang="en-US" sz="2400" dirty="0"/>
-          </a:p>
-          <a:p>
-            <a:endParaRPr lang="en-US" sz="2400" dirty="0"/>
+        <p:spPr/>
+        <p:txBody>
+          <a:bodyPr/>
+          <a:lstStyle/>
+          <a:p>
+            <a:r>
+              <a:rPr lang="en-US" dirty="0"/>
+              <a:t>Deterministic Encryption – Same plaintext value with same key = same encrypted value*</a:t>
+            </a:r>
+          </a:p>
+          <a:p>
+            <a:r>
+              <a:rPr lang="en-US" dirty="0"/>
+              <a:t>Random Encryption – Same plaintext value with same key &lt;&gt; same encrypted value (maybe)</a:t>
+            </a:r>
+          </a:p>
+          <a:p>
+            <a:endParaRPr lang="en-US" dirty="0"/>
+          </a:p>
+          <a:p>
+            <a:pPr marL="0" indent="0">
+              <a:buNone/>
+            </a:pPr>
+            <a:r>
+              <a:rPr lang="en-US" dirty="0"/>
+              <a:t>* Note: This does not necessarily mean that someone can derive the plaintext value from the encrypted values.</a:t>
+            </a:r>
           </a:p>
         </p:txBody>
       </p:sp>
     </p:spTree>
     <p:extLst>
       <p:ext uri="{BB962C8B-B14F-4D97-AF65-F5344CB8AC3E}">
-        <p14:creationId xmlns:p14="http://schemas.microsoft.com/office/powerpoint/2010/main" val="2489264377"/>
+        <p14:creationId xmlns:p14="http://schemas.microsoft.com/office/powerpoint/2010/main" val="2536329291"/>
       </p:ext>
     </p:extLst>
   </p:cSld>
@@ -5474,7 +5577,7 @@
       </p:grpSpPr>
       <p:sp>
         <p:nvSpPr>
-          <p:cNvPr id="2" name="Title 1"/>
+          <p:cNvPr id="4" name="Title 3"/>
           <p:cNvSpPr>
             <a:spLocks noGrp="1"/>
           </p:cNvSpPr>
@@ -5489,70 +5592,35 @@
           <a:p>
             <a:r>
               <a:rPr lang="en-US" dirty="0"/>
-              <a:t>Limitations – </a:t>
-            </a:r>
-            <a:r>
-              <a:rPr lang="en-US" dirty="0" err="1"/>
-              <a:t>Quiese</a:t>
-            </a:r>
+              <a:t>Demo</a:t>
+            </a:r>
+          </a:p>
+        </p:txBody>
+      </p:sp>
+      <p:sp>
+        <p:nvSpPr>
+          <p:cNvPr id="5" name="Text Placeholder 4"/>
+          <p:cNvSpPr>
+            <a:spLocks noGrp="1"/>
+          </p:cNvSpPr>
+          <p:nvPr>
+            <p:ph type="body" idx="1"/>
+          </p:nvPr>
+        </p:nvSpPr>
+        <p:spPr/>
+        <p:txBody>
+          <a:bodyPr/>
+          <a:lstStyle/>
+          <a:p>
             <a:r>
               <a:rPr lang="en-US" dirty="0"/>
-              <a:t> the Table</a:t>
-            </a:r>
-          </a:p>
-        </p:txBody>
-      </p:sp>
-      <p:sp>
-        <p:nvSpPr>
-          <p:cNvPr id="3" name="Content Placeholder 2"/>
-          <p:cNvSpPr>
-            <a:spLocks noGrp="1"/>
-          </p:cNvSpPr>
-          <p:nvPr>
-            <p:ph idx="1"/>
-          </p:nvPr>
-        </p:nvSpPr>
-        <p:spPr/>
-        <p:txBody>
-          <a:bodyPr>
-            <a:normAutofit fontScale="92500" lnSpcReduction="10000"/>
-          </a:bodyPr>
-          <a:lstStyle/>
-          <a:p>
-            <a:pPr marL="0" indent="0">
-              <a:buNone/>
-            </a:pPr>
+              <a:t>Always Encrypted Types and Indexing</a:t>
+            </a:r>
+          </a:p>
+          <a:p>
             <a:r>
               <a:rPr lang="en-US" dirty="0"/>
-              <a:t>One big limitation (</a:t>
-            </a:r>
-            <a:r>
-              <a:rPr lang="en-US" sz="1900" dirty="0"/>
-              <a:t>from</a:t>
-            </a:r>
-            <a:r>
-              <a:rPr lang="en-US" dirty="0"/>
-              <a:t> </a:t>
-            </a:r>
-            <a:r>
-              <a:rPr lang="en-US" sz="1900" dirty="0">
-                <a:hlinkClick r:id="rId2"/>
-              </a:rPr>
-              <a:t>https://blogs.msdn.microsoft.com/sqlsecurity/2015/10/31/ssms-encryption-wizard-enabling-always-encrypted-in-a-few-easy-steps/</a:t>
-            </a:r>
-            <a:r>
-              <a:rPr lang="en-US" dirty="0"/>
-              <a:t>)</a:t>
-            </a:r>
-          </a:p>
-          <a:p>
-            <a:r>
-              <a:rPr lang="en-US" b="1" i="1" dirty="0"/>
-              <a:t>Note:</a:t>
-            </a:r>
-            <a:r>
-              <a:rPr lang="en-US" i="1" dirty="0"/>
-              <a:t> When using the current version of the wizard, you need to make sure no other application inserts or updates rows in the tables, containing encrypted columns, while the encryption workflow is running. During the encryption workflow, the wizard creates a temporary table, downloads the data from your original table, encrypts the data and uploads it to the temporary table. Finally, the wizard deletes the original table and renames the temporary table to the original table. If another app is inserting or modifying data in the original table, the new or updated data may be lost. Make sure, you only run the encryption workflow in a planned maintenance window. This issue will be addressed in a later version of SSMS.</a:t>
+              <a:t>3x_xx.sql</a:t>
             </a:r>
           </a:p>
         </p:txBody>
@@ -5560,7 +5628,7 @@
     </p:spTree>
     <p:extLst>
       <p:ext uri="{BB962C8B-B14F-4D97-AF65-F5344CB8AC3E}">
-        <p14:creationId xmlns:p14="http://schemas.microsoft.com/office/powerpoint/2010/main" val="2611242635"/>
+        <p14:creationId xmlns:p14="http://schemas.microsoft.com/office/powerpoint/2010/main" val="1038270173"/>
       </p:ext>
     </p:extLst>
   </p:cSld>
@@ -5589,7 +5657,7 @@
       </p:grpSpPr>
       <p:sp>
         <p:nvSpPr>
-          <p:cNvPr id="4" name="Title 3"/>
+          <p:cNvPr id="2" name="Title 1"/>
           <p:cNvSpPr>
             <a:spLocks noGrp="1"/>
           </p:cNvSpPr>
@@ -5604,37 +5672,104 @@
           <a:p>
             <a:r>
               <a:rPr lang="en-US" dirty="0"/>
-              <a:t>Demo</a:t>
-            </a:r>
-          </a:p>
-        </p:txBody>
-      </p:sp>
-      <p:sp>
-        <p:nvSpPr>
-          <p:cNvPr id="5" name="Text Placeholder 4"/>
-          <p:cNvSpPr>
-            <a:spLocks noGrp="1"/>
-          </p:cNvSpPr>
-          <p:nvPr>
-            <p:ph type="body" idx="1"/>
-          </p:nvPr>
-        </p:nvSpPr>
-        <p:spPr/>
-        <p:txBody>
-          <a:bodyPr/>
-          <a:lstStyle/>
-          <a:p>
-            <a:r>
-              <a:rPr lang="en-US" dirty="0"/>
-              <a:t>Always Encrypted Limitations</a:t>
-            </a:r>
+              <a:t>Limitations</a:t>
+            </a:r>
+          </a:p>
+        </p:txBody>
+      </p:sp>
+      <p:sp>
+        <p:nvSpPr>
+          <p:cNvPr id="3" name="Content Placeholder 2"/>
+          <p:cNvSpPr>
+            <a:spLocks noGrp="1"/>
+          </p:cNvSpPr>
+          <p:nvPr>
+            <p:ph idx="1"/>
+          </p:nvPr>
+        </p:nvSpPr>
+        <p:spPr>
+          <a:xfrm>
+            <a:off x="607325" y="1825625"/>
+            <a:ext cx="10746475" cy="4351338"/>
+          </a:xfrm>
+        </p:spPr>
+        <p:txBody>
+          <a:bodyPr>
+            <a:normAutofit/>
+          </a:bodyPr>
+          <a:lstStyle/>
+          <a:p>
+            <a:r>
+              <a:rPr lang="en-US" sz="2400" dirty="0"/>
+              <a:t>Deterministic Encryption requires _BIN2 collation.</a:t>
+            </a:r>
+          </a:p>
+          <a:p>
+            <a:r>
+              <a:rPr lang="en-US" sz="2400" dirty="0"/>
+              <a:t>A CEK can have two encrypted values (for key rotation)</a:t>
+            </a:r>
+          </a:p>
+          <a:p>
+            <a:r>
+              <a:rPr lang="en-US" sz="2400" dirty="0"/>
+              <a:t>Queries can only perform operations on deterministic encryption</a:t>
+            </a:r>
+          </a:p>
+          <a:p>
+            <a:r>
+              <a:rPr lang="en-US" sz="2400" dirty="0"/>
+              <a:t>Only the equals (=) operation is allowed in queries. (No &gt;, &lt;, &lt;&gt;, like, etc.)</a:t>
+            </a:r>
+          </a:p>
+          <a:p>
+            <a:r>
+              <a:rPr lang="en-US" sz="2400" dirty="0"/>
+              <a:t>Queries must pass values as parameters, not literals.</a:t>
+            </a:r>
+          </a:p>
+          <a:p>
+            <a:r>
+              <a:rPr lang="en-US" sz="2400" dirty="0"/>
+              <a:t>Limited data types</a:t>
+            </a:r>
+          </a:p>
+          <a:p>
+            <a:r>
+              <a:rPr lang="en-US" sz="2400" dirty="0"/>
+              <a:t>Key columns in indexes only allow deterministic encryption</a:t>
+            </a:r>
+          </a:p>
+          <a:p>
+            <a:r>
+              <a:rPr lang="en-US" sz="2400" dirty="0"/>
+              <a:t>No CDC</a:t>
+            </a:r>
+          </a:p>
+          <a:p>
+            <a:r>
+              <a:rPr lang="en-US" sz="2400" dirty="0">
+                <a:hlinkClick r:id="rId2"/>
+              </a:rPr>
+              <a:t>More</a:t>
+            </a:r>
+            <a:r>
+              <a:rPr lang="en-US" sz="2400" dirty="0"/>
+              <a:t> (See the Feature Details section)</a:t>
+            </a:r>
+          </a:p>
+          <a:p>
+            <a:endParaRPr lang="en-US" sz="2400" dirty="0"/>
+          </a:p>
+          <a:p>
+            <a:endParaRPr lang="en-US" sz="2400" dirty="0"/>
           </a:p>
         </p:txBody>
       </p:sp>
     </p:spTree>
     <p:extLst>
       <p:ext uri="{BB962C8B-B14F-4D97-AF65-F5344CB8AC3E}">
-        <p14:creationId xmlns:p14="http://schemas.microsoft.com/office/powerpoint/2010/main" val="3449462831"/>
+        <p14:creationId xmlns:p14="http://schemas.microsoft.com/office/powerpoint/2010/main" val="2489264377"/>
       </p:ext>
     </p:extLst>
   </p:cSld>
@@ -5663,7 +5798,7 @@
       </p:grpSpPr>
       <p:sp>
         <p:nvSpPr>
-          <p:cNvPr id="4" name="Title 3"/>
+          <p:cNvPr id="2" name="Title 1"/>
           <p:cNvSpPr>
             <a:spLocks noGrp="1"/>
           </p:cNvSpPr>
@@ -5678,44 +5813,78 @@
           <a:p>
             <a:r>
               <a:rPr lang="en-US" dirty="0"/>
-              <a:t>Bonus Demo</a:t>
-            </a:r>
-          </a:p>
-        </p:txBody>
-      </p:sp>
-      <p:sp>
-        <p:nvSpPr>
-          <p:cNvPr id="5" name="Text Placeholder 4"/>
-          <p:cNvSpPr>
-            <a:spLocks noGrp="1"/>
-          </p:cNvSpPr>
-          <p:nvPr>
-            <p:ph type="body" idx="1"/>
-          </p:nvPr>
-        </p:nvSpPr>
-        <p:spPr/>
-        <p:txBody>
-          <a:bodyPr/>
-          <a:lstStyle/>
-          <a:p>
+              <a:t>Limitations – </a:t>
+            </a:r>
+            <a:r>
+              <a:rPr lang="en-US" dirty="0" err="1"/>
+              <a:t>Quiese</a:t>
+            </a:r>
             <a:r>
               <a:rPr lang="en-US" dirty="0"/>
-              <a:t>Always Encrypted Key Rotation</a:t>
-            </a:r>
-          </a:p>
-          <a:p>
-            <a:r>
-              <a:rPr lang="en-US"/>
-              <a:t>50_KeyRotation.sql</a:t>
-            </a:r>
-            <a:endParaRPr lang="en-US" dirty="0"/>
+              <a:t> the Table</a:t>
+            </a:r>
+          </a:p>
+        </p:txBody>
+      </p:sp>
+      <p:sp>
+        <p:nvSpPr>
+          <p:cNvPr id="3" name="Content Placeholder 2"/>
+          <p:cNvSpPr>
+            <a:spLocks noGrp="1"/>
+          </p:cNvSpPr>
+          <p:nvPr>
+            <p:ph idx="1"/>
+          </p:nvPr>
+        </p:nvSpPr>
+        <p:spPr/>
+        <p:txBody>
+          <a:bodyPr>
+            <a:normAutofit fontScale="92500" lnSpcReduction="10000"/>
+          </a:bodyPr>
+          <a:lstStyle/>
+          <a:p>
+            <a:pPr marL="0" indent="0">
+              <a:buNone/>
+            </a:pPr>
+            <a:r>
+              <a:rPr lang="en-US" dirty="0"/>
+              <a:t>One big limitation (</a:t>
+            </a:r>
+            <a:r>
+              <a:rPr lang="en-US" sz="1900" dirty="0"/>
+              <a:t>from</a:t>
+            </a:r>
+            <a:r>
+              <a:rPr lang="en-US" dirty="0"/>
+              <a:t> </a:t>
+            </a:r>
+            <a:r>
+              <a:rPr lang="en-US" sz="1900" dirty="0">
+                <a:hlinkClick r:id="rId2"/>
+              </a:rPr>
+              <a:t>https://blogs.msdn.microsoft.com/sqlsecurity/2015/10/31/ssms-encryption-wizard-enabling-always-encrypted-in-a-few-easy-steps/</a:t>
+            </a:r>
+            <a:r>
+              <a:rPr lang="en-US" dirty="0"/>
+              <a:t>)</a:t>
+            </a:r>
+          </a:p>
+          <a:p>
+            <a:r>
+              <a:rPr lang="en-US" b="1" i="1" dirty="0"/>
+              <a:t>Note:</a:t>
+            </a:r>
+            <a:r>
+              <a:rPr lang="en-US" i="1" dirty="0"/>
+              <a:t> When using the current version of the wizard, you need to make sure no other application inserts or updates rows in the tables, containing encrypted columns, while the encryption workflow is running. During the encryption workflow, the wizard creates a temporary table, downloads the data from your original table, encrypts the data and uploads it to the temporary table. Finally, the wizard deletes the original table and renames the temporary table to the original table. If another app is inserting or modifying data in the original table, the new or updated data may be lost. Make sure, you only run the encryption workflow in a planned maintenance window. This issue will be addressed in a later version of SSMS.</a:t>
+            </a:r>
           </a:p>
         </p:txBody>
       </p:sp>
     </p:spTree>
     <p:extLst>
       <p:ext uri="{BB962C8B-B14F-4D97-AF65-F5344CB8AC3E}">
-        <p14:creationId xmlns:p14="http://schemas.microsoft.com/office/powerpoint/2010/main" val="4067089543"/>
+        <p14:creationId xmlns:p14="http://schemas.microsoft.com/office/powerpoint/2010/main" val="2611242635"/>
       </p:ext>
     </p:extLst>
   </p:cSld>
@@ -5759,6 +5928,160 @@
           <a:p>
             <a:r>
               <a:rPr lang="en-US" dirty="0"/>
+              <a:t>Demo</a:t>
+            </a:r>
+          </a:p>
+        </p:txBody>
+      </p:sp>
+      <p:sp>
+        <p:nvSpPr>
+          <p:cNvPr id="5" name="Text Placeholder 4"/>
+          <p:cNvSpPr>
+            <a:spLocks noGrp="1"/>
+          </p:cNvSpPr>
+          <p:nvPr>
+            <p:ph type="body" idx="1"/>
+          </p:nvPr>
+        </p:nvSpPr>
+        <p:spPr/>
+        <p:txBody>
+          <a:bodyPr/>
+          <a:lstStyle/>
+          <a:p>
+            <a:r>
+              <a:rPr lang="en-US" dirty="0"/>
+              <a:t>Always Encrypted Limitations</a:t>
+            </a:r>
+          </a:p>
+        </p:txBody>
+      </p:sp>
+    </p:spTree>
+    <p:extLst>
+      <p:ext uri="{BB962C8B-B14F-4D97-AF65-F5344CB8AC3E}">
+        <p14:creationId xmlns:p14="http://schemas.microsoft.com/office/powerpoint/2010/main" val="3449462831"/>
+      </p:ext>
+    </p:extLst>
+  </p:cSld>
+  <p:clrMapOvr>
+    <a:masterClrMapping/>
+  </p:clrMapOvr>
+</p:sld>
+</file>
+
+<file path=ppt/slides/slide24.xml><?xml version="1.0" encoding="utf-8"?>
+<p:sld xmlns:a="http://schemas.openxmlformats.org/drawingml/2006/main" xmlns:r="http://schemas.openxmlformats.org/officeDocument/2006/relationships" xmlns:p="http://schemas.openxmlformats.org/presentationml/2006/main">
+  <p:cSld>
+    <p:spTree>
+      <p:nvGrpSpPr>
+        <p:cNvPr id="1" name=""/>
+        <p:cNvGrpSpPr/>
+        <p:nvPr/>
+      </p:nvGrpSpPr>
+      <p:grpSpPr>
+        <a:xfrm>
+          <a:off x="0" y="0"/>
+          <a:ext cx="0" cy="0"/>
+          <a:chOff x="0" y="0"/>
+          <a:chExt cx="0" cy="0"/>
+        </a:xfrm>
+      </p:grpSpPr>
+      <p:sp>
+        <p:nvSpPr>
+          <p:cNvPr id="4" name="Title 3"/>
+          <p:cNvSpPr>
+            <a:spLocks noGrp="1"/>
+          </p:cNvSpPr>
+          <p:nvPr>
+            <p:ph type="title"/>
+          </p:nvPr>
+        </p:nvSpPr>
+        <p:spPr/>
+        <p:txBody>
+          <a:bodyPr/>
+          <a:lstStyle/>
+          <a:p>
+            <a:r>
+              <a:rPr lang="en-US" dirty="0"/>
+              <a:t>Bonus Demo</a:t>
+            </a:r>
+          </a:p>
+        </p:txBody>
+      </p:sp>
+      <p:sp>
+        <p:nvSpPr>
+          <p:cNvPr id="5" name="Text Placeholder 4"/>
+          <p:cNvSpPr>
+            <a:spLocks noGrp="1"/>
+          </p:cNvSpPr>
+          <p:nvPr>
+            <p:ph type="body" idx="1"/>
+          </p:nvPr>
+        </p:nvSpPr>
+        <p:spPr/>
+        <p:txBody>
+          <a:bodyPr/>
+          <a:lstStyle/>
+          <a:p>
+            <a:r>
+              <a:rPr lang="en-US" dirty="0"/>
+              <a:t>Always Encrypted Key Rotation</a:t>
+            </a:r>
+          </a:p>
+          <a:p>
+            <a:r>
+              <a:rPr lang="en-US" dirty="0"/>
+              <a:t>50_KeyRotation.sql</a:t>
+            </a:r>
+          </a:p>
+        </p:txBody>
+      </p:sp>
+    </p:spTree>
+    <p:extLst>
+      <p:ext uri="{BB962C8B-B14F-4D97-AF65-F5344CB8AC3E}">
+        <p14:creationId xmlns:p14="http://schemas.microsoft.com/office/powerpoint/2010/main" val="4067089543"/>
+      </p:ext>
+    </p:extLst>
+  </p:cSld>
+  <p:clrMapOvr>
+    <a:masterClrMapping/>
+  </p:clrMapOvr>
+</p:sld>
+</file>
+
+<file path=ppt/slides/slide25.xml><?xml version="1.0" encoding="utf-8"?>
+<p:sld xmlns:a="http://schemas.openxmlformats.org/drawingml/2006/main" xmlns:r="http://schemas.openxmlformats.org/officeDocument/2006/relationships" xmlns:p="http://schemas.openxmlformats.org/presentationml/2006/main">
+  <p:cSld>
+    <p:spTree>
+      <p:nvGrpSpPr>
+        <p:cNvPr id="1" name=""/>
+        <p:cNvGrpSpPr/>
+        <p:nvPr/>
+      </p:nvGrpSpPr>
+      <p:grpSpPr>
+        <a:xfrm>
+          <a:off x="0" y="0"/>
+          <a:ext cx="0" cy="0"/>
+          <a:chOff x="0" y="0"/>
+          <a:chExt cx="0" cy="0"/>
+        </a:xfrm>
+      </p:grpSpPr>
+      <p:sp>
+        <p:nvSpPr>
+          <p:cNvPr id="4" name="Title 3"/>
+          <p:cNvSpPr>
+            <a:spLocks noGrp="1"/>
+          </p:cNvSpPr>
+          <p:nvPr>
+            <p:ph type="title"/>
+          </p:nvPr>
+        </p:nvSpPr>
+        <p:spPr/>
+        <p:txBody>
+          <a:bodyPr/>
+          <a:lstStyle/>
+          <a:p>
+            <a:r>
+              <a:rPr lang="en-US" dirty="0"/>
               <a:t>Summary</a:t>
             </a:r>
           </a:p>
@@ -5817,7 +6140,7 @@
 </p:sld>
 </file>
 
-<file path=ppt/slides/slide24.xml><?xml version="1.0" encoding="utf-8"?>
+<file path=ppt/slides/slide26.xml><?xml version="1.0" encoding="utf-8"?>
 <p:sld xmlns:a="http://schemas.openxmlformats.org/drawingml/2006/main" xmlns:r="http://schemas.openxmlformats.org/officeDocument/2006/relationships" xmlns:p="http://schemas.openxmlformats.org/presentationml/2006/main">
   <p:cSld>
     <p:spTree>
@@ -6381,7 +6704,7 @@
 </p:sld>
 </file>
 
-<file path=ppt/slides/slide25.xml><?xml version="1.0" encoding="utf-8"?>
+<file path=ppt/slides/slide27.xml><?xml version="1.0" encoding="utf-8"?>
 <p:sld xmlns:a="http://schemas.openxmlformats.org/drawingml/2006/main" xmlns:r="http://schemas.openxmlformats.org/officeDocument/2006/relationships" xmlns:p="http://schemas.openxmlformats.org/presentationml/2006/main">
   <p:cSld>
     <p:spTree>
@@ -6481,7 +6804,7 @@
 </p:sld>
 </file>
 
-<file path=ppt/slides/slide26.xml><?xml version="1.0" encoding="utf-8"?>
+<file path=ppt/slides/slide28.xml><?xml version="1.0" encoding="utf-8"?>
 <p:sld xmlns:a="http://schemas.openxmlformats.org/drawingml/2006/main" xmlns:r="http://schemas.openxmlformats.org/officeDocument/2006/relationships" xmlns:p="http://schemas.openxmlformats.org/presentationml/2006/main">
   <p:cSld>
     <p:spTree>

--- a/EndtoEndAlwaysEncrypted.pptx
+++ b/EndtoEndAlwaysEncrypted.pptx
@@ -6045,6 +6045,13 @@
   <p:clrMapOvr>
     <a:masterClrMapping/>
   </p:clrMapOvr>
+  <p:timing>
+    <p:tnLst>
+      <p:par>
+        <p:cTn id="1" dur="indefinite" restart="never" nodeType="tmRoot"/>
+      </p:par>
+    </p:tnLst>
+  </p:timing>
 </p:sld>
 </file>
 
@@ -6104,8 +6111,20 @@
           <a:p>
             <a:r>
               <a:rPr lang="en-US" dirty="0"/>
-              <a:t>Always Encrypted only requires a change to the connection string</a:t>
-            </a:r>
+              <a:t>Always Encrypted only requires a change to the connection </a:t>
+            </a:r>
+            <a:r>
+              <a:rPr lang="en-US" dirty="0" smtClean="0"/>
+              <a:t>string</a:t>
+            </a:r>
+          </a:p>
+          <a:p>
+            <a:pPr lvl="1"/>
+            <a:r>
+              <a:rPr lang="en-US" dirty="0" smtClean="0"/>
+              <a:t>Caveat - collation</a:t>
+            </a:r>
+            <a:endParaRPr lang="en-US" dirty="0"/>
           </a:p>
           <a:p>
             <a:r>
@@ -6137,6 +6156,13 @@
   <p:clrMapOvr>
     <a:masterClrMapping/>
   </p:clrMapOvr>
+  <p:timing>
+    <p:tnLst>
+      <p:par>
+        <p:cTn id="1" dur="indefinite" restart="never" nodeType="tmRoot"/>
+      </p:par>
+    </p:tnLst>
+  </p:timing>
 </p:sld>
 </file>
 
@@ -6189,7 +6215,12 @@
             <p:ph idx="1"/>
           </p:nvPr>
         </p:nvSpPr>
-        <p:spPr/>
+        <p:spPr>
+          <a:xfrm>
+            <a:off x="838200" y="1656947"/>
+            <a:ext cx="10515600" cy="4351338"/>
+          </a:xfrm>
+        </p:spPr>
         <p:txBody>
           <a:bodyPr/>
           <a:lstStyle/>
@@ -6211,11 +6242,27 @@
               <a:t>Ask at </a:t>
             </a:r>
             <a:r>
-              <a:rPr lang="en-US" dirty="0">
+              <a:rPr lang="en-US" dirty="0" smtClean="0">
                 <a:hlinkClick r:id="rId2"/>
               </a:rPr>
               <a:t>www.sqlservercentral.com/forums</a:t>
             </a:r>
+            <a:endParaRPr lang="en-US" dirty="0" smtClean="0"/>
+          </a:p>
+          <a:p>
+            <a:r>
+              <a:rPr lang="en-US" dirty="0" smtClean="0"/>
+              <a:t>Slides/Code at </a:t>
+            </a:r>
+            <a:r>
+              <a:rPr lang="en-US" dirty="0" smtClean="0">
+                <a:hlinkClick r:id="rId3"/>
+              </a:rPr>
+              <a:t>www.voiceofthedba.com/talks</a:t>
+            </a:r>
+            <a:endParaRPr lang="en-US" dirty="0" smtClean="0"/>
+          </a:p>
+          <a:p>
             <a:endParaRPr lang="en-US" dirty="0"/>
           </a:p>
           <a:p>
@@ -6231,7 +6278,7 @@
         </p:nvGrpSpPr>
         <p:grpSpPr>
           <a:xfrm>
-            <a:off x="2779712" y="3716338"/>
+            <a:off x="2779712" y="3831752"/>
             <a:ext cx="6632576" cy="2562226"/>
             <a:chOff x="2689225" y="3398838"/>
             <a:chExt cx="6632576" cy="2562226"/>
@@ -6385,7 +6432,7 @@
             <p:nvPr/>
           </p:nvPicPr>
           <p:blipFill>
-            <a:blip r:embed="rId3">
+            <a:blip r:embed="rId4">
               <a:extLst>
                 <a:ext uri="{28A0092B-C50C-407E-A947-70E740481C1C}">
                   <a14:useLocalDpi xmlns:a14="http://schemas.microsoft.com/office/drawing/2010/main" val="0"/>
@@ -6439,7 +6486,7 @@
             <p:nvPr/>
           </p:nvPicPr>
           <p:blipFill>
-            <a:blip r:embed="rId4">
+            <a:blip r:embed="rId5">
               <a:extLst>
                 <a:ext uri="{28A0092B-C50C-407E-A947-70E740481C1C}">
                   <a14:useLocalDpi xmlns:a14="http://schemas.microsoft.com/office/drawing/2010/main" val="0"/>
@@ -6493,7 +6540,7 @@
             <p:nvPr/>
           </p:nvPicPr>
           <p:blipFill>
-            <a:blip r:embed="rId5">
+            <a:blip r:embed="rId6">
               <a:extLst>
                 <a:ext uri="{28A0092B-C50C-407E-A947-70E740481C1C}">
                   <a14:useLocalDpi xmlns:a14="http://schemas.microsoft.com/office/drawing/2010/main" val="0"/>
@@ -6547,7 +6594,7 @@
             <p:nvPr/>
           </p:nvPicPr>
           <p:blipFill>
-            <a:blip r:embed="rId6">
+            <a:blip r:embed="rId7">
               <a:extLst>
                 <a:ext uri="{28A0092B-C50C-407E-A947-70E740481C1C}">
                   <a14:useLocalDpi xmlns:a14="http://schemas.microsoft.com/office/drawing/2010/main" val="0"/>
@@ -6645,7 +6692,7 @@
             <p:nvPr/>
           </p:nvPicPr>
           <p:blipFill>
-            <a:blip r:embed="rId7">
+            <a:blip r:embed="rId8">
               <a:extLst>
                 <a:ext uri="{28A0092B-C50C-407E-A947-70E740481C1C}">
                   <a14:useLocalDpi xmlns:a14="http://schemas.microsoft.com/office/drawing/2010/main" val="0"/>
@@ -6701,6 +6748,13 @@
   <p:clrMapOvr>
     <a:masterClrMapping/>
   </p:clrMapOvr>
+  <p:timing>
+    <p:tnLst>
+      <p:par>
+        <p:cTn id="1" dur="indefinite" restart="never" nodeType="tmRoot"/>
+      </p:par>
+    </p:tnLst>
+  </p:timing>
 </p:sld>
 </file>
 
@@ -6801,6 +6855,13 @@
   <p:clrMapOvr>
     <a:masterClrMapping/>
   </p:clrMapOvr>
+  <p:timing>
+    <p:tnLst>
+      <p:par>
+        <p:cTn id="1" dur="indefinite" restart="never" nodeType="tmRoot"/>
+      </p:par>
+    </p:tnLst>
+  </p:timing>
 </p:sld>
 </file>
 

--- a/EndtoEndAlwaysEncrypted.pptx
+++ b/EndtoEndAlwaysEncrypted.pptx
@@ -6045,13 +6045,6 @@
   <p:clrMapOvr>
     <a:masterClrMapping/>
   </p:clrMapOvr>
-  <p:timing>
-    <p:tnLst>
-      <p:par>
-        <p:cTn id="1" dur="indefinite" restart="never" nodeType="tmRoot"/>
-      </p:par>
-    </p:tnLst>
-  </p:timing>
 </p:sld>
 </file>
 
@@ -6111,20 +6104,8 @@
           <a:p>
             <a:r>
               <a:rPr lang="en-US" dirty="0"/>
-              <a:t>Always Encrypted only requires a change to the connection </a:t>
-            </a:r>
-            <a:r>
-              <a:rPr lang="en-US" dirty="0" smtClean="0"/>
-              <a:t>string</a:t>
-            </a:r>
-          </a:p>
-          <a:p>
-            <a:pPr lvl="1"/>
-            <a:r>
-              <a:rPr lang="en-US" dirty="0" smtClean="0"/>
-              <a:t>Caveat - collation</a:t>
-            </a:r>
-            <a:endParaRPr lang="en-US" dirty="0"/>
+              <a:t>Always Encrypted only requires a change to the connection string</a:t>
+            </a:r>
           </a:p>
           <a:p>
             <a:r>
@@ -6156,13 +6137,6 @@
   <p:clrMapOvr>
     <a:masterClrMapping/>
   </p:clrMapOvr>
-  <p:timing>
-    <p:tnLst>
-      <p:par>
-        <p:cTn id="1" dur="indefinite" restart="never" nodeType="tmRoot"/>
-      </p:par>
-    </p:tnLst>
-  </p:timing>
 </p:sld>
 </file>
 
@@ -6215,12 +6189,7 @@
             <p:ph idx="1"/>
           </p:nvPr>
         </p:nvSpPr>
-        <p:spPr>
-          <a:xfrm>
-            <a:off x="838200" y="1656947"/>
-            <a:ext cx="10515600" cy="4351338"/>
-          </a:xfrm>
-        </p:spPr>
+        <p:spPr/>
         <p:txBody>
           <a:bodyPr/>
           <a:lstStyle/>
@@ -6242,27 +6211,11 @@
               <a:t>Ask at </a:t>
             </a:r>
             <a:r>
-              <a:rPr lang="en-US" dirty="0" smtClean="0">
+              <a:rPr lang="en-US" dirty="0">
                 <a:hlinkClick r:id="rId2"/>
               </a:rPr>
               <a:t>www.sqlservercentral.com/forums</a:t>
             </a:r>
-            <a:endParaRPr lang="en-US" dirty="0" smtClean="0"/>
-          </a:p>
-          <a:p>
-            <a:r>
-              <a:rPr lang="en-US" dirty="0" smtClean="0"/>
-              <a:t>Slides/Code at </a:t>
-            </a:r>
-            <a:r>
-              <a:rPr lang="en-US" dirty="0" smtClean="0">
-                <a:hlinkClick r:id="rId3"/>
-              </a:rPr>
-              <a:t>www.voiceofthedba.com/talks</a:t>
-            </a:r>
-            <a:endParaRPr lang="en-US" dirty="0" smtClean="0"/>
-          </a:p>
-          <a:p>
             <a:endParaRPr lang="en-US" dirty="0"/>
           </a:p>
           <a:p>
@@ -6278,7 +6231,7 @@
         </p:nvGrpSpPr>
         <p:grpSpPr>
           <a:xfrm>
-            <a:off x="2779712" y="3831752"/>
+            <a:off x="2779712" y="3716338"/>
             <a:ext cx="6632576" cy="2562226"/>
             <a:chOff x="2689225" y="3398838"/>
             <a:chExt cx="6632576" cy="2562226"/>
@@ -6432,7 +6385,7 @@
             <p:nvPr/>
           </p:nvPicPr>
           <p:blipFill>
-            <a:blip r:embed="rId4">
+            <a:blip r:embed="rId3">
               <a:extLst>
                 <a:ext uri="{28A0092B-C50C-407E-A947-70E740481C1C}">
                   <a14:useLocalDpi xmlns:a14="http://schemas.microsoft.com/office/drawing/2010/main" val="0"/>
@@ -6486,7 +6439,7 @@
             <p:nvPr/>
           </p:nvPicPr>
           <p:blipFill>
-            <a:blip r:embed="rId5">
+            <a:blip r:embed="rId4">
               <a:extLst>
                 <a:ext uri="{28A0092B-C50C-407E-A947-70E740481C1C}">
                   <a14:useLocalDpi xmlns:a14="http://schemas.microsoft.com/office/drawing/2010/main" val="0"/>
@@ -6540,7 +6493,7 @@
             <p:nvPr/>
           </p:nvPicPr>
           <p:blipFill>
-            <a:blip r:embed="rId6">
+            <a:blip r:embed="rId5">
               <a:extLst>
                 <a:ext uri="{28A0092B-C50C-407E-A947-70E740481C1C}">
                   <a14:useLocalDpi xmlns:a14="http://schemas.microsoft.com/office/drawing/2010/main" val="0"/>
@@ -6594,7 +6547,7 @@
             <p:nvPr/>
           </p:nvPicPr>
           <p:blipFill>
-            <a:blip r:embed="rId7">
+            <a:blip r:embed="rId6">
               <a:extLst>
                 <a:ext uri="{28A0092B-C50C-407E-A947-70E740481C1C}">
                   <a14:useLocalDpi xmlns:a14="http://schemas.microsoft.com/office/drawing/2010/main" val="0"/>
@@ -6692,7 +6645,7 @@
             <p:nvPr/>
           </p:nvPicPr>
           <p:blipFill>
-            <a:blip r:embed="rId8">
+            <a:blip r:embed="rId7">
               <a:extLst>
                 <a:ext uri="{28A0092B-C50C-407E-A947-70E740481C1C}">
                   <a14:useLocalDpi xmlns:a14="http://schemas.microsoft.com/office/drawing/2010/main" val="0"/>
@@ -6748,13 +6701,6 @@
   <p:clrMapOvr>
     <a:masterClrMapping/>
   </p:clrMapOvr>
-  <p:timing>
-    <p:tnLst>
-      <p:par>
-        <p:cTn id="1" dur="indefinite" restart="never" nodeType="tmRoot"/>
-      </p:par>
-    </p:tnLst>
-  </p:timing>
 </p:sld>
 </file>
 
@@ -6855,13 +6801,6 @@
   <p:clrMapOvr>
     <a:masterClrMapping/>
   </p:clrMapOvr>
-  <p:timing>
-    <p:tnLst>
-      <p:par>
-        <p:cTn id="1" dur="indefinite" restart="never" nodeType="tmRoot"/>
-      </p:par>
-    </p:tnLst>
-  </p:timing>
 </p:sld>
 </file>
 

--- a/EndtoEndAlwaysEncrypted.pptx
+++ b/EndtoEndAlwaysEncrypted.pptx
@@ -224,7 +224,7 @@
           <a:p>
             <a:fld id="{501103D5-940C-4BC6-8DD6-EC56A2463EE0}" type="datetimeFigureOut">
               <a:rPr lang="en-US" smtClean="0"/>
-              <a:t>4/13/2016</a:t>
+              <a:t>4/20/2016</a:t>
             </a:fld>
             <a:endParaRPr lang="en-US"/>
           </a:p>
@@ -1751,7 +1751,7 @@
           <a:p>
             <a:fld id="{AFE28CCF-C73F-479B-94EC-A5E54FF894ED}" type="datetimeFigureOut">
               <a:rPr lang="en-US" smtClean="0"/>
-              <a:t>4/13/2016</a:t>
+              <a:t>4/20/2016</a:t>
             </a:fld>
             <a:endParaRPr lang="en-US"/>
           </a:p>
@@ -1919,7 +1919,7 @@
           <a:p>
             <a:fld id="{AFE28CCF-C73F-479B-94EC-A5E54FF894ED}" type="datetimeFigureOut">
               <a:rPr lang="en-US" smtClean="0"/>
-              <a:t>4/13/2016</a:t>
+              <a:t>4/20/2016</a:t>
             </a:fld>
             <a:endParaRPr lang="en-US"/>
           </a:p>
@@ -2097,7 +2097,7 @@
           <a:p>
             <a:fld id="{AFE28CCF-C73F-479B-94EC-A5E54FF894ED}" type="datetimeFigureOut">
               <a:rPr lang="en-US" smtClean="0"/>
-              <a:t>4/13/2016</a:t>
+              <a:t>4/20/2016</a:t>
             </a:fld>
             <a:endParaRPr lang="en-US"/>
           </a:p>
@@ -2265,7 +2265,7 @@
           <a:p>
             <a:fld id="{AFE28CCF-C73F-479B-94EC-A5E54FF894ED}" type="datetimeFigureOut">
               <a:rPr lang="en-US" smtClean="0"/>
-              <a:t>4/13/2016</a:t>
+              <a:t>4/20/2016</a:t>
             </a:fld>
             <a:endParaRPr lang="en-US"/>
           </a:p>
@@ -2510,7 +2510,7 @@
           <a:p>
             <a:fld id="{AFE28CCF-C73F-479B-94EC-A5E54FF894ED}" type="datetimeFigureOut">
               <a:rPr lang="en-US" smtClean="0"/>
-              <a:t>4/13/2016</a:t>
+              <a:t>4/20/2016</a:t>
             </a:fld>
             <a:endParaRPr lang="en-US"/>
           </a:p>
@@ -2739,7 +2739,7 @@
           <a:p>
             <a:fld id="{AFE28CCF-C73F-479B-94EC-A5E54FF894ED}" type="datetimeFigureOut">
               <a:rPr lang="en-US" smtClean="0"/>
-              <a:t>4/13/2016</a:t>
+              <a:t>4/20/2016</a:t>
             </a:fld>
             <a:endParaRPr lang="en-US"/>
           </a:p>
@@ -3103,7 +3103,7 @@
           <a:p>
             <a:fld id="{AFE28CCF-C73F-479B-94EC-A5E54FF894ED}" type="datetimeFigureOut">
               <a:rPr lang="en-US" smtClean="0"/>
-              <a:t>4/13/2016</a:t>
+              <a:t>4/20/2016</a:t>
             </a:fld>
             <a:endParaRPr lang="en-US"/>
           </a:p>
@@ -3220,7 +3220,7 @@
           <a:p>
             <a:fld id="{AFE28CCF-C73F-479B-94EC-A5E54FF894ED}" type="datetimeFigureOut">
               <a:rPr lang="en-US" smtClean="0"/>
-              <a:t>4/13/2016</a:t>
+              <a:t>4/20/2016</a:t>
             </a:fld>
             <a:endParaRPr lang="en-US"/>
           </a:p>
@@ -3315,7 +3315,7 @@
           <a:p>
             <a:fld id="{AFE28CCF-C73F-479B-94EC-A5E54FF894ED}" type="datetimeFigureOut">
               <a:rPr lang="en-US" smtClean="0"/>
-              <a:t>4/13/2016</a:t>
+              <a:t>4/20/2016</a:t>
             </a:fld>
             <a:endParaRPr lang="en-US"/>
           </a:p>
@@ -3590,7 +3590,7 @@
           <a:p>
             <a:fld id="{AFE28CCF-C73F-479B-94EC-A5E54FF894ED}" type="datetimeFigureOut">
               <a:rPr lang="en-US" smtClean="0"/>
-              <a:t>4/13/2016</a:t>
+              <a:t>4/20/2016</a:t>
             </a:fld>
             <a:endParaRPr lang="en-US"/>
           </a:p>
@@ -3842,7 +3842,7 @@
           <a:p>
             <a:fld id="{AFE28CCF-C73F-479B-94EC-A5E54FF894ED}" type="datetimeFigureOut">
               <a:rPr lang="en-US" smtClean="0"/>
-              <a:t>4/13/2016</a:t>
+              <a:t>4/20/2016</a:t>
             </a:fld>
             <a:endParaRPr lang="en-US"/>
           </a:p>
@@ -4053,7 +4053,7 @@
           <a:p>
             <a:fld id="{AFE28CCF-C73F-479B-94EC-A5E54FF894ED}" type="datetimeFigureOut">
               <a:rPr lang="en-US" smtClean="0"/>
-              <a:t>4/13/2016</a:t>
+              <a:t>4/20/2016</a:t>
             </a:fld>
             <a:endParaRPr lang="en-US"/>
           </a:p>
@@ -4526,6 +4526,66 @@
           </a:p>
         </p:txBody>
       </p:sp>
+      <p:pic>
+        <p:nvPicPr>
+          <p:cNvPr id="4" name="Picture 3"/>
+          <p:cNvPicPr>
+            <a:picLocks noChangeAspect="1"/>
+          </p:cNvPicPr>
+          <p:nvPr/>
+        </p:nvPicPr>
+        <p:blipFill>
+          <a:blip r:embed="rId3" cstate="print">
+            <a:extLst>
+              <a:ext uri="{28A0092B-C50C-407E-A947-70E740481C1C}">
+                <a14:useLocalDpi xmlns:a14="http://schemas.microsoft.com/office/drawing/2010/main" val="0"/>
+              </a:ext>
+            </a:extLst>
+          </a:blip>
+          <a:stretch>
+            <a:fillRect/>
+          </a:stretch>
+        </p:blipFill>
+        <p:spPr>
+          <a:xfrm>
+            <a:off x="8481227" y="3982710"/>
+            <a:ext cx="2801551" cy="671582"/>
+          </a:xfrm>
+          <a:prstGeom prst="rect">
+            <a:avLst/>
+          </a:prstGeom>
+        </p:spPr>
+      </p:pic>
+      <p:pic>
+        <p:nvPicPr>
+          <p:cNvPr id="5" name="Picture 4"/>
+          <p:cNvPicPr>
+            <a:picLocks noChangeAspect="1"/>
+          </p:cNvPicPr>
+          <p:nvPr/>
+        </p:nvPicPr>
+        <p:blipFill>
+          <a:blip r:embed="rId4">
+            <a:extLst>
+              <a:ext uri="{28A0092B-C50C-407E-A947-70E740481C1C}">
+                <a14:useLocalDpi xmlns:a14="http://schemas.microsoft.com/office/drawing/2010/main" val="0"/>
+              </a:ext>
+            </a:extLst>
+          </a:blip>
+          <a:stretch>
+            <a:fillRect/>
+          </a:stretch>
+        </p:blipFill>
+        <p:spPr>
+          <a:xfrm>
+            <a:off x="909222" y="3851938"/>
+            <a:ext cx="2634712" cy="933127"/>
+          </a:xfrm>
+          <a:prstGeom prst="rect">
+            <a:avLst/>
+          </a:prstGeom>
+        </p:spPr>
+      </p:pic>
     </p:spTree>
     <p:extLst>
       <p:ext uri="{BB962C8B-B14F-4D97-AF65-F5344CB8AC3E}">
